--- a/documentation/training/c3prv2_overview_training.pptx
+++ b/documentation/training/c3prv2_overview_training.pptx
@@ -164,6 +164,52 @@
 </p:presentation>
 </file>
 
+<file path=ppt/commentAuthors.xml><?xml version="1.0" encoding="utf-8"?>
+<p:cmAuthorLst xmlns:a="http://schemas.openxmlformats.org/drawingml/2006/main" xmlns:r="http://schemas.openxmlformats.org/officeDocument/2006/relationships" xmlns:p="http://schemas.openxmlformats.org/presentationml/2006/main">
+  <p:cmAuthor id="0" name="Patrick McConnell" initials="PM" lastIdx="5" clrIdx="0"/>
+</p:cmAuthorLst>
+</file>
+
+<file path=ppt/comments/comment1.xml><?xml version="1.0" encoding="utf-8"?>
+<p:cmLst xmlns:a="http://schemas.openxmlformats.org/drawingml/2006/main" xmlns:r="http://schemas.openxmlformats.org/officeDocument/2006/relationships" xmlns:p="http://schemas.openxmlformats.org/presentationml/2006/main">
+  <p:cm authorId="0" dt="2007-10-17T16:42:15.671" idx="1">
+    <p:pos x="3693" y="1883"/>
+    <p:text>Instead of Associate how about Registera patient on a trial?</p:text>
+  </p:cm>
+  <p:cm authorId="0" dt="2007-10-17T16:42:41.171" idx="2">
+    <p:pos x="2578" y="3224"/>
+    <p:text>What about eligibility criteria and stratification?</p:text>
+  </p:cm>
+</p:cmLst>
+</file>
+
+<file path=ppt/comments/comment2.xml><?xml version="1.0" encoding="utf-8"?>
+<p:cmLst xmlns:a="http://schemas.openxmlformats.org/drawingml/2006/main" xmlns:r="http://schemas.openxmlformats.org/officeDocument/2006/relationships" xmlns:p="http://schemas.openxmlformats.org/presentationml/2006/main">
+  <p:cm authorId="0" dt="2007-10-17T16:43:02.125" idx="3">
+    <p:pos x="4794" y="2480"/>
+    <p:text>Registering Patients instead of Associating?</p:text>
+  </p:cm>
+</p:cmLst>
+</file>
+
+<file path=ppt/comments/comment3.xml><?xml version="1.0" encoding="utf-8"?>
+<p:cmLst xmlns:a="http://schemas.openxmlformats.org/drawingml/2006/main" xmlns:r="http://schemas.openxmlformats.org/officeDocument/2006/relationships" xmlns:p="http://schemas.openxmlformats.org/presentationml/2006/main">
+  <p:cm authorId="0" dt="2007-10-17T16:43:32.171" idx="4">
+    <p:pos x="2497" y="2077"/>
+    <p:text>Need a hyphen</p:text>
+  </p:cm>
+</p:cmLst>
+</file>
+
+<file path=ppt/comments/comment4.xml><?xml version="1.0" encoding="utf-8"?>
+<p:cmLst xmlns:a="http://schemas.openxmlformats.org/drawingml/2006/main" xmlns:r="http://schemas.openxmlformats.org/officeDocument/2006/relationships" xmlns:p="http://schemas.openxmlformats.org/presentationml/2006/main">
+  <p:cm authorId="0" dt="2007-10-17T16:43:49.015" idx="5">
+    <p:pos x="1814" y="478"/>
+    <p:text>Registering?</p:text>
+  </p:cm>
+</p:cmLst>
+</file>
+
 <file path=ppt/handoutMasters/handoutMaster1.xml><?xml version="1.0" encoding="utf-8"?>
 <p:handoutMaster xmlns:a="http://schemas.openxmlformats.org/drawingml/2006/main" xmlns:r="http://schemas.openxmlformats.org/officeDocument/2006/relationships" xmlns:p="http://schemas.openxmlformats.org/presentationml/2006/main">
   <p:cSld>
@@ -228,6 +274,9 @@
             </a:lvl1pPr>
           </a:lstStyle>
           <a:p>
+            <a:pPr>
+              <a:defRPr/>
+            </a:pPr>
             <a:endParaRPr lang="en-US"/>
           </a:p>
         </p:txBody>
@@ -271,6 +320,9 @@
             </a:lvl1pPr>
           </a:lstStyle>
           <a:p>
+            <a:pPr>
+              <a:defRPr/>
+            </a:pPr>
             <a:endParaRPr lang="en-US"/>
           </a:p>
         </p:txBody>
@@ -314,6 +366,9 @@
             </a:lvl1pPr>
           </a:lstStyle>
           <a:p>
+            <a:pPr>
+              <a:defRPr/>
+            </a:pPr>
             <a:endParaRPr lang="en-US"/>
           </a:p>
         </p:txBody>
@@ -357,9 +412,14 @@
             </a:lvl1pPr>
           </a:lstStyle>
           <a:p>
-            <a:fld id="{BA13064A-DFCB-4BD5-83E8-F8CE4F37C216}" type="slidenum">
+            <a:pPr>
+              <a:defRPr/>
+            </a:pPr>
+            <a:fld id="{1B399607-D83D-4CAF-A07A-BADA42E0FB0B}" type="slidenum">
               <a:rPr lang="en-US"/>
-              <a:pPr/>
+              <a:pPr>
+                <a:defRPr/>
+              </a:pPr>
               <a:t>‹#›</a:t>
             </a:fld>
             <a:endParaRPr lang="en-US"/>
@@ -436,6 +496,9 @@
             </a:lvl1pPr>
           </a:lstStyle>
           <a:p>
+            <a:pPr>
+              <a:defRPr/>
+            </a:pPr>
             <a:endParaRPr lang="en-US"/>
           </a:p>
         </p:txBody>
@@ -479,13 +542,16 @@
             </a:lvl1pPr>
           </a:lstStyle>
           <a:p>
+            <a:pPr>
+              <a:defRPr/>
+            </a:pPr>
             <a:endParaRPr lang="en-US"/>
           </a:p>
         </p:txBody>
       </p:sp>
       <p:sp>
         <p:nvSpPr>
-          <p:cNvPr id="20484" name="Rectangle 4"/>
+          <p:cNvPr id="14340" name="Rectangle 4"/>
           <p:cNvSpPr>
             <a:spLocks noGrp="1" noRot="1" noChangeAspect="1" noChangeArrowheads="1" noTextEdit="1"/>
           </p:cNvSpPr>
@@ -510,7 +576,6 @@
             <a:headEnd/>
             <a:tailEnd/>
           </a:ln>
-          <a:effectLst/>
         </p:spPr>
       </p:sp>
       <p:sp>
@@ -550,35 +615,35 @@
           <a:p>
             <a:pPr lvl="0"/>
             <a:r>
-              <a:rPr lang="en-US" smtClean="0"/>
+              <a:rPr lang="en-US" noProof="0" smtClean="0"/>
               <a:t>Click to edit Master text styles</a:t>
             </a:r>
           </a:p>
           <a:p>
             <a:pPr lvl="1"/>
             <a:r>
-              <a:rPr lang="en-US" smtClean="0"/>
+              <a:rPr lang="en-US" noProof="0" smtClean="0"/>
               <a:t>Second level</a:t>
             </a:r>
           </a:p>
           <a:p>
             <a:pPr lvl="2"/>
             <a:r>
-              <a:rPr lang="en-US" smtClean="0"/>
+              <a:rPr lang="en-US" noProof="0" smtClean="0"/>
               <a:t>Third level</a:t>
             </a:r>
           </a:p>
           <a:p>
             <a:pPr lvl="3"/>
             <a:r>
-              <a:rPr lang="en-US" smtClean="0"/>
+              <a:rPr lang="en-US" noProof="0" smtClean="0"/>
               <a:t>Fourth level</a:t>
             </a:r>
           </a:p>
           <a:p>
             <a:pPr lvl="4"/>
             <a:r>
-              <a:rPr lang="en-US" smtClean="0"/>
+              <a:rPr lang="en-US" noProof="0" smtClean="0"/>
               <a:t>Fifth level</a:t>
             </a:r>
           </a:p>
@@ -623,6 +688,9 @@
             </a:lvl1pPr>
           </a:lstStyle>
           <a:p>
+            <a:pPr>
+              <a:defRPr/>
+            </a:pPr>
             <a:endParaRPr lang="en-US"/>
           </a:p>
         </p:txBody>
@@ -666,9 +734,14 @@
             </a:lvl1pPr>
           </a:lstStyle>
           <a:p>
-            <a:fld id="{B6733DA1-D37D-4608-8D20-4CB33EFA40CC}" type="slidenum">
+            <a:pPr>
+              <a:defRPr/>
+            </a:pPr>
+            <a:fld id="{30FE1AEF-452B-4CBF-8432-49E94B96E789}" type="slidenum">
               <a:rPr lang="en-US"/>
-              <a:pPr/>
+              <a:pPr>
+                <a:defRPr/>
+              </a:pPr>
               <a:t>‹#›</a:t>
             </a:fld>
             <a:endParaRPr lang="en-US"/>
@@ -679,7 +752,7 @@
   </p:cSld>
   <p:clrMap bg1="lt1" tx1="dk1" bg2="lt2" tx2="dk2" accent1="accent1" accent2="accent2" accent3="accent3" accent4="accent4" accent5="accent5" accent6="accent6" hlink="hlink" folHlink="folHlink"/>
   <p:notesStyle>
-    <a:lvl1pPr algn="l" rtl="0" fontAlgn="base">
+    <a:lvl1pPr algn="l" rtl="0" eaLnBrk="0" fontAlgn="base" hangingPunct="0">
       <a:spcBef>
         <a:spcPct val="30000"/>
       </a:spcBef>
@@ -695,7 +768,7 @@
         <a:cs typeface="+mn-cs"/>
       </a:defRPr>
     </a:lvl1pPr>
-    <a:lvl2pPr marL="457200" algn="l" rtl="0" fontAlgn="base">
+    <a:lvl2pPr marL="457200" algn="l" rtl="0" eaLnBrk="0" fontAlgn="base" hangingPunct="0">
       <a:spcBef>
         <a:spcPct val="30000"/>
       </a:spcBef>
@@ -711,7 +784,7 @@
         <a:cs typeface="+mn-cs"/>
       </a:defRPr>
     </a:lvl2pPr>
-    <a:lvl3pPr marL="914400" algn="l" rtl="0" fontAlgn="base">
+    <a:lvl3pPr marL="914400" algn="l" rtl="0" eaLnBrk="0" fontAlgn="base" hangingPunct="0">
       <a:spcBef>
         <a:spcPct val="30000"/>
       </a:spcBef>
@@ -727,7 +800,7 @@
         <a:cs typeface="+mn-cs"/>
       </a:defRPr>
     </a:lvl3pPr>
-    <a:lvl4pPr marL="1371600" algn="l" rtl="0" fontAlgn="base">
+    <a:lvl4pPr marL="1371600" algn="l" rtl="0" eaLnBrk="0" fontAlgn="base" hangingPunct="0">
       <a:spcBef>
         <a:spcPct val="30000"/>
       </a:spcBef>
@@ -743,7 +816,7 @@
         <a:cs typeface="+mn-cs"/>
       </a:defRPr>
     </a:lvl4pPr>
-    <a:lvl5pPr marL="1828800" algn="l" rtl="0" fontAlgn="base">
+    <a:lvl5pPr marL="1828800" algn="l" rtl="0" eaLnBrk="0" fontAlgn="base" hangingPunct="0">
       <a:spcBef>
         <a:spcPct val="30000"/>
       </a:spcBef>
@@ -822,7 +895,7 @@
       </p:grpSpPr>
       <p:sp>
         <p:nvSpPr>
-          <p:cNvPr id="7" name="Rectangle 7"/>
+          <p:cNvPr id="17409" name="Rectangle 7"/>
           <p:cNvSpPr>
             <a:spLocks noGrp="1" noChangeArrowheads="1"/>
           </p:cNvSpPr>
@@ -831,24 +904,24 @@
           </p:nvPr>
         </p:nvSpPr>
         <p:spPr>
-          <a:ln/>
+          <a:noFill/>
         </p:spPr>
         <p:txBody>
           <a:bodyPr/>
           <a:lstStyle/>
           <a:p>
-            <a:fld id="{B3CAAEAC-1B45-4F77-B193-D861C6350BFB}" type="slidenum">
-              <a:rPr lang="en-US"/>
+            <a:fld id="{0A97D8C8-2D9F-492A-AC45-A780371E4388}" type="slidenum">
+              <a:rPr lang="en-US" smtClean="0"/>
               <a:pPr/>
               <a:t>1</a:t>
             </a:fld>
-            <a:endParaRPr lang="en-US"/>
-          </a:p>
-        </p:txBody>
-      </p:sp>
-      <p:sp>
-        <p:nvSpPr>
-          <p:cNvPr id="68610" name="Rectangle 2"/>
+            <a:endParaRPr lang="en-US" smtClean="0"/>
+          </a:p>
+        </p:txBody>
+      </p:sp>
+      <p:sp>
+        <p:nvSpPr>
+          <p:cNvPr id="17410" name="Rectangle 2"/>
           <p:cNvSpPr>
             <a:spLocks noGrp="1" noRot="1" noChangeAspect="1" noChangeArrowheads="1" noTextEdit="1"/>
           </p:cNvSpPr>
@@ -866,7 +939,7 @@
       </p:sp>
       <p:sp>
         <p:nvSpPr>
-          <p:cNvPr id="68611" name="Rectangle 3"/>
+          <p:cNvPr id="17411" name="Rectangle 3"/>
           <p:cNvSpPr>
             <a:spLocks noGrp="1" noChangeArrowheads="1"/>
           </p:cNvSpPr>
@@ -879,12 +952,15 @@
             <a:off x="914400" y="4343400"/>
             <a:ext cx="5029200" cy="4114800"/>
           </a:xfrm>
+          <a:noFill/>
+          <a:ln/>
         </p:spPr>
         <p:txBody>
           <a:bodyPr/>
           <a:lstStyle/>
           <a:p>
-            <a:endParaRPr lang="en-US" dirty="0"/>
+            <a:pPr eaLnBrk="1" hangingPunct="1"/>
+            <a:endParaRPr lang="en-US" smtClean="0"/>
           </a:p>
         </p:txBody>
       </p:sp>
@@ -915,7 +991,7 @@
       </p:grpSpPr>
       <p:sp>
         <p:nvSpPr>
-          <p:cNvPr id="7" name="Rectangle 7"/>
+          <p:cNvPr id="35841" name="Rectangle 7"/>
           <p:cNvSpPr>
             <a:spLocks noGrp="1" noChangeArrowheads="1"/>
           </p:cNvSpPr>
@@ -924,24 +1000,24 @@
           </p:nvPr>
         </p:nvSpPr>
         <p:spPr>
-          <a:ln/>
+          <a:noFill/>
         </p:spPr>
         <p:txBody>
           <a:bodyPr/>
           <a:lstStyle/>
           <a:p>
-            <a:fld id="{D03428DF-DAEA-4320-9405-2DDDE92C7E3E}" type="slidenum">
-              <a:rPr lang="en-US"/>
+            <a:fld id="{5EB6E3EE-1D71-4B4A-9390-04F673BAC008}" type="slidenum">
+              <a:rPr lang="en-US" smtClean="0"/>
               <a:pPr/>
               <a:t>10</a:t>
             </a:fld>
-            <a:endParaRPr lang="en-US"/>
-          </a:p>
-        </p:txBody>
-      </p:sp>
-      <p:sp>
-        <p:nvSpPr>
-          <p:cNvPr id="86018" name="Rectangle 2"/>
+            <a:endParaRPr lang="en-US" smtClean="0"/>
+          </a:p>
+        </p:txBody>
+      </p:sp>
+      <p:sp>
+        <p:nvSpPr>
+          <p:cNvPr id="35842" name="Rectangle 2"/>
           <p:cNvSpPr>
             <a:spLocks noGrp="1" noRot="1" noChangeAspect="1" noChangeArrowheads="1" noTextEdit="1"/>
           </p:cNvSpPr>
@@ -959,7 +1035,7 @@
       </p:sp>
       <p:sp>
         <p:nvSpPr>
-          <p:cNvPr id="86019" name="Rectangle 3"/>
+          <p:cNvPr id="35843" name="Rectangle 3"/>
           <p:cNvSpPr>
             <a:spLocks noGrp="1" noChangeArrowheads="1"/>
           </p:cNvSpPr>
@@ -972,23 +1048,22 @@
             <a:off x="914400" y="4343400"/>
             <a:ext cx="5029200" cy="4114800"/>
           </a:xfrm>
+          <a:noFill/>
+          <a:ln/>
         </p:spPr>
         <p:txBody>
           <a:bodyPr/>
           <a:lstStyle/>
           <a:p>
-            <a:r>
-              <a:rPr lang="en-US" dirty="0" smtClean="0"/>
-              <a:t>Depending how</a:t>
-            </a:r>
-            <a:r>
-              <a:rPr lang="en-US" baseline="0" dirty="0" smtClean="0"/>
-              <a:t> different the browser is in IE or Firefox this may need to ask users what they are using… if they would actually knew</a:t>
-            </a:r>
-            <a:endParaRPr lang="en-US" dirty="0"/>
-          </a:p>
-          <a:p>
-            <a:endParaRPr lang="en-US" dirty="0"/>
+            <a:pPr eaLnBrk="1" hangingPunct="1"/>
+            <a:r>
+              <a:rPr lang="en-US" smtClean="0"/>
+              <a:t>Depending how different the browser is in IE or Firefox this may need to ask users what they are using… if they would actually knew</a:t>
+            </a:r>
+          </a:p>
+          <a:p>
+            <a:pPr eaLnBrk="1" hangingPunct="1"/>
+            <a:endParaRPr lang="en-US" smtClean="0"/>
           </a:p>
         </p:txBody>
       </p:sp>
@@ -1019,7 +1094,7 @@
       </p:grpSpPr>
       <p:sp>
         <p:nvSpPr>
-          <p:cNvPr id="7" name="Rectangle 7"/>
+          <p:cNvPr id="37889" name="Rectangle 7"/>
           <p:cNvSpPr>
             <a:spLocks noGrp="1" noChangeArrowheads="1"/>
           </p:cNvSpPr>
@@ -1028,24 +1103,24 @@
           </p:nvPr>
         </p:nvSpPr>
         <p:spPr>
-          <a:ln/>
+          <a:noFill/>
         </p:spPr>
         <p:txBody>
           <a:bodyPr/>
           <a:lstStyle/>
           <a:p>
-            <a:fld id="{7F118419-1543-4386-8B1F-616BA1E3892E}" type="slidenum">
-              <a:rPr lang="en-US"/>
+            <a:fld id="{DC6ECDE7-A8CC-4C95-8A25-3B0429174150}" type="slidenum">
+              <a:rPr lang="en-US" smtClean="0"/>
               <a:pPr/>
               <a:t>11</a:t>
             </a:fld>
-            <a:endParaRPr lang="en-US"/>
-          </a:p>
-        </p:txBody>
-      </p:sp>
-      <p:sp>
-        <p:nvSpPr>
-          <p:cNvPr id="83970" name="Rectangle 2"/>
+            <a:endParaRPr lang="en-US" smtClean="0"/>
+          </a:p>
+        </p:txBody>
+      </p:sp>
+      <p:sp>
+        <p:nvSpPr>
+          <p:cNvPr id="37890" name="Rectangle 2"/>
           <p:cNvSpPr>
             <a:spLocks noGrp="1" noRot="1" noChangeAspect="1" noChangeArrowheads="1" noTextEdit="1"/>
           </p:cNvSpPr>
@@ -1063,7 +1138,7 @@
       </p:sp>
       <p:sp>
         <p:nvSpPr>
-          <p:cNvPr id="83971" name="Rectangle 3"/>
+          <p:cNvPr id="37891" name="Rectangle 3"/>
           <p:cNvSpPr>
             <a:spLocks noGrp="1" noChangeArrowheads="1"/>
           </p:cNvSpPr>
@@ -1076,41 +1151,26 @@
             <a:off x="914400" y="4343400"/>
             <a:ext cx="5029200" cy="4114800"/>
           </a:xfrm>
+          <a:noFill/>
+          <a:ln/>
         </p:spPr>
         <p:txBody>
           <a:bodyPr/>
           <a:lstStyle/>
           <a:p>
-            <a:r>
-              <a:rPr lang="en-US" dirty="0" smtClean="0"/>
-              <a:t>It is important that this be clearly defined,</a:t>
-            </a:r>
-            <a:r>
-              <a:rPr lang="en-US" baseline="0" dirty="0" smtClean="0"/>
-              <a:t> </a:t>
-            </a:r>
-            <a:r>
-              <a:rPr lang="en-US" baseline="0" dirty="0" err="1" smtClean="0"/>
-              <a:t>ie</a:t>
-            </a:r>
-            <a:r>
-              <a:rPr lang="en-US" baseline="0" dirty="0" smtClean="0"/>
-              <a:t>, who defines trials and what the institutional </a:t>
-            </a:r>
-            <a:r>
-              <a:rPr lang="en-US" baseline="0" dirty="0" smtClean="0"/>
-              <a:t>practice </a:t>
-            </a:r>
-            <a:r>
-              <a:rPr lang="en-US" baseline="0" dirty="0" smtClean="0"/>
-              <a:t>is</a:t>
-            </a:r>
-          </a:p>
-          <a:p>
-            <a:endParaRPr lang="en-US" dirty="0"/>
-          </a:p>
-          <a:p>
-            <a:endParaRPr lang="en-US" dirty="0"/>
+            <a:pPr eaLnBrk="1" hangingPunct="1"/>
+            <a:r>
+              <a:rPr lang="en-US" smtClean="0"/>
+              <a:t>It is important that this be clearly defined, ie, who defines trials and what the institutional practice is</a:t>
+            </a:r>
+          </a:p>
+          <a:p>
+            <a:pPr eaLnBrk="1" hangingPunct="1"/>
+            <a:endParaRPr lang="en-US" smtClean="0"/>
+          </a:p>
+          <a:p>
+            <a:pPr eaLnBrk="1" hangingPunct="1"/>
+            <a:endParaRPr lang="en-US" smtClean="0"/>
           </a:p>
         </p:txBody>
       </p:sp>
@@ -1141,7 +1201,7 @@
       </p:grpSpPr>
       <p:sp>
         <p:nvSpPr>
-          <p:cNvPr id="7" name="Rectangle 7"/>
+          <p:cNvPr id="39937" name="Rectangle 7"/>
           <p:cNvSpPr>
             <a:spLocks noGrp="1" noChangeArrowheads="1"/>
           </p:cNvSpPr>
@@ -1150,24 +1210,24 @@
           </p:nvPr>
         </p:nvSpPr>
         <p:spPr>
-          <a:ln/>
+          <a:noFill/>
         </p:spPr>
         <p:txBody>
           <a:bodyPr/>
           <a:lstStyle/>
           <a:p>
-            <a:fld id="{D03428DF-DAEA-4320-9405-2DDDE92C7E3E}" type="slidenum">
-              <a:rPr lang="en-US"/>
+            <a:fld id="{A18303C9-2A23-4C23-B83C-BCF65D4595AA}" type="slidenum">
+              <a:rPr lang="en-US" smtClean="0"/>
               <a:pPr/>
               <a:t>12</a:t>
             </a:fld>
-            <a:endParaRPr lang="en-US"/>
-          </a:p>
-        </p:txBody>
-      </p:sp>
-      <p:sp>
-        <p:nvSpPr>
-          <p:cNvPr id="86018" name="Rectangle 2"/>
+            <a:endParaRPr lang="en-US" smtClean="0"/>
+          </a:p>
+        </p:txBody>
+      </p:sp>
+      <p:sp>
+        <p:nvSpPr>
+          <p:cNvPr id="39938" name="Rectangle 2"/>
           <p:cNvSpPr>
             <a:spLocks noGrp="1" noRot="1" noChangeAspect="1" noChangeArrowheads="1" noTextEdit="1"/>
           </p:cNvSpPr>
@@ -1185,7 +1245,7 @@
       </p:sp>
       <p:sp>
         <p:nvSpPr>
-          <p:cNvPr id="86019" name="Rectangle 3"/>
+          <p:cNvPr id="39939" name="Rectangle 3"/>
           <p:cNvSpPr>
             <a:spLocks noGrp="1" noChangeArrowheads="1"/>
           </p:cNvSpPr>
@@ -1198,16 +1258,18 @@
             <a:off x="914400" y="4343400"/>
             <a:ext cx="5029200" cy="4114800"/>
           </a:xfrm>
+          <a:noFill/>
+          <a:ln/>
         </p:spPr>
         <p:txBody>
           <a:bodyPr/>
           <a:lstStyle/>
           <a:p>
-            <a:r>
-              <a:rPr lang="en-US" dirty="0" smtClean="0"/>
+            <a:pPr eaLnBrk="1" hangingPunct="1"/>
+            <a:r>
+              <a:rPr lang="en-US" smtClean="0"/>
               <a:t>How older trials and trials not controlled by the center are handled needs to be reviewed</a:t>
             </a:r>
-            <a:endParaRPr lang="en-US" dirty="0"/>
           </a:p>
         </p:txBody>
       </p:sp>
@@ -1238,7 +1300,7 @@
       </p:grpSpPr>
       <p:sp>
         <p:nvSpPr>
-          <p:cNvPr id="7" name="Rectangle 7"/>
+          <p:cNvPr id="41985" name="Rectangle 7"/>
           <p:cNvSpPr>
             <a:spLocks noGrp="1" noChangeArrowheads="1"/>
           </p:cNvSpPr>
@@ -1247,24 +1309,24 @@
           </p:nvPr>
         </p:nvSpPr>
         <p:spPr>
-          <a:ln/>
+          <a:noFill/>
         </p:spPr>
         <p:txBody>
           <a:bodyPr/>
           <a:lstStyle/>
           <a:p>
-            <a:fld id="{7F118419-1543-4386-8B1F-616BA1E3892E}" type="slidenum">
-              <a:rPr lang="en-US"/>
+            <a:fld id="{05942DD8-90ED-422C-9D66-8DB6D86E3C75}" type="slidenum">
+              <a:rPr lang="en-US" smtClean="0"/>
               <a:pPr/>
               <a:t>13</a:t>
             </a:fld>
-            <a:endParaRPr lang="en-US"/>
-          </a:p>
-        </p:txBody>
-      </p:sp>
-      <p:sp>
-        <p:nvSpPr>
-          <p:cNvPr id="83970" name="Rectangle 2"/>
+            <a:endParaRPr lang="en-US" smtClean="0"/>
+          </a:p>
+        </p:txBody>
+      </p:sp>
+      <p:sp>
+        <p:nvSpPr>
+          <p:cNvPr id="41986" name="Rectangle 2"/>
           <p:cNvSpPr>
             <a:spLocks noGrp="1" noRot="1" noChangeAspect="1" noChangeArrowheads="1" noTextEdit="1"/>
           </p:cNvSpPr>
@@ -1282,7 +1344,7 @@
       </p:sp>
       <p:sp>
         <p:nvSpPr>
-          <p:cNvPr id="83971" name="Rectangle 3"/>
+          <p:cNvPr id="41987" name="Rectangle 3"/>
           <p:cNvSpPr>
             <a:spLocks noGrp="1" noChangeArrowheads="1"/>
           </p:cNvSpPr>
@@ -1295,27 +1357,22 @@
             <a:off x="914400" y="4343400"/>
             <a:ext cx="5029200" cy="4114800"/>
           </a:xfrm>
+          <a:noFill/>
+          <a:ln/>
         </p:spPr>
         <p:txBody>
           <a:bodyPr/>
           <a:lstStyle/>
           <a:p>
-            <a:r>
-              <a:rPr lang="en-US" dirty="0" smtClean="0"/>
-              <a:t>More</a:t>
-            </a:r>
-            <a:r>
-              <a:rPr lang="en-US" baseline="0" dirty="0" smtClean="0"/>
-              <a:t> content dependent upon final configuration options. Multiple screenshots should be inserted based on the final </a:t>
-            </a:r>
-            <a:r>
-              <a:rPr lang="en-US" baseline="0" dirty="0" smtClean="0"/>
-              <a:t>version.</a:t>
-            </a:r>
-            <a:endParaRPr lang="en-US" dirty="0"/>
-          </a:p>
-          <a:p>
-            <a:endParaRPr lang="en-US" dirty="0"/>
+            <a:pPr eaLnBrk="1" hangingPunct="1"/>
+            <a:r>
+              <a:rPr lang="en-US" smtClean="0"/>
+              <a:t>More content dependent upon final configuration options. Multiple screenshots should be inserted based on the final version.</a:t>
+            </a:r>
+          </a:p>
+          <a:p>
+            <a:pPr eaLnBrk="1" hangingPunct="1"/>
+            <a:endParaRPr lang="en-US" smtClean="0"/>
           </a:p>
         </p:txBody>
       </p:sp>
@@ -1346,7 +1403,7 @@
       </p:grpSpPr>
       <p:sp>
         <p:nvSpPr>
-          <p:cNvPr id="7" name="Rectangle 7"/>
+          <p:cNvPr id="44033" name="Rectangle 7"/>
           <p:cNvSpPr>
             <a:spLocks noGrp="1" noChangeArrowheads="1"/>
           </p:cNvSpPr>
@@ -1355,24 +1412,24 @@
           </p:nvPr>
         </p:nvSpPr>
         <p:spPr>
-          <a:ln/>
+          <a:noFill/>
         </p:spPr>
         <p:txBody>
           <a:bodyPr/>
           <a:lstStyle/>
           <a:p>
-            <a:fld id="{D03428DF-DAEA-4320-9405-2DDDE92C7E3E}" type="slidenum">
-              <a:rPr lang="en-US"/>
+            <a:fld id="{3090A2C8-E341-43E8-ABA7-BFF4BDBA598D}" type="slidenum">
+              <a:rPr lang="en-US" smtClean="0"/>
               <a:pPr/>
               <a:t>14</a:t>
             </a:fld>
-            <a:endParaRPr lang="en-US"/>
-          </a:p>
-        </p:txBody>
-      </p:sp>
-      <p:sp>
-        <p:nvSpPr>
-          <p:cNvPr id="86018" name="Rectangle 2"/>
+            <a:endParaRPr lang="en-US" smtClean="0"/>
+          </a:p>
+        </p:txBody>
+      </p:sp>
+      <p:sp>
+        <p:nvSpPr>
+          <p:cNvPr id="44034" name="Rectangle 2"/>
           <p:cNvSpPr>
             <a:spLocks noGrp="1" noRot="1" noChangeAspect="1" noChangeArrowheads="1" noTextEdit="1"/>
           </p:cNvSpPr>
@@ -1390,7 +1447,7 @@
       </p:sp>
       <p:sp>
         <p:nvSpPr>
-          <p:cNvPr id="86019" name="Rectangle 3"/>
+          <p:cNvPr id="44035" name="Rectangle 3"/>
           <p:cNvSpPr>
             <a:spLocks noGrp="1" noChangeArrowheads="1"/>
           </p:cNvSpPr>
@@ -1403,23 +1460,22 @@
             <a:off x="914400" y="4343400"/>
             <a:ext cx="5029200" cy="4114800"/>
           </a:xfrm>
+          <a:noFill/>
+          <a:ln/>
         </p:spPr>
         <p:txBody>
           <a:bodyPr/>
           <a:lstStyle/>
           <a:p>
-            <a:r>
-              <a:rPr lang="en-US" dirty="0" smtClean="0"/>
-              <a:t>Depending on duplicate</a:t>
-            </a:r>
-            <a:r>
-              <a:rPr lang="en-US" baseline="0" dirty="0" smtClean="0"/>
-              <a:t> screens, explore the user’s thinking on adding or searching first</a:t>
-            </a:r>
-            <a:endParaRPr lang="en-US" dirty="0"/>
-          </a:p>
-          <a:p>
-            <a:endParaRPr lang="en-US" dirty="0"/>
+            <a:pPr eaLnBrk="1" hangingPunct="1"/>
+            <a:r>
+              <a:rPr lang="en-US" smtClean="0"/>
+              <a:t>Depending on duplicate screens, explore the user’s thinking on adding or searching first</a:t>
+            </a:r>
+          </a:p>
+          <a:p>
+            <a:pPr eaLnBrk="1" hangingPunct="1"/>
+            <a:endParaRPr lang="en-US" smtClean="0"/>
           </a:p>
         </p:txBody>
       </p:sp>
@@ -1450,7 +1506,7 @@
       </p:grpSpPr>
       <p:sp>
         <p:nvSpPr>
-          <p:cNvPr id="7" name="Rectangle 7"/>
+          <p:cNvPr id="46081" name="Rectangle 7"/>
           <p:cNvSpPr>
             <a:spLocks noGrp="1" noChangeArrowheads="1"/>
           </p:cNvSpPr>
@@ -1459,24 +1515,24 @@
           </p:nvPr>
         </p:nvSpPr>
         <p:spPr>
-          <a:ln/>
+          <a:noFill/>
         </p:spPr>
         <p:txBody>
           <a:bodyPr/>
           <a:lstStyle/>
           <a:p>
-            <a:fld id="{7F118419-1543-4386-8B1F-616BA1E3892E}" type="slidenum">
-              <a:rPr lang="en-US"/>
+            <a:fld id="{724EB06A-BE8B-4FC0-B983-773D5DB9A43C}" type="slidenum">
+              <a:rPr lang="en-US" smtClean="0"/>
               <a:pPr/>
               <a:t>15</a:t>
             </a:fld>
-            <a:endParaRPr lang="en-US"/>
-          </a:p>
-        </p:txBody>
-      </p:sp>
-      <p:sp>
-        <p:nvSpPr>
-          <p:cNvPr id="83970" name="Rectangle 2"/>
+            <a:endParaRPr lang="en-US" smtClean="0"/>
+          </a:p>
+        </p:txBody>
+      </p:sp>
+      <p:sp>
+        <p:nvSpPr>
+          <p:cNvPr id="46082" name="Rectangle 2"/>
           <p:cNvSpPr>
             <a:spLocks noGrp="1" noRot="1" noChangeAspect="1" noChangeArrowheads="1" noTextEdit="1"/>
           </p:cNvSpPr>
@@ -1494,7 +1550,7 @@
       </p:sp>
       <p:sp>
         <p:nvSpPr>
-          <p:cNvPr id="83971" name="Rectangle 3"/>
+          <p:cNvPr id="46083" name="Rectangle 3"/>
           <p:cNvSpPr>
             <a:spLocks noGrp="1" noChangeArrowheads="1"/>
           </p:cNvSpPr>
@@ -1507,23 +1563,22 @@
             <a:off x="914400" y="4343400"/>
             <a:ext cx="5029200" cy="4114800"/>
           </a:xfrm>
+          <a:noFill/>
+          <a:ln/>
         </p:spPr>
         <p:txBody>
           <a:bodyPr/>
           <a:lstStyle/>
           <a:p>
-            <a:r>
-              <a:rPr lang="en-US" dirty="0" smtClean="0"/>
-              <a:t>Changes</a:t>
-            </a:r>
-            <a:r>
-              <a:rPr lang="en-US" baseline="0" dirty="0" smtClean="0"/>
-              <a:t> in the interface and workflow may make it possible to combing lesson 6 and 7</a:t>
-            </a:r>
-            <a:endParaRPr lang="en-US" dirty="0"/>
-          </a:p>
-          <a:p>
-            <a:endParaRPr lang="en-US" dirty="0"/>
+            <a:pPr eaLnBrk="1" hangingPunct="1"/>
+            <a:r>
+              <a:rPr lang="en-US" smtClean="0"/>
+              <a:t>Changes in the interface and workflow may make it possible to combing lesson 6 and 7</a:t>
+            </a:r>
+          </a:p>
+          <a:p>
+            <a:pPr eaLnBrk="1" hangingPunct="1"/>
+            <a:endParaRPr lang="en-US" smtClean="0"/>
           </a:p>
         </p:txBody>
       </p:sp>
@@ -1554,7 +1609,7 @@
       </p:grpSpPr>
       <p:sp>
         <p:nvSpPr>
-          <p:cNvPr id="7" name="Rectangle 7"/>
+          <p:cNvPr id="48129" name="Rectangle 7"/>
           <p:cNvSpPr>
             <a:spLocks noGrp="1" noChangeArrowheads="1"/>
           </p:cNvSpPr>
@@ -1563,24 +1618,24 @@
           </p:nvPr>
         </p:nvSpPr>
         <p:spPr>
-          <a:ln/>
+          <a:noFill/>
         </p:spPr>
         <p:txBody>
           <a:bodyPr/>
           <a:lstStyle/>
           <a:p>
-            <a:fld id="{D03428DF-DAEA-4320-9405-2DDDE92C7E3E}" type="slidenum">
-              <a:rPr lang="en-US"/>
+            <a:fld id="{6687ADEA-1C62-4779-BAE2-FC9CD6DC74BF}" type="slidenum">
+              <a:rPr lang="en-US" smtClean="0"/>
               <a:pPr/>
               <a:t>16</a:t>
             </a:fld>
-            <a:endParaRPr lang="en-US"/>
-          </a:p>
-        </p:txBody>
-      </p:sp>
-      <p:sp>
-        <p:nvSpPr>
-          <p:cNvPr id="86018" name="Rectangle 2"/>
+            <a:endParaRPr lang="en-US" smtClean="0"/>
+          </a:p>
+        </p:txBody>
+      </p:sp>
+      <p:sp>
+        <p:nvSpPr>
+          <p:cNvPr id="48130" name="Rectangle 2"/>
           <p:cNvSpPr>
             <a:spLocks noGrp="1" noRot="1" noChangeAspect="1" noChangeArrowheads="1" noTextEdit="1"/>
           </p:cNvSpPr>
@@ -1598,7 +1653,7 @@
       </p:sp>
       <p:sp>
         <p:nvSpPr>
-          <p:cNvPr id="86019" name="Rectangle 3"/>
+          <p:cNvPr id="48131" name="Rectangle 3"/>
           <p:cNvSpPr>
             <a:spLocks noGrp="1" noChangeArrowheads="1"/>
           </p:cNvSpPr>
@@ -1611,31 +1666,22 @@
             <a:off x="914400" y="4343400"/>
             <a:ext cx="5029200" cy="4114800"/>
           </a:xfrm>
+          <a:noFill/>
+          <a:ln/>
         </p:spPr>
         <p:txBody>
           <a:bodyPr/>
           <a:lstStyle/>
           <a:p>
-            <a:r>
-              <a:rPr lang="en-US" dirty="0" smtClean="0"/>
-              <a:t>It is important to recognize</a:t>
-            </a:r>
-            <a:r>
-              <a:rPr lang="en-US" baseline="0" dirty="0" smtClean="0"/>
-              <a:t> the required fields and go over them, </a:t>
-            </a:r>
-            <a:r>
-              <a:rPr lang="en-US" baseline="0" dirty="0" err="1" smtClean="0"/>
-              <a:t>pariticularly</a:t>
-            </a:r>
-            <a:r>
-              <a:rPr lang="en-US" baseline="0" dirty="0" smtClean="0"/>
-              <a:t> if they are not required at the user’s site or  represented differently than the user is expecting.</a:t>
-            </a:r>
-            <a:endParaRPr lang="en-US" dirty="0"/>
-          </a:p>
-          <a:p>
-            <a:endParaRPr lang="en-US" dirty="0"/>
+            <a:pPr eaLnBrk="1" hangingPunct="1"/>
+            <a:r>
+              <a:rPr lang="en-US" smtClean="0"/>
+              <a:t>It is important to recognize the required fields and go over them, pariticularly if they are not required at the user’s site or  represented differently than the user is expecting.</a:t>
+            </a:r>
+          </a:p>
+          <a:p>
+            <a:pPr eaLnBrk="1" hangingPunct="1"/>
+            <a:endParaRPr lang="en-US" smtClean="0"/>
           </a:p>
         </p:txBody>
       </p:sp>
@@ -1666,7 +1712,7 @@
       </p:grpSpPr>
       <p:sp>
         <p:nvSpPr>
-          <p:cNvPr id="7" name="Rectangle 7"/>
+          <p:cNvPr id="50177" name="Rectangle 7"/>
           <p:cNvSpPr>
             <a:spLocks noGrp="1" noChangeArrowheads="1"/>
           </p:cNvSpPr>
@@ -1675,24 +1721,24 @@
           </p:nvPr>
         </p:nvSpPr>
         <p:spPr>
-          <a:ln/>
+          <a:noFill/>
         </p:spPr>
         <p:txBody>
           <a:bodyPr/>
           <a:lstStyle/>
           <a:p>
-            <a:fld id="{7F118419-1543-4386-8B1F-616BA1E3892E}" type="slidenum">
-              <a:rPr lang="en-US"/>
+            <a:fld id="{E7C38D5C-C34F-44A5-BD54-389DCE5AC18D}" type="slidenum">
+              <a:rPr lang="en-US" smtClean="0"/>
               <a:pPr/>
               <a:t>17</a:t>
             </a:fld>
-            <a:endParaRPr lang="en-US"/>
-          </a:p>
-        </p:txBody>
-      </p:sp>
-      <p:sp>
-        <p:nvSpPr>
-          <p:cNvPr id="83970" name="Rectangle 2"/>
+            <a:endParaRPr lang="en-US" smtClean="0"/>
+          </a:p>
+        </p:txBody>
+      </p:sp>
+      <p:sp>
+        <p:nvSpPr>
+          <p:cNvPr id="50178" name="Rectangle 2"/>
           <p:cNvSpPr>
             <a:spLocks noGrp="1" noRot="1" noChangeAspect="1" noChangeArrowheads="1" noTextEdit="1"/>
           </p:cNvSpPr>
@@ -1710,7 +1756,7 @@
       </p:sp>
       <p:sp>
         <p:nvSpPr>
-          <p:cNvPr id="83971" name="Rectangle 3"/>
+          <p:cNvPr id="50179" name="Rectangle 3"/>
           <p:cNvSpPr>
             <a:spLocks noGrp="1" noChangeArrowheads="1"/>
           </p:cNvSpPr>
@@ -1723,19 +1769,22 @@
             <a:off x="914400" y="4343400"/>
             <a:ext cx="5029200" cy="4114800"/>
           </a:xfrm>
+          <a:noFill/>
+          <a:ln/>
         </p:spPr>
         <p:txBody>
           <a:bodyPr/>
           <a:lstStyle/>
           <a:p>
-            <a:r>
-              <a:rPr lang="en-US" dirty="0" smtClean="0"/>
+            <a:pPr eaLnBrk="1" hangingPunct="1"/>
+            <a:r>
+              <a:rPr lang="en-US" smtClean="0"/>
               <a:t>This will require feedback from all reviewers. What are things that people find unusual or confusing</a:t>
             </a:r>
-            <a:endParaRPr lang="en-US" dirty="0"/>
-          </a:p>
-          <a:p>
-            <a:endParaRPr lang="en-US" dirty="0"/>
+          </a:p>
+          <a:p>
+            <a:pPr eaLnBrk="1" hangingPunct="1"/>
+            <a:endParaRPr lang="en-US" smtClean="0"/>
           </a:p>
         </p:txBody>
       </p:sp>
@@ -1766,7 +1815,7 @@
       </p:grpSpPr>
       <p:sp>
         <p:nvSpPr>
-          <p:cNvPr id="7" name="Rectangle 7"/>
+          <p:cNvPr id="52225" name="Rectangle 7"/>
           <p:cNvSpPr>
             <a:spLocks noGrp="1" noChangeArrowheads="1"/>
           </p:cNvSpPr>
@@ -1775,24 +1824,24 @@
           </p:nvPr>
         </p:nvSpPr>
         <p:spPr>
-          <a:ln/>
+          <a:noFill/>
         </p:spPr>
         <p:txBody>
           <a:bodyPr/>
           <a:lstStyle/>
           <a:p>
-            <a:fld id="{D03428DF-DAEA-4320-9405-2DDDE92C7E3E}" type="slidenum">
-              <a:rPr lang="en-US"/>
+            <a:fld id="{1F9238B6-B4DF-47DA-BA7E-CFEBD4E9BC06}" type="slidenum">
+              <a:rPr lang="en-US" smtClean="0"/>
               <a:pPr/>
               <a:t>18</a:t>
             </a:fld>
-            <a:endParaRPr lang="en-US"/>
-          </a:p>
-        </p:txBody>
-      </p:sp>
-      <p:sp>
-        <p:nvSpPr>
-          <p:cNvPr id="86018" name="Rectangle 2"/>
+            <a:endParaRPr lang="en-US" smtClean="0"/>
+          </a:p>
+        </p:txBody>
+      </p:sp>
+      <p:sp>
+        <p:nvSpPr>
+          <p:cNvPr id="52226" name="Rectangle 2"/>
           <p:cNvSpPr>
             <a:spLocks noGrp="1" noRot="1" noChangeAspect="1" noChangeArrowheads="1" noTextEdit="1"/>
           </p:cNvSpPr>
@@ -1810,7 +1859,7 @@
       </p:sp>
       <p:sp>
         <p:nvSpPr>
-          <p:cNvPr id="86019" name="Rectangle 3"/>
+          <p:cNvPr id="52227" name="Rectangle 3"/>
           <p:cNvSpPr>
             <a:spLocks noGrp="1" noChangeArrowheads="1"/>
           </p:cNvSpPr>
@@ -1823,12 +1872,15 @@
             <a:off x="914400" y="4343400"/>
             <a:ext cx="5029200" cy="4114800"/>
           </a:xfrm>
+          <a:noFill/>
+          <a:ln/>
         </p:spPr>
         <p:txBody>
           <a:bodyPr/>
           <a:lstStyle/>
           <a:p>
-            <a:endParaRPr lang="en-US" dirty="0"/>
+            <a:pPr eaLnBrk="1" hangingPunct="1"/>
+            <a:endParaRPr lang="en-US" smtClean="0"/>
           </a:p>
         </p:txBody>
       </p:sp>
@@ -1859,7 +1911,7 @@
       </p:grpSpPr>
       <p:sp>
         <p:nvSpPr>
-          <p:cNvPr id="7" name="Rectangle 7"/>
+          <p:cNvPr id="54273" name="Rectangle 7"/>
           <p:cNvSpPr>
             <a:spLocks noGrp="1" noChangeArrowheads="1"/>
           </p:cNvSpPr>
@@ -1868,24 +1920,24 @@
           </p:nvPr>
         </p:nvSpPr>
         <p:spPr>
-          <a:ln/>
+          <a:noFill/>
         </p:spPr>
         <p:txBody>
           <a:bodyPr/>
           <a:lstStyle/>
           <a:p>
-            <a:fld id="{0AA9B04D-C907-4796-B117-CEA9967BA7B8}" type="slidenum">
-              <a:rPr lang="en-US"/>
+            <a:fld id="{7559C7F8-3061-401A-8B8B-D80AA1A688A6}" type="slidenum">
+              <a:rPr lang="en-US" smtClean="0"/>
               <a:pPr/>
               <a:t>19</a:t>
             </a:fld>
-            <a:endParaRPr lang="en-US"/>
-          </a:p>
-        </p:txBody>
-      </p:sp>
-      <p:sp>
-        <p:nvSpPr>
-          <p:cNvPr id="89090" name="Rectangle 2"/>
+            <a:endParaRPr lang="en-US" smtClean="0"/>
+          </a:p>
+        </p:txBody>
+      </p:sp>
+      <p:sp>
+        <p:nvSpPr>
+          <p:cNvPr id="54274" name="Rectangle 2"/>
           <p:cNvSpPr>
             <a:spLocks noGrp="1" noRot="1" noChangeAspect="1" noChangeArrowheads="1" noTextEdit="1"/>
           </p:cNvSpPr>
@@ -1903,7 +1955,7 @@
       </p:sp>
       <p:sp>
         <p:nvSpPr>
-          <p:cNvPr id="89091" name="Rectangle 3"/>
+          <p:cNvPr id="54275" name="Rectangle 3"/>
           <p:cNvSpPr>
             <a:spLocks noGrp="1" noChangeArrowheads="1"/>
           </p:cNvSpPr>
@@ -1916,35 +1968,22 @@
             <a:off x="914400" y="4343400"/>
             <a:ext cx="5029200" cy="4114800"/>
           </a:xfrm>
+          <a:noFill/>
+          <a:ln/>
         </p:spPr>
         <p:txBody>
           <a:bodyPr/>
           <a:lstStyle/>
           <a:p>
-            <a:r>
-              <a:rPr lang="en-US" dirty="0" smtClean="0"/>
-              <a:t>Should we mention how this will feed into other systems such as the calendar, </a:t>
-            </a:r>
-            <a:r>
-              <a:rPr lang="en-US" dirty="0" err="1" smtClean="0"/>
-              <a:t>caAERS</a:t>
-            </a:r>
-            <a:r>
-              <a:rPr lang="en-US" dirty="0" smtClean="0"/>
-              <a:t>, or </a:t>
-            </a:r>
-            <a:r>
-              <a:rPr lang="en-US" dirty="0" err="1" smtClean="0"/>
-              <a:t>CTMsi</a:t>
-            </a:r>
-            <a:r>
-              <a:rPr lang="en-US" dirty="0" smtClean="0"/>
-              <a:t>?</a:t>
-            </a:r>
-            <a:endParaRPr lang="en-US" dirty="0"/>
-          </a:p>
-          <a:p>
-            <a:endParaRPr lang="en-US" dirty="0"/>
+            <a:pPr eaLnBrk="1" hangingPunct="1"/>
+            <a:r>
+              <a:rPr lang="en-US" smtClean="0"/>
+              <a:t>Should we mention how this will feed into other systems such as the calendar, caAERS, or CTMsi?</a:t>
+            </a:r>
+          </a:p>
+          <a:p>
+            <a:pPr eaLnBrk="1" hangingPunct="1"/>
+            <a:endParaRPr lang="en-US" smtClean="0"/>
           </a:p>
         </p:txBody>
       </p:sp>
@@ -1975,7 +2014,7 @@
       </p:grpSpPr>
       <p:sp>
         <p:nvSpPr>
-          <p:cNvPr id="7" name="Rectangle 7"/>
+          <p:cNvPr id="19457" name="Rectangle 7"/>
           <p:cNvSpPr>
             <a:spLocks noGrp="1" noChangeArrowheads="1"/>
           </p:cNvSpPr>
@@ -1984,24 +2023,24 @@
           </p:nvPr>
         </p:nvSpPr>
         <p:spPr>
-          <a:ln/>
+          <a:noFill/>
         </p:spPr>
         <p:txBody>
           <a:bodyPr/>
           <a:lstStyle/>
           <a:p>
-            <a:fld id="{781A7787-4D4D-4CA5-BEF7-4AA8272B3AA2}" type="slidenum">
-              <a:rPr lang="en-US"/>
+            <a:fld id="{F1BFC5B7-29DE-4452-B1FD-8CCE717A746D}" type="slidenum">
+              <a:rPr lang="en-US" smtClean="0"/>
               <a:pPr/>
               <a:t>2</a:t>
             </a:fld>
-            <a:endParaRPr lang="en-US"/>
-          </a:p>
-        </p:txBody>
-      </p:sp>
-      <p:sp>
-        <p:nvSpPr>
-          <p:cNvPr id="136194" name="Rectangle 2"/>
+            <a:endParaRPr lang="en-US" smtClean="0"/>
+          </a:p>
+        </p:txBody>
+      </p:sp>
+      <p:sp>
+        <p:nvSpPr>
+          <p:cNvPr id="19458" name="Rectangle 2"/>
           <p:cNvSpPr>
             <a:spLocks noGrp="1" noRot="1" noChangeAspect="1" noChangeArrowheads="1" noTextEdit="1"/>
           </p:cNvSpPr>
@@ -2015,7 +2054,7 @@
       </p:sp>
       <p:sp>
         <p:nvSpPr>
-          <p:cNvPr id="136195" name="Rectangle 3"/>
+          <p:cNvPr id="19459" name="Rectangle 3"/>
           <p:cNvSpPr>
             <a:spLocks noGrp="1" noChangeArrowheads="1"/>
           </p:cNvSpPr>
@@ -2023,18 +2062,23 @@
             <p:ph type="body" idx="1"/>
           </p:nvPr>
         </p:nvSpPr>
-        <p:spPr/>
+        <p:spPr>
+          <a:noFill/>
+          <a:ln/>
+        </p:spPr>
         <p:txBody>
           <a:bodyPr/>
           <a:lstStyle/>
           <a:p>
-            <a:r>
-              <a:rPr lang="en-US"/>
+            <a:pPr eaLnBrk="1" hangingPunct="1"/>
+            <a:r>
+              <a:rPr lang="en-US" smtClean="0"/>
               <a:t>If you are conducting this class in person this slide should inform participants of class room rules, restroom locations or things that help the participants feel comfortable in the environment</a:t>
             </a:r>
           </a:p>
           <a:p>
-            <a:endParaRPr lang="en-US"/>
+            <a:pPr eaLnBrk="1" hangingPunct="1"/>
+            <a:endParaRPr lang="en-US" smtClean="0"/>
           </a:p>
         </p:txBody>
       </p:sp>
@@ -2065,7 +2109,7 @@
       </p:grpSpPr>
       <p:sp>
         <p:nvSpPr>
-          <p:cNvPr id="7" name="Rectangle 7"/>
+          <p:cNvPr id="56321" name="Rectangle 7"/>
           <p:cNvSpPr>
             <a:spLocks noGrp="1" noChangeArrowheads="1"/>
           </p:cNvSpPr>
@@ -2074,24 +2118,24 @@
           </p:nvPr>
         </p:nvSpPr>
         <p:spPr>
-          <a:ln/>
+          <a:noFill/>
         </p:spPr>
         <p:txBody>
           <a:bodyPr/>
           <a:lstStyle/>
           <a:p>
-            <a:fld id="{E8012F2A-9111-4D85-925B-D15E68EDE6D2}" type="slidenum">
-              <a:rPr lang="en-US"/>
+            <a:fld id="{4F77EFC1-8091-4A63-A78C-FCFFF45512C6}" type="slidenum">
+              <a:rPr lang="en-US" smtClean="0"/>
               <a:pPr/>
               <a:t>20</a:t>
             </a:fld>
-            <a:endParaRPr lang="en-US"/>
-          </a:p>
-        </p:txBody>
-      </p:sp>
-      <p:sp>
-        <p:nvSpPr>
-          <p:cNvPr id="135170" name="Rectangle 2"/>
+            <a:endParaRPr lang="en-US" smtClean="0"/>
+          </a:p>
+        </p:txBody>
+      </p:sp>
+      <p:sp>
+        <p:nvSpPr>
+          <p:cNvPr id="56322" name="Rectangle 2"/>
           <p:cNvSpPr>
             <a:spLocks noGrp="1" noRot="1" noChangeAspect="1" noChangeArrowheads="1" noTextEdit="1"/>
           </p:cNvSpPr>
@@ -2109,7 +2153,7 @@
       </p:sp>
       <p:sp>
         <p:nvSpPr>
-          <p:cNvPr id="135171" name="Rectangle 3"/>
+          <p:cNvPr id="56323" name="Rectangle 3"/>
           <p:cNvSpPr>
             <a:spLocks noGrp="1" noChangeArrowheads="1"/>
           </p:cNvSpPr>
@@ -2122,19 +2166,22 @@
             <a:off x="914400" y="4343400"/>
             <a:ext cx="5029200" cy="4114800"/>
           </a:xfrm>
+          <a:noFill/>
+          <a:ln/>
         </p:spPr>
         <p:txBody>
           <a:bodyPr/>
           <a:lstStyle/>
           <a:p>
-            <a:r>
-              <a:rPr lang="en-US" dirty="0" smtClean="0"/>
+            <a:pPr eaLnBrk="1" hangingPunct="1"/>
+            <a:r>
+              <a:rPr lang="en-US" smtClean="0"/>
               <a:t>Simply allow questions</a:t>
             </a:r>
-            <a:endParaRPr lang="en-US" dirty="0"/>
-          </a:p>
-          <a:p>
-            <a:endParaRPr lang="en-US" dirty="0"/>
+          </a:p>
+          <a:p>
+            <a:pPr eaLnBrk="1" hangingPunct="1"/>
+            <a:endParaRPr lang="en-US" smtClean="0"/>
           </a:p>
         </p:txBody>
       </p:sp>
@@ -2165,7 +2212,7 @@
       </p:grpSpPr>
       <p:sp>
         <p:nvSpPr>
-          <p:cNvPr id="2" name="Slide Image Placeholder 1"/>
+          <p:cNvPr id="58369" name="Slide Image Placeholder 1"/>
           <p:cNvSpPr>
             <a:spLocks noGrp="1" noRot="1" noChangeAspect="1"/>
           </p:cNvSpPr>
@@ -2173,11 +2220,13 @@
             <p:ph type="sldImg"/>
           </p:nvPr>
         </p:nvSpPr>
-        <p:spPr/>
-      </p:sp>
-      <p:sp>
-        <p:nvSpPr>
-          <p:cNvPr id="3" name="Notes Placeholder 2"/>
+        <p:spPr>
+          <a:ln/>
+        </p:spPr>
+      </p:sp>
+      <p:sp>
+        <p:nvSpPr>
+          <p:cNvPr id="58370" name="Notes Placeholder 2"/>
           <p:cNvSpPr>
             <a:spLocks noGrp="1"/>
           </p:cNvSpPr>
@@ -2185,42 +2234,45 @@
             <p:ph type="body" idx="1"/>
           </p:nvPr>
         </p:nvSpPr>
-        <p:spPr/>
-        <p:txBody>
-          <a:bodyPr>
-            <a:normAutofit/>
-          </a:bodyPr>
+        <p:spPr>
+          <a:noFill/>
+          <a:ln/>
+        </p:spPr>
+        <p:txBody>
+          <a:bodyPr/>
           <a:lstStyle/>
           <a:p>
-            <a:r>
-              <a:rPr lang="en-US" dirty="0" smtClean="0"/>
+            <a:pPr eaLnBrk="1" hangingPunct="1"/>
+            <a:r>
+              <a:rPr lang="en-US" smtClean="0"/>
               <a:t>Reiterate online site?</a:t>
             </a:r>
-            <a:endParaRPr lang="en-US" dirty="0"/>
-          </a:p>
-        </p:txBody>
-      </p:sp>
-      <p:sp>
-        <p:nvSpPr>
-          <p:cNvPr id="4" name="Slide Number Placeholder 3"/>
+          </a:p>
+        </p:txBody>
+      </p:sp>
+      <p:sp>
+        <p:nvSpPr>
+          <p:cNvPr id="58371" name="Slide Number Placeholder 3"/>
           <p:cNvSpPr>
             <a:spLocks noGrp="1"/>
           </p:cNvSpPr>
           <p:nvPr>
-            <p:ph type="sldNum" sz="quarter" idx="10"/>
-          </p:nvPr>
-        </p:nvSpPr>
-        <p:spPr/>
+            <p:ph type="sldNum" sz="quarter" idx="5"/>
+          </p:nvPr>
+        </p:nvSpPr>
+        <p:spPr>
+          <a:noFill/>
+        </p:spPr>
         <p:txBody>
           <a:bodyPr/>
           <a:lstStyle/>
           <a:p>
-            <a:fld id="{B6733DA1-D37D-4608-8D20-4CB33EFA40CC}" type="slidenum">
+            <a:fld id="{0C55ADC1-896E-4D9F-8D82-8FEA9370B867}" type="slidenum">
               <a:rPr lang="en-US" smtClean="0"/>
               <a:pPr/>
               <a:t>21</a:t>
             </a:fld>
-            <a:endParaRPr lang="en-US"/>
+            <a:endParaRPr lang="en-US" smtClean="0"/>
           </a:p>
         </p:txBody>
       </p:sp>
@@ -2251,7 +2303,7 @@
       </p:grpSpPr>
       <p:sp>
         <p:nvSpPr>
-          <p:cNvPr id="2" name="Slide Image Placeholder 1"/>
+          <p:cNvPr id="60417" name="Slide Image Placeholder 1"/>
           <p:cNvSpPr>
             <a:spLocks noGrp="1" noRot="1" noChangeAspect="1"/>
           </p:cNvSpPr>
@@ -2259,11 +2311,13 @@
             <p:ph type="sldImg"/>
           </p:nvPr>
         </p:nvSpPr>
-        <p:spPr/>
-      </p:sp>
-      <p:sp>
-        <p:nvSpPr>
-          <p:cNvPr id="3" name="Notes Placeholder 2"/>
+        <p:spPr>
+          <a:ln/>
+        </p:spPr>
+      </p:sp>
+      <p:sp>
+        <p:nvSpPr>
+          <p:cNvPr id="60418" name="Notes Placeholder 2"/>
           <p:cNvSpPr>
             <a:spLocks noGrp="1"/>
           </p:cNvSpPr>
@@ -2271,38 +2325,42 @@
             <p:ph type="body" idx="1"/>
           </p:nvPr>
         </p:nvSpPr>
-        <p:spPr/>
-        <p:txBody>
-          <a:bodyPr>
-            <a:normAutofit/>
-          </a:bodyPr>
+        <p:spPr>
+          <a:noFill/>
+          <a:ln/>
+        </p:spPr>
+        <p:txBody>
+          <a:bodyPr/>
           <a:lstStyle/>
           <a:p>
-            <a:endParaRPr lang="en-US"/>
-          </a:p>
-        </p:txBody>
-      </p:sp>
-      <p:sp>
-        <p:nvSpPr>
-          <p:cNvPr id="4" name="Slide Number Placeholder 3"/>
+            <a:pPr eaLnBrk="1" hangingPunct="1"/>
+            <a:endParaRPr lang="en-US" smtClean="0"/>
+          </a:p>
+        </p:txBody>
+      </p:sp>
+      <p:sp>
+        <p:nvSpPr>
+          <p:cNvPr id="60419" name="Slide Number Placeholder 3"/>
           <p:cNvSpPr>
             <a:spLocks noGrp="1"/>
           </p:cNvSpPr>
           <p:nvPr>
-            <p:ph type="sldNum" sz="quarter" idx="10"/>
-          </p:nvPr>
-        </p:nvSpPr>
-        <p:spPr/>
+            <p:ph type="sldNum" sz="quarter" idx="5"/>
+          </p:nvPr>
+        </p:nvSpPr>
+        <p:spPr>
+          <a:noFill/>
+        </p:spPr>
         <p:txBody>
           <a:bodyPr/>
           <a:lstStyle/>
           <a:p>
-            <a:fld id="{B6733DA1-D37D-4608-8D20-4CB33EFA40CC}" type="slidenum">
+            <a:fld id="{A3CEF31D-D081-4531-9BA0-677500D10774}" type="slidenum">
               <a:rPr lang="en-US" smtClean="0"/>
               <a:pPr/>
               <a:t>22</a:t>
             </a:fld>
-            <a:endParaRPr lang="en-US"/>
+            <a:endParaRPr lang="en-US" smtClean="0"/>
           </a:p>
         </p:txBody>
       </p:sp>
@@ -2333,7 +2391,7 @@
       </p:grpSpPr>
       <p:sp>
         <p:nvSpPr>
-          <p:cNvPr id="7" name="Rectangle 7"/>
+          <p:cNvPr id="21505" name="Rectangle 7"/>
           <p:cNvSpPr>
             <a:spLocks noGrp="1" noChangeArrowheads="1"/>
           </p:cNvSpPr>
@@ -2342,24 +2400,24 @@
           </p:nvPr>
         </p:nvSpPr>
         <p:spPr>
-          <a:ln/>
+          <a:noFill/>
         </p:spPr>
         <p:txBody>
           <a:bodyPr/>
           <a:lstStyle/>
           <a:p>
-            <a:fld id="{354CD19D-3B75-44A8-932B-EB90E5EB701A}" type="slidenum">
-              <a:rPr lang="en-US"/>
+            <a:fld id="{E685EE6B-D7A1-4212-A14E-63B5084E4712}" type="slidenum">
+              <a:rPr lang="en-US" smtClean="0"/>
               <a:pPr/>
               <a:t>3</a:t>
             </a:fld>
-            <a:endParaRPr lang="en-US"/>
-          </a:p>
-        </p:txBody>
-      </p:sp>
-      <p:sp>
-        <p:nvSpPr>
-          <p:cNvPr id="70658" name="Rectangle 2"/>
+            <a:endParaRPr lang="en-US" smtClean="0"/>
+          </a:p>
+        </p:txBody>
+      </p:sp>
+      <p:sp>
+        <p:nvSpPr>
+          <p:cNvPr id="21506" name="Rectangle 2"/>
           <p:cNvSpPr>
             <a:spLocks noGrp="1" noRot="1" noChangeAspect="1" noChangeArrowheads="1" noTextEdit="1"/>
           </p:cNvSpPr>
@@ -2377,7 +2435,7 @@
       </p:sp>
       <p:sp>
         <p:nvSpPr>
-          <p:cNvPr id="70659" name="Rectangle 3"/>
+          <p:cNvPr id="21507" name="Rectangle 3"/>
           <p:cNvSpPr>
             <a:spLocks noGrp="1" noChangeArrowheads="1"/>
           </p:cNvSpPr>
@@ -2390,28 +2448,18 @@
             <a:off x="914400" y="4343400"/>
             <a:ext cx="5029200" cy="4114800"/>
           </a:xfrm>
+          <a:noFill/>
+          <a:ln/>
         </p:spPr>
         <p:txBody>
           <a:bodyPr/>
           <a:lstStyle/>
           <a:p>
-            <a:r>
-              <a:rPr lang="en-US" dirty="0" smtClean="0"/>
-              <a:t>This slide will explain why </a:t>
-            </a:r>
-            <a:r>
-              <a:rPr lang="en-US" dirty="0" smtClean="0"/>
-              <a:t>C3PR</a:t>
-            </a:r>
-            <a:r>
-              <a:rPr lang="en-US" baseline="0" dirty="0" smtClean="0"/>
-              <a:t> </a:t>
-            </a:r>
-            <a:r>
-              <a:rPr lang="en-US" baseline="0" dirty="0" smtClean="0"/>
-              <a:t>was created. Its emphasis will be operational rather than analytical, though some time may be spent explaining the enhanced research.</a:t>
-            </a:r>
-            <a:endParaRPr lang="en-US" dirty="0"/>
+            <a:pPr eaLnBrk="1" hangingPunct="1"/>
+            <a:r>
+              <a:rPr lang="en-US" smtClean="0"/>
+              <a:t>This slide will explain why C3PR was created. Its emphasis will be operational rather than analytical, though some time may be spent explaining the enhanced research.</a:t>
+            </a:r>
           </a:p>
         </p:txBody>
       </p:sp>
@@ -2442,7 +2490,7 @@
       </p:grpSpPr>
       <p:sp>
         <p:nvSpPr>
-          <p:cNvPr id="7" name="Rectangle 7"/>
+          <p:cNvPr id="23553" name="Rectangle 7"/>
           <p:cNvSpPr>
             <a:spLocks noGrp="1" noChangeArrowheads="1"/>
           </p:cNvSpPr>
@@ -2451,24 +2499,24 @@
           </p:nvPr>
         </p:nvSpPr>
         <p:spPr>
-          <a:ln/>
+          <a:noFill/>
         </p:spPr>
         <p:txBody>
           <a:bodyPr/>
           <a:lstStyle/>
           <a:p>
-            <a:fld id="{A488C19E-34B1-4122-ACE9-A999534BBA5D}" type="slidenum">
-              <a:rPr lang="en-US"/>
+            <a:fld id="{84047978-F029-4C8B-9F02-6F69C837F7F8}" type="slidenum">
+              <a:rPr lang="en-US" smtClean="0"/>
               <a:pPr/>
               <a:t>4</a:t>
             </a:fld>
-            <a:endParaRPr lang="en-US"/>
-          </a:p>
-        </p:txBody>
-      </p:sp>
-      <p:sp>
-        <p:nvSpPr>
-          <p:cNvPr id="125954" name="Rectangle 2"/>
+            <a:endParaRPr lang="en-US" smtClean="0"/>
+          </a:p>
+        </p:txBody>
+      </p:sp>
+      <p:sp>
+        <p:nvSpPr>
+          <p:cNvPr id="23554" name="Rectangle 2"/>
           <p:cNvSpPr>
             <a:spLocks noGrp="1" noRot="1" noChangeAspect="1" noChangeArrowheads="1" noTextEdit="1"/>
           </p:cNvSpPr>
@@ -2486,7 +2534,7 @@
       </p:sp>
       <p:sp>
         <p:nvSpPr>
-          <p:cNvPr id="125955" name="Rectangle 3"/>
+          <p:cNvPr id="23555" name="Rectangle 3"/>
           <p:cNvSpPr>
             <a:spLocks noGrp="1" noChangeArrowheads="1"/>
           </p:cNvSpPr>
@@ -2499,20 +2547,18 @@
             <a:off x="914400" y="4343400"/>
             <a:ext cx="5029200" cy="4114800"/>
           </a:xfrm>
+          <a:noFill/>
+          <a:ln/>
         </p:spPr>
         <p:txBody>
           <a:bodyPr/>
           <a:lstStyle/>
           <a:p>
-            <a:r>
-              <a:rPr lang="en-US" dirty="0" smtClean="0"/>
-              <a:t>Change user</a:t>
-            </a:r>
-            <a:r>
-              <a:rPr lang="en-US" baseline="0" dirty="0" smtClean="0"/>
-              <a:t>name and password, and possibly public site.</a:t>
-            </a:r>
-            <a:endParaRPr lang="en-US" dirty="0"/>
+            <a:pPr eaLnBrk="1" hangingPunct="1"/>
+            <a:r>
+              <a:rPr lang="en-US" smtClean="0"/>
+              <a:t>Change username and password, and possibly public site.</a:t>
+            </a:r>
           </a:p>
         </p:txBody>
       </p:sp>
@@ -2543,7 +2589,7 @@
       </p:grpSpPr>
       <p:sp>
         <p:nvSpPr>
-          <p:cNvPr id="7" name="Rectangle 7"/>
+          <p:cNvPr id="25601" name="Rectangle 7"/>
           <p:cNvSpPr>
             <a:spLocks noGrp="1" noChangeArrowheads="1"/>
           </p:cNvSpPr>
@@ -2552,24 +2598,24 @@
           </p:nvPr>
         </p:nvSpPr>
         <p:spPr>
-          <a:ln/>
+          <a:noFill/>
         </p:spPr>
         <p:txBody>
           <a:bodyPr/>
           <a:lstStyle/>
           <a:p>
-            <a:fld id="{E2CD58A9-267A-4AB7-B101-CFA1A9354A52}" type="slidenum">
-              <a:rPr lang="en-US"/>
+            <a:fld id="{547FD7AD-44D1-4E33-9ACF-D958EFEC55BD}" type="slidenum">
+              <a:rPr lang="en-US" smtClean="0"/>
               <a:pPr/>
               <a:t>5</a:t>
             </a:fld>
-            <a:endParaRPr lang="en-US"/>
-          </a:p>
-        </p:txBody>
-      </p:sp>
-      <p:sp>
-        <p:nvSpPr>
-          <p:cNvPr id="79874" name="Rectangle 2"/>
+            <a:endParaRPr lang="en-US" smtClean="0"/>
+          </a:p>
+        </p:txBody>
+      </p:sp>
+      <p:sp>
+        <p:nvSpPr>
+          <p:cNvPr id="25602" name="Rectangle 2"/>
           <p:cNvSpPr>
             <a:spLocks noGrp="1" noRot="1" noChangeAspect="1" noChangeArrowheads="1" noTextEdit="1"/>
           </p:cNvSpPr>
@@ -2587,7 +2633,7 @@
       </p:sp>
       <p:sp>
         <p:nvSpPr>
-          <p:cNvPr id="79875" name="Rectangle 3"/>
+          <p:cNvPr id="25603" name="Rectangle 3"/>
           <p:cNvSpPr>
             <a:spLocks noGrp="1" noChangeArrowheads="1"/>
           </p:cNvSpPr>
@@ -2600,71 +2646,73 @@
             <a:off x="914400" y="4343400"/>
             <a:ext cx="5029200" cy="4114800"/>
           </a:xfrm>
+          <a:noFill/>
+          <a:ln/>
         </p:spPr>
         <p:txBody>
           <a:bodyPr/>
           <a:lstStyle/>
           <a:p>
-            <a:pPr>
+            <a:pPr eaLnBrk="1" hangingPunct="1">
               <a:lnSpc>
                 <a:spcPct val="80000"/>
               </a:lnSpc>
             </a:pPr>
             <a:r>
-              <a:rPr lang="en-US" sz="1000"/>
+              <a:rPr lang="en-US" sz="1000" smtClean="0"/>
               <a:t>Notes: Using SMART objectives </a:t>
             </a:r>
             <a:r>
-              <a:rPr lang="en-US" sz="1000" u="sng"/>
+              <a:rPr lang="en-US" sz="1000" u="sng" smtClean="0"/>
               <a:t>S</a:t>
             </a:r>
             <a:r>
-              <a:rPr lang="en-US" sz="1000"/>
+              <a:rPr lang="en-US" sz="1000" smtClean="0"/>
               <a:t>pecific, </a:t>
             </a:r>
             <a:r>
-              <a:rPr lang="en-US" sz="1000" u="sng"/>
+              <a:rPr lang="en-US" sz="1000" u="sng" smtClean="0"/>
               <a:t>M</a:t>
             </a:r>
             <a:r>
-              <a:rPr lang="en-US" sz="1000"/>
+              <a:rPr lang="en-US" sz="1000" smtClean="0"/>
               <a:t>easurable,  </a:t>
             </a:r>
             <a:r>
-              <a:rPr lang="en-US" sz="1000" u="sng"/>
+              <a:rPr lang="en-US" sz="1000" u="sng" smtClean="0"/>
               <a:t>A</a:t>
             </a:r>
             <a:r>
-              <a:rPr lang="en-US" sz="1000"/>
+              <a:rPr lang="en-US" sz="1000" smtClean="0"/>
               <a:t>ttainable, </a:t>
             </a:r>
             <a:r>
-              <a:rPr lang="en-US" sz="1000" u="sng"/>
+              <a:rPr lang="en-US" sz="1000" u="sng" smtClean="0"/>
               <a:t>R</a:t>
             </a:r>
             <a:r>
-              <a:rPr lang="en-US" sz="1000"/>
+              <a:rPr lang="en-US" sz="1000" smtClean="0"/>
               <a:t>elevant, </a:t>
             </a:r>
             <a:r>
-              <a:rPr lang="en-US" sz="1000" u="sng"/>
+              <a:rPr lang="en-US" sz="1000" u="sng" smtClean="0"/>
               <a:t>T</a:t>
             </a:r>
             <a:r>
-              <a:rPr lang="en-US" sz="1000"/>
+              <a:rPr lang="en-US" sz="1000" smtClean="0"/>
               <a:t>estable objectives are important to the success of any training program especially ones designed for adult learners.  Some of the verbs used in writing SMART objectives are:</a:t>
             </a:r>
           </a:p>
           <a:p>
-            <a:pPr>
+            <a:pPr eaLnBrk="1" hangingPunct="1">
               <a:lnSpc>
                 <a:spcPct val="80000"/>
               </a:lnSpc>
             </a:pPr>
-            <a:endParaRPr lang="en-US" sz="1000"/>
-          </a:p>
-          <a:p>
-            <a:pPr>
+            <a:endParaRPr lang="en-US" sz="1000" smtClean="0"/>
+          </a:p>
+          <a:p>
+            <a:pPr eaLnBrk="1" hangingPunct="1">
               <a:lnSpc>
                 <a:spcPct val="80000"/>
               </a:lnSpc>
@@ -2672,12 +2720,12 @@
               <a:buChar char="•"/>
             </a:pPr>
             <a:r>
-              <a:rPr lang="en-US" sz="1000"/>
+              <a:rPr lang="en-US" sz="1000" smtClean="0"/>
               <a:t>Compute</a:t>
             </a:r>
           </a:p>
           <a:p>
-            <a:pPr>
+            <a:pPr eaLnBrk="1" hangingPunct="1">
               <a:lnSpc>
                 <a:spcPct val="80000"/>
               </a:lnSpc>
@@ -2685,12 +2733,12 @@
               <a:buChar char="•"/>
             </a:pPr>
             <a:r>
-              <a:rPr lang="en-US" sz="1000"/>
+              <a:rPr lang="en-US" sz="1000" smtClean="0"/>
               <a:t>Cover</a:t>
             </a:r>
           </a:p>
           <a:p>
-            <a:pPr>
+            <a:pPr eaLnBrk="1" hangingPunct="1">
               <a:lnSpc>
                 <a:spcPct val="80000"/>
               </a:lnSpc>
@@ -2698,12 +2746,12 @@
               <a:buChar char="•"/>
             </a:pPr>
             <a:r>
-              <a:rPr lang="en-US" sz="1000"/>
+              <a:rPr lang="en-US" sz="1000" smtClean="0"/>
               <a:t>Demonstrate</a:t>
             </a:r>
           </a:p>
           <a:p>
-            <a:pPr>
+            <a:pPr eaLnBrk="1" hangingPunct="1">
               <a:lnSpc>
                 <a:spcPct val="80000"/>
               </a:lnSpc>
@@ -2711,12 +2759,12 @@
               <a:buChar char="•"/>
             </a:pPr>
             <a:r>
-              <a:rPr lang="en-US" sz="1000"/>
+              <a:rPr lang="en-US" sz="1000" smtClean="0"/>
               <a:t>Describe</a:t>
             </a:r>
           </a:p>
           <a:p>
-            <a:pPr>
+            <a:pPr eaLnBrk="1" hangingPunct="1">
               <a:lnSpc>
                 <a:spcPct val="80000"/>
               </a:lnSpc>
@@ -2724,12 +2772,12 @@
               <a:buChar char="•"/>
             </a:pPr>
             <a:r>
-              <a:rPr lang="en-US" sz="1000"/>
+              <a:rPr lang="en-US" sz="1000" smtClean="0"/>
               <a:t>Determine</a:t>
             </a:r>
           </a:p>
           <a:p>
-            <a:pPr>
+            <a:pPr eaLnBrk="1" hangingPunct="1">
               <a:lnSpc>
                 <a:spcPct val="80000"/>
               </a:lnSpc>
@@ -2737,12 +2785,12 @@
               <a:buChar char="•"/>
             </a:pPr>
             <a:r>
-              <a:rPr lang="en-US" sz="1000"/>
+              <a:rPr lang="en-US" sz="1000" smtClean="0"/>
               <a:t>Distinguish</a:t>
             </a:r>
           </a:p>
           <a:p>
-            <a:pPr>
+            <a:pPr eaLnBrk="1" hangingPunct="1">
               <a:lnSpc>
                 <a:spcPct val="80000"/>
               </a:lnSpc>
@@ -2750,12 +2798,12 @@
               <a:buChar char="•"/>
             </a:pPr>
             <a:r>
-              <a:rPr lang="en-US" sz="1000"/>
+              <a:rPr lang="en-US" sz="1000" smtClean="0"/>
               <a:t>Enter</a:t>
             </a:r>
           </a:p>
           <a:p>
-            <a:pPr>
+            <a:pPr eaLnBrk="1" hangingPunct="1">
               <a:lnSpc>
                 <a:spcPct val="80000"/>
               </a:lnSpc>
@@ -2763,12 +2811,12 @@
               <a:buChar char="•"/>
             </a:pPr>
             <a:r>
-              <a:rPr lang="en-US" sz="1000"/>
+              <a:rPr lang="en-US" sz="1000" smtClean="0"/>
               <a:t>Establish</a:t>
             </a:r>
           </a:p>
           <a:p>
-            <a:pPr>
+            <a:pPr eaLnBrk="1" hangingPunct="1">
               <a:lnSpc>
                 <a:spcPct val="80000"/>
               </a:lnSpc>
@@ -2776,12 +2824,12 @@
               <a:buChar char="•"/>
             </a:pPr>
             <a:r>
-              <a:rPr lang="en-US" sz="1000"/>
+              <a:rPr lang="en-US" sz="1000" smtClean="0"/>
               <a:t>Explain</a:t>
             </a:r>
           </a:p>
           <a:p>
-            <a:pPr>
+            <a:pPr eaLnBrk="1" hangingPunct="1">
               <a:lnSpc>
                 <a:spcPct val="80000"/>
               </a:lnSpc>
@@ -2789,12 +2837,12 @@
               <a:buChar char="•"/>
             </a:pPr>
             <a:r>
-              <a:rPr lang="en-US" sz="1000"/>
+              <a:rPr lang="en-US" sz="1000" smtClean="0"/>
               <a:t>List</a:t>
             </a:r>
           </a:p>
           <a:p>
-            <a:pPr>
+            <a:pPr eaLnBrk="1" hangingPunct="1">
               <a:lnSpc>
                 <a:spcPct val="80000"/>
               </a:lnSpc>
@@ -2802,12 +2850,12 @@
               <a:buChar char="•"/>
             </a:pPr>
             <a:r>
-              <a:rPr lang="en-US" sz="1000"/>
+              <a:rPr lang="en-US" sz="1000" smtClean="0"/>
               <a:t>Locate</a:t>
             </a:r>
           </a:p>
           <a:p>
-            <a:pPr>
+            <a:pPr eaLnBrk="1" hangingPunct="1">
               <a:lnSpc>
                 <a:spcPct val="80000"/>
               </a:lnSpc>
@@ -2815,12 +2863,12 @@
               <a:buChar char="•"/>
             </a:pPr>
             <a:r>
-              <a:rPr lang="en-US" sz="1000"/>
+              <a:rPr lang="en-US" sz="1000" smtClean="0"/>
               <a:t>Practice</a:t>
             </a:r>
           </a:p>
           <a:p>
-            <a:pPr>
+            <a:pPr eaLnBrk="1" hangingPunct="1">
               <a:lnSpc>
                 <a:spcPct val="80000"/>
               </a:lnSpc>
@@ -2828,12 +2876,12 @@
               <a:buChar char="•"/>
             </a:pPr>
             <a:r>
-              <a:rPr lang="en-US" sz="1000"/>
+              <a:rPr lang="en-US" sz="1000" smtClean="0"/>
               <a:t>Prepare</a:t>
             </a:r>
           </a:p>
           <a:p>
-            <a:pPr>
+            <a:pPr eaLnBrk="1" hangingPunct="1">
               <a:lnSpc>
                 <a:spcPct val="80000"/>
               </a:lnSpc>
@@ -2841,12 +2889,12 @@
               <a:buChar char="•"/>
             </a:pPr>
             <a:r>
-              <a:rPr lang="en-US" sz="1000"/>
+              <a:rPr lang="en-US" sz="1000" smtClean="0"/>
               <a:t>Present</a:t>
             </a:r>
           </a:p>
           <a:p>
-            <a:pPr>
+            <a:pPr eaLnBrk="1" hangingPunct="1">
               <a:lnSpc>
                 <a:spcPct val="80000"/>
               </a:lnSpc>
@@ -2854,12 +2902,12 @@
               <a:buChar char="•"/>
             </a:pPr>
             <a:r>
-              <a:rPr lang="en-US" sz="1000"/>
+              <a:rPr lang="en-US" sz="1000" smtClean="0"/>
               <a:t>Provide</a:t>
             </a:r>
           </a:p>
           <a:p>
-            <a:pPr>
+            <a:pPr eaLnBrk="1" hangingPunct="1">
               <a:lnSpc>
                 <a:spcPct val="80000"/>
               </a:lnSpc>
@@ -2867,12 +2915,12 @@
               <a:buChar char="•"/>
             </a:pPr>
             <a:r>
-              <a:rPr lang="en-US" sz="1000"/>
+              <a:rPr lang="en-US" sz="1000" smtClean="0"/>
               <a:t>Show</a:t>
             </a:r>
           </a:p>
           <a:p>
-            <a:pPr>
+            <a:pPr eaLnBrk="1" hangingPunct="1">
               <a:lnSpc>
                 <a:spcPct val="80000"/>
               </a:lnSpc>
@@ -2880,12 +2928,12 @@
               <a:buChar char="•"/>
             </a:pPr>
             <a:r>
-              <a:rPr lang="en-US" sz="1000"/>
+              <a:rPr lang="en-US" sz="1000" smtClean="0"/>
               <a:t>Use</a:t>
             </a:r>
           </a:p>
           <a:p>
-            <a:pPr>
+            <a:pPr eaLnBrk="1" hangingPunct="1">
               <a:lnSpc>
                 <a:spcPct val="80000"/>
               </a:lnSpc>
@@ -2893,12 +2941,12 @@
               <a:buChar char="•"/>
             </a:pPr>
             <a:r>
-              <a:rPr lang="en-US" sz="1000"/>
+              <a:rPr lang="en-US" sz="1000" smtClean="0"/>
               <a:t>Locate</a:t>
             </a:r>
           </a:p>
           <a:p>
-            <a:pPr>
+            <a:pPr eaLnBrk="1" hangingPunct="1">
               <a:lnSpc>
                 <a:spcPct val="80000"/>
               </a:lnSpc>
@@ -2906,12 +2954,12 @@
               <a:buChar char="•"/>
             </a:pPr>
             <a:r>
-              <a:rPr lang="en-US" sz="1000"/>
+              <a:rPr lang="en-US" sz="1000" smtClean="0"/>
               <a:t>Practice</a:t>
             </a:r>
           </a:p>
           <a:p>
-            <a:pPr>
+            <a:pPr eaLnBrk="1" hangingPunct="1">
               <a:lnSpc>
                 <a:spcPct val="80000"/>
               </a:lnSpc>
@@ -2919,17 +2967,17 @@
               <a:buChar char="•"/>
             </a:pPr>
             <a:r>
-              <a:rPr lang="en-US" sz="1000"/>
+              <a:rPr lang="en-US" sz="1000" smtClean="0"/>
               <a:t>Prepare	</a:t>
             </a:r>
           </a:p>
           <a:p>
-            <a:pPr>
+            <a:pPr eaLnBrk="1" hangingPunct="1">
               <a:lnSpc>
                 <a:spcPct val="80000"/>
               </a:lnSpc>
             </a:pPr>
-            <a:endParaRPr lang="en-US" sz="1000"/>
+            <a:endParaRPr lang="en-US" sz="1000" smtClean="0"/>
           </a:p>
         </p:txBody>
       </p:sp>
@@ -2960,7 +3008,7 @@
       </p:grpSpPr>
       <p:sp>
         <p:nvSpPr>
-          <p:cNvPr id="7" name="Rectangle 7"/>
+          <p:cNvPr id="27649" name="Rectangle 7"/>
           <p:cNvSpPr>
             <a:spLocks noGrp="1" noChangeArrowheads="1"/>
           </p:cNvSpPr>
@@ -2969,24 +3017,24 @@
           </p:nvPr>
         </p:nvSpPr>
         <p:spPr>
-          <a:ln/>
+          <a:noFill/>
         </p:spPr>
         <p:txBody>
           <a:bodyPr/>
           <a:lstStyle/>
           <a:p>
-            <a:fld id="{93AB8365-57EC-4CE9-92CF-8A38B2368CB3}" type="slidenum">
-              <a:rPr lang="en-US"/>
+            <a:fld id="{6C7578E5-47C7-40F5-ACE1-A1F21E0FFE44}" type="slidenum">
+              <a:rPr lang="en-US" smtClean="0"/>
               <a:pPr/>
               <a:t>6</a:t>
             </a:fld>
-            <a:endParaRPr lang="en-US"/>
-          </a:p>
-        </p:txBody>
-      </p:sp>
-      <p:sp>
-        <p:nvSpPr>
-          <p:cNvPr id="81922" name="Rectangle 2"/>
+            <a:endParaRPr lang="en-US" smtClean="0"/>
+          </a:p>
+        </p:txBody>
+      </p:sp>
+      <p:sp>
+        <p:nvSpPr>
+          <p:cNvPr id="27650" name="Rectangle 2"/>
           <p:cNvSpPr>
             <a:spLocks noGrp="1" noRot="1" noChangeAspect="1" noChangeArrowheads="1" noTextEdit="1"/>
           </p:cNvSpPr>
@@ -3004,7 +3052,7 @@
       </p:sp>
       <p:sp>
         <p:nvSpPr>
-          <p:cNvPr id="81923" name="Rectangle 3"/>
+          <p:cNvPr id="27651" name="Rectangle 3"/>
           <p:cNvSpPr>
             <a:spLocks noGrp="1" noChangeArrowheads="1"/>
           </p:cNvSpPr>
@@ -3017,28 +3065,18 @@
             <a:off x="914400" y="4343400"/>
             <a:ext cx="5029200" cy="4114800"/>
           </a:xfrm>
+          <a:noFill/>
+          <a:ln/>
         </p:spPr>
         <p:txBody>
           <a:bodyPr/>
           <a:lstStyle/>
           <a:p>
-            <a:r>
-              <a:rPr lang="en-US" dirty="0" smtClean="0"/>
-              <a:t>In pre-use, mention must be made of variations in setup, that is, in some instances </a:t>
-            </a:r>
-            <a:r>
-              <a:rPr lang="en-US" dirty="0" smtClean="0"/>
-              <a:t>trials </a:t>
-            </a:r>
-            <a:r>
-              <a:rPr lang="en-US" dirty="0" smtClean="0"/>
-              <a:t>will be imported automatically, in others they will not</a:t>
-            </a:r>
-            <a:r>
-              <a:rPr lang="en-US" dirty="0" smtClean="0"/>
-              <a:t>.</a:t>
-            </a:r>
-            <a:endParaRPr lang="en-US" dirty="0"/>
+            <a:pPr eaLnBrk="1" hangingPunct="1"/>
+            <a:r>
+              <a:rPr lang="en-US" smtClean="0"/>
+              <a:t>In pre-use, mention must be made of variations in setup, that is, in some instances trials will be imported automatically, in others they will not.</a:t>
+            </a:r>
           </a:p>
         </p:txBody>
       </p:sp>
@@ -3069,7 +3107,7 @@
       </p:grpSpPr>
       <p:sp>
         <p:nvSpPr>
-          <p:cNvPr id="7" name="Rectangle 7"/>
+          <p:cNvPr id="29697" name="Rectangle 7"/>
           <p:cNvSpPr>
             <a:spLocks noGrp="1" noChangeArrowheads="1"/>
           </p:cNvSpPr>
@@ -3078,24 +3116,24 @@
           </p:nvPr>
         </p:nvSpPr>
         <p:spPr>
-          <a:ln/>
+          <a:noFill/>
         </p:spPr>
         <p:txBody>
           <a:bodyPr/>
           <a:lstStyle/>
           <a:p>
-            <a:fld id="{7F118419-1543-4386-8B1F-616BA1E3892E}" type="slidenum">
-              <a:rPr lang="en-US"/>
+            <a:fld id="{1242C8E2-EAAE-470B-B15F-1D9187B83B1D}" type="slidenum">
+              <a:rPr lang="en-US" smtClean="0"/>
               <a:pPr/>
               <a:t>7</a:t>
             </a:fld>
-            <a:endParaRPr lang="en-US"/>
-          </a:p>
-        </p:txBody>
-      </p:sp>
-      <p:sp>
-        <p:nvSpPr>
-          <p:cNvPr id="83970" name="Rectangle 2"/>
+            <a:endParaRPr lang="en-US" smtClean="0"/>
+          </a:p>
+        </p:txBody>
+      </p:sp>
+      <p:sp>
+        <p:nvSpPr>
+          <p:cNvPr id="29698" name="Rectangle 2"/>
           <p:cNvSpPr>
             <a:spLocks noGrp="1" noRot="1" noChangeAspect="1" noChangeArrowheads="1" noTextEdit="1"/>
           </p:cNvSpPr>
@@ -3113,7 +3151,7 @@
       </p:sp>
       <p:sp>
         <p:nvSpPr>
-          <p:cNvPr id="83971" name="Rectangle 3"/>
+          <p:cNvPr id="29699" name="Rectangle 3"/>
           <p:cNvSpPr>
             <a:spLocks noGrp="1" noChangeArrowheads="1"/>
           </p:cNvSpPr>
@@ -3126,23 +3164,22 @@
             <a:off x="914400" y="4343400"/>
             <a:ext cx="5029200" cy="4114800"/>
           </a:xfrm>
+          <a:noFill/>
+          <a:ln/>
         </p:spPr>
         <p:txBody>
           <a:bodyPr/>
           <a:lstStyle/>
           <a:p>
-            <a:r>
-              <a:rPr lang="en-US" dirty="0" smtClean="0"/>
-              <a:t>More</a:t>
-            </a:r>
-            <a:r>
-              <a:rPr lang="en-US" baseline="0" dirty="0" smtClean="0"/>
-              <a:t> content dependent upon final configuration options.</a:t>
-            </a:r>
-            <a:endParaRPr lang="en-US" dirty="0"/>
-          </a:p>
-          <a:p>
-            <a:endParaRPr lang="en-US" dirty="0"/>
+            <a:pPr eaLnBrk="1" hangingPunct="1"/>
+            <a:r>
+              <a:rPr lang="en-US" smtClean="0"/>
+              <a:t>More content dependent upon final configuration options.</a:t>
+            </a:r>
+          </a:p>
+          <a:p>
+            <a:pPr eaLnBrk="1" hangingPunct="1"/>
+            <a:endParaRPr lang="en-US" smtClean="0"/>
           </a:p>
         </p:txBody>
       </p:sp>
@@ -3173,7 +3210,7 @@
       </p:grpSpPr>
       <p:sp>
         <p:nvSpPr>
-          <p:cNvPr id="7" name="Rectangle 7"/>
+          <p:cNvPr id="31745" name="Rectangle 7"/>
           <p:cNvSpPr>
             <a:spLocks noGrp="1" noChangeArrowheads="1"/>
           </p:cNvSpPr>
@@ -3182,24 +3219,24 @@
           </p:nvPr>
         </p:nvSpPr>
         <p:spPr>
-          <a:ln/>
+          <a:noFill/>
         </p:spPr>
         <p:txBody>
           <a:bodyPr/>
           <a:lstStyle/>
           <a:p>
-            <a:fld id="{D03428DF-DAEA-4320-9405-2DDDE92C7E3E}" type="slidenum">
-              <a:rPr lang="en-US"/>
+            <a:fld id="{EDA9C330-DBA3-4E88-98AC-F8091415DF62}" type="slidenum">
+              <a:rPr lang="en-US" smtClean="0"/>
               <a:pPr/>
               <a:t>8</a:t>
             </a:fld>
-            <a:endParaRPr lang="en-US"/>
-          </a:p>
-        </p:txBody>
-      </p:sp>
-      <p:sp>
-        <p:nvSpPr>
-          <p:cNvPr id="86018" name="Rectangle 2"/>
+            <a:endParaRPr lang="en-US" smtClean="0"/>
+          </a:p>
+        </p:txBody>
+      </p:sp>
+      <p:sp>
+        <p:nvSpPr>
+          <p:cNvPr id="31746" name="Rectangle 2"/>
           <p:cNvSpPr>
             <a:spLocks noGrp="1" noRot="1" noChangeAspect="1" noChangeArrowheads="1" noTextEdit="1"/>
           </p:cNvSpPr>
@@ -3217,7 +3254,7 @@
       </p:sp>
       <p:sp>
         <p:nvSpPr>
-          <p:cNvPr id="86019" name="Rectangle 3"/>
+          <p:cNvPr id="31747" name="Rectangle 3"/>
           <p:cNvSpPr>
             <a:spLocks noGrp="1" noChangeArrowheads="1"/>
           </p:cNvSpPr>
@@ -3230,23 +3267,22 @@
             <a:off x="914400" y="4343400"/>
             <a:ext cx="5029200" cy="4114800"/>
           </a:xfrm>
+          <a:noFill/>
+          <a:ln/>
         </p:spPr>
         <p:txBody>
           <a:bodyPr/>
           <a:lstStyle/>
           <a:p>
-            <a:r>
-              <a:rPr lang="en-US" dirty="0" smtClean="0"/>
-              <a:t>Resources available</a:t>
-            </a:r>
-            <a:r>
-              <a:rPr lang="en-US" baseline="0" dirty="0" smtClean="0"/>
-              <a:t> for which setup option may or may not be recognized by the end users.</a:t>
-            </a:r>
-            <a:endParaRPr lang="en-US" dirty="0"/>
-          </a:p>
-          <a:p>
-            <a:endParaRPr lang="en-US" dirty="0"/>
+            <a:pPr eaLnBrk="1" hangingPunct="1"/>
+            <a:r>
+              <a:rPr lang="en-US" smtClean="0"/>
+              <a:t>Resources available for which setup option may or may not be recognized by the end users.</a:t>
+            </a:r>
+          </a:p>
+          <a:p>
+            <a:pPr eaLnBrk="1" hangingPunct="1"/>
+            <a:endParaRPr lang="en-US" smtClean="0"/>
           </a:p>
         </p:txBody>
       </p:sp>
@@ -3277,7 +3313,7 @@
       </p:grpSpPr>
       <p:sp>
         <p:nvSpPr>
-          <p:cNvPr id="7" name="Rectangle 7"/>
+          <p:cNvPr id="33793" name="Rectangle 7"/>
           <p:cNvSpPr>
             <a:spLocks noGrp="1" noChangeArrowheads="1"/>
           </p:cNvSpPr>
@@ -3286,24 +3322,24 @@
           </p:nvPr>
         </p:nvSpPr>
         <p:spPr>
-          <a:ln/>
+          <a:noFill/>
         </p:spPr>
         <p:txBody>
           <a:bodyPr/>
           <a:lstStyle/>
           <a:p>
-            <a:fld id="{7F118419-1543-4386-8B1F-616BA1E3892E}" type="slidenum">
-              <a:rPr lang="en-US"/>
+            <a:fld id="{37E0D4BD-34CD-4BAD-B523-32511AADFF07}" type="slidenum">
+              <a:rPr lang="en-US" smtClean="0"/>
               <a:pPr/>
               <a:t>9</a:t>
             </a:fld>
-            <a:endParaRPr lang="en-US"/>
-          </a:p>
-        </p:txBody>
-      </p:sp>
-      <p:sp>
-        <p:nvSpPr>
-          <p:cNvPr id="83970" name="Rectangle 2"/>
+            <a:endParaRPr lang="en-US" smtClean="0"/>
+          </a:p>
+        </p:txBody>
+      </p:sp>
+      <p:sp>
+        <p:nvSpPr>
+          <p:cNvPr id="33794" name="Rectangle 2"/>
           <p:cNvSpPr>
             <a:spLocks noGrp="1" noRot="1" noChangeAspect="1" noChangeArrowheads="1" noTextEdit="1"/>
           </p:cNvSpPr>
@@ -3321,7 +3357,7 @@
       </p:sp>
       <p:sp>
         <p:nvSpPr>
-          <p:cNvPr id="83971" name="Rectangle 3"/>
+          <p:cNvPr id="33795" name="Rectangle 3"/>
           <p:cNvSpPr>
             <a:spLocks noGrp="1" noChangeArrowheads="1"/>
           </p:cNvSpPr>
@@ -3334,23 +3370,22 @@
             <a:off x="914400" y="4343400"/>
             <a:ext cx="5029200" cy="4114800"/>
           </a:xfrm>
+          <a:noFill/>
+          <a:ln/>
         </p:spPr>
         <p:txBody>
           <a:bodyPr/>
           <a:lstStyle/>
           <a:p>
-            <a:r>
-              <a:rPr lang="en-US" dirty="0" smtClean="0"/>
-              <a:t>More</a:t>
-            </a:r>
-            <a:r>
-              <a:rPr lang="en-US" baseline="0" dirty="0" smtClean="0"/>
-              <a:t> content dependent upon final configuration options. Add screenshots</a:t>
-            </a:r>
-            <a:endParaRPr lang="en-US" dirty="0"/>
-          </a:p>
-          <a:p>
-            <a:endParaRPr lang="en-US" dirty="0"/>
+            <a:pPr eaLnBrk="1" hangingPunct="1"/>
+            <a:r>
+              <a:rPr lang="en-US" smtClean="0"/>
+              <a:t>More content dependent upon final configuration options. Add screenshots</a:t>
+            </a:r>
+          </a:p>
+          <a:p>
+            <a:pPr eaLnBrk="1" hangingPunct="1"/>
+            <a:endParaRPr lang="en-US" smtClean="0"/>
           </a:p>
         </p:txBody>
       </p:sp>
@@ -3379,175 +3414,9 @@
           <a:chExt cx="0" cy="0"/>
         </a:xfrm>
       </p:grpSpPr>
-      <p:sp>
-        <p:nvSpPr>
-          <p:cNvPr id="96259" name="Rectangle 3"/>
-          <p:cNvSpPr>
-            <a:spLocks noGrp="1" noChangeArrowheads="1"/>
-          </p:cNvSpPr>
-          <p:nvPr>
-            <p:ph type="ctrTitle"/>
-          </p:nvPr>
-        </p:nvSpPr>
-        <p:spPr>
-          <a:xfrm>
-            <a:off x="685800" y="2130425"/>
-            <a:ext cx="7772400" cy="1470025"/>
-          </a:xfrm>
-        </p:spPr>
-        <p:txBody>
-          <a:bodyPr/>
-          <a:lstStyle>
-            <a:lvl1pPr algn="ctr">
-              <a:defRPr/>
-            </a:lvl1pPr>
-          </a:lstStyle>
-          <a:p>
-            <a:r>
-              <a:rPr lang="en-US"/>
-              <a:t>Click to edit Master title style</a:t>
-            </a:r>
-          </a:p>
-        </p:txBody>
-      </p:sp>
-      <p:sp>
-        <p:nvSpPr>
-          <p:cNvPr id="96260" name="Rectangle 4"/>
-          <p:cNvSpPr>
-            <a:spLocks noGrp="1" noChangeArrowheads="1"/>
-          </p:cNvSpPr>
-          <p:nvPr>
-            <p:ph type="subTitle" idx="1"/>
-          </p:nvPr>
-        </p:nvSpPr>
-        <p:spPr>
-          <a:xfrm>
-            <a:off x="1371600" y="3886200"/>
-            <a:ext cx="6400800" cy="1752600"/>
-          </a:xfrm>
-        </p:spPr>
-        <p:txBody>
-          <a:bodyPr/>
-          <a:lstStyle>
-            <a:lvl1pPr marL="0" indent="0" algn="ctr">
-              <a:buFontTx/>
-              <a:buNone/>
-              <a:defRPr sz="2000"/>
-            </a:lvl1pPr>
-          </a:lstStyle>
-          <a:p>
-            <a:r>
-              <a:rPr lang="en-US"/>
-              <a:t>Click to edit Master subtitle style</a:t>
-            </a:r>
-          </a:p>
-        </p:txBody>
-      </p:sp>
-      <p:sp>
-        <p:nvSpPr>
-          <p:cNvPr id="96261" name="Rectangle 5"/>
-          <p:cNvSpPr>
-            <a:spLocks noGrp="1" noChangeArrowheads="1"/>
-          </p:cNvSpPr>
-          <p:nvPr>
-            <p:ph type="dt" sz="half" idx="2"/>
-          </p:nvPr>
-        </p:nvSpPr>
-        <p:spPr bwMode="auto">
-          <a:xfrm>
-            <a:off x="457200" y="6245225"/>
-            <a:ext cx="2133600" cy="476250"/>
-          </a:xfrm>
-          <a:prstGeom prst="rect">
-            <a:avLst/>
-          </a:prstGeom>
-          <a:noFill/>
-          <a:ln>
-            <a:miter lim="800000"/>
-            <a:headEnd/>
-            <a:tailEnd/>
-          </a:ln>
-        </p:spPr>
-        <p:txBody>
-          <a:bodyPr vert="horz" wrap="square" lIns="91440" tIns="45720" rIns="91440" bIns="45720" numCol="1" anchor="t" anchorCtr="0" compatLnSpc="1">
-            <a:prstTxWarp prst="textNoShape">
-              <a:avLst/>
-            </a:prstTxWarp>
-          </a:bodyPr>
-          <a:lstStyle>
-            <a:lvl1pPr>
-              <a:defRPr sz="1400"/>
-            </a:lvl1pPr>
-          </a:lstStyle>
-          <a:p>
-            <a:endParaRPr lang="en-US"/>
-          </a:p>
-        </p:txBody>
-      </p:sp>
-      <p:sp>
-        <p:nvSpPr>
-          <p:cNvPr id="96262" name="Rectangle 6"/>
-          <p:cNvSpPr>
-            <a:spLocks noGrp="1" noChangeArrowheads="1"/>
-          </p:cNvSpPr>
-          <p:nvPr>
-            <p:ph type="ftr" sz="quarter" idx="3"/>
-          </p:nvPr>
-        </p:nvSpPr>
-        <p:spPr>
-          <a:xfrm>
-            <a:off x="3124200" y="6245225"/>
-            <a:ext cx="2895600" cy="476250"/>
-          </a:xfrm>
-        </p:spPr>
-        <p:txBody>
-          <a:bodyPr/>
-          <a:lstStyle>
-            <a:lvl1pPr>
-              <a:defRPr/>
-            </a:lvl1pPr>
-          </a:lstStyle>
-          <a:p>
-            <a:endParaRPr lang="en-US"/>
-          </a:p>
-        </p:txBody>
-      </p:sp>
-      <p:sp>
-        <p:nvSpPr>
-          <p:cNvPr id="96263" name="Rectangle 7"/>
-          <p:cNvSpPr>
-            <a:spLocks noGrp="1" noChangeArrowheads="1"/>
-          </p:cNvSpPr>
-          <p:nvPr>
-            <p:ph type="sldNum" sz="quarter" idx="4"/>
-          </p:nvPr>
-        </p:nvSpPr>
-        <p:spPr>
-          <a:xfrm>
-            <a:off x="6553200" y="6245225"/>
-            <a:ext cx="2133600" cy="476250"/>
-          </a:xfrm>
-        </p:spPr>
-        <p:txBody>
-          <a:bodyPr/>
-          <a:lstStyle>
-            <a:lvl1pPr>
-              <a:defRPr/>
-            </a:lvl1pPr>
-          </a:lstStyle>
-          <a:p>
-            <a:fld id="{06B6B7B0-FCE3-4370-992F-054C5DBA08F5}" type="slidenum">
-              <a:rPr lang="en-US"/>
-              <a:pPr/>
-              <a:t>‹#›</a:t>
-            </a:fld>
-            <a:endParaRPr lang="en-US"/>
-          </a:p>
-        </p:txBody>
-      </p:sp>
       <p:pic>
         <p:nvPicPr>
-          <p:cNvPr id="96266" name="Picture 10" descr="caBIG_updated_logo"/>
+          <p:cNvPr id="4" name="Picture 10" descr="caBIG_updated_logo"/>
           <p:cNvPicPr>
             <a:picLocks noChangeAspect="1" noChangeArrowheads="1"/>
           </p:cNvPicPr>
@@ -3569,8 +3438,190 @@
             <a:avLst/>
           </a:prstGeom>
           <a:noFill/>
+          <a:ln w="9525">
+            <a:noFill/>
+            <a:miter lim="800000"/>
+            <a:headEnd/>
+            <a:tailEnd/>
+          </a:ln>
         </p:spPr>
       </p:pic>
+      <p:sp>
+        <p:nvSpPr>
+          <p:cNvPr id="96259" name="Rectangle 3"/>
+          <p:cNvSpPr>
+            <a:spLocks noGrp="1" noChangeArrowheads="1"/>
+          </p:cNvSpPr>
+          <p:nvPr>
+            <p:ph type="ctrTitle"/>
+          </p:nvPr>
+        </p:nvSpPr>
+        <p:spPr>
+          <a:xfrm>
+            <a:off x="685800" y="2130425"/>
+            <a:ext cx="7772400" cy="1470025"/>
+          </a:xfrm>
+        </p:spPr>
+        <p:txBody>
+          <a:bodyPr/>
+          <a:lstStyle>
+            <a:lvl1pPr algn="ctr">
+              <a:defRPr/>
+            </a:lvl1pPr>
+          </a:lstStyle>
+          <a:p>
+            <a:r>
+              <a:rPr lang="en-US"/>
+              <a:t>Click to edit Master title style</a:t>
+            </a:r>
+          </a:p>
+        </p:txBody>
+      </p:sp>
+      <p:sp>
+        <p:nvSpPr>
+          <p:cNvPr id="96260" name="Rectangle 4"/>
+          <p:cNvSpPr>
+            <a:spLocks noGrp="1" noChangeArrowheads="1"/>
+          </p:cNvSpPr>
+          <p:nvPr>
+            <p:ph type="subTitle" idx="1"/>
+          </p:nvPr>
+        </p:nvSpPr>
+        <p:spPr>
+          <a:xfrm>
+            <a:off x="1371600" y="3886200"/>
+            <a:ext cx="6400800" cy="1752600"/>
+          </a:xfrm>
+        </p:spPr>
+        <p:txBody>
+          <a:bodyPr/>
+          <a:lstStyle>
+            <a:lvl1pPr marL="0" indent="0" algn="ctr">
+              <a:buFontTx/>
+              <a:buNone/>
+              <a:defRPr sz="2000"/>
+            </a:lvl1pPr>
+          </a:lstStyle>
+          <a:p>
+            <a:r>
+              <a:rPr lang="en-US"/>
+              <a:t>Click to edit Master subtitle style</a:t>
+            </a:r>
+          </a:p>
+        </p:txBody>
+      </p:sp>
+      <p:sp>
+        <p:nvSpPr>
+          <p:cNvPr id="5" name="Rectangle 5"/>
+          <p:cNvSpPr>
+            <a:spLocks noGrp="1" noChangeArrowheads="1"/>
+          </p:cNvSpPr>
+          <p:nvPr>
+            <p:ph type="dt" sz="half" idx="10"/>
+          </p:nvPr>
+        </p:nvSpPr>
+        <p:spPr bwMode="auto">
+          <a:xfrm>
+            <a:off x="457200" y="6245225"/>
+            <a:ext cx="2133600" cy="476250"/>
+          </a:xfrm>
+          <a:prstGeom prst="rect">
+            <a:avLst/>
+          </a:prstGeom>
+          <a:ln>
+            <a:miter lim="800000"/>
+            <a:headEnd/>
+            <a:tailEnd/>
+          </a:ln>
+        </p:spPr>
+        <p:txBody>
+          <a:bodyPr vert="horz" wrap="square" lIns="91440" tIns="45720" rIns="91440" bIns="45720" numCol="1" anchor="t" anchorCtr="0" compatLnSpc="1">
+            <a:prstTxWarp prst="textNoShape">
+              <a:avLst/>
+            </a:prstTxWarp>
+          </a:bodyPr>
+          <a:lstStyle>
+            <a:lvl1pPr>
+              <a:defRPr sz="1400"/>
+            </a:lvl1pPr>
+          </a:lstStyle>
+          <a:p>
+            <a:pPr>
+              <a:defRPr/>
+            </a:pPr>
+            <a:endParaRPr lang="en-US"/>
+          </a:p>
+        </p:txBody>
+      </p:sp>
+      <p:sp>
+        <p:nvSpPr>
+          <p:cNvPr id="6" name="Rectangle 6"/>
+          <p:cNvSpPr>
+            <a:spLocks noGrp="1" noChangeArrowheads="1"/>
+          </p:cNvSpPr>
+          <p:nvPr>
+            <p:ph type="ftr" sz="quarter" idx="11"/>
+          </p:nvPr>
+        </p:nvSpPr>
+        <p:spPr>
+          <a:xfrm>
+            <a:off x="3124200" y="6245225"/>
+            <a:ext cx="2895600" cy="476250"/>
+          </a:xfrm>
+        </p:spPr>
+        <p:txBody>
+          <a:bodyPr/>
+          <a:lstStyle>
+            <a:lvl1pPr>
+              <a:defRPr/>
+            </a:lvl1pPr>
+          </a:lstStyle>
+          <a:p>
+            <a:pPr>
+              <a:defRPr/>
+            </a:pPr>
+            <a:endParaRPr lang="en-US"/>
+          </a:p>
+        </p:txBody>
+      </p:sp>
+      <p:sp>
+        <p:nvSpPr>
+          <p:cNvPr id="7" name="Rectangle 7"/>
+          <p:cNvSpPr>
+            <a:spLocks noGrp="1" noChangeArrowheads="1"/>
+          </p:cNvSpPr>
+          <p:nvPr>
+            <p:ph type="sldNum" sz="quarter" idx="12"/>
+          </p:nvPr>
+        </p:nvSpPr>
+        <p:spPr>
+          <a:xfrm>
+            <a:off x="6553200" y="6245225"/>
+            <a:ext cx="2133600" cy="476250"/>
+          </a:xfrm>
+        </p:spPr>
+        <p:txBody>
+          <a:bodyPr/>
+          <a:lstStyle>
+            <a:lvl1pPr>
+              <a:defRPr/>
+            </a:lvl1pPr>
+          </a:lstStyle>
+          <a:p>
+            <a:pPr>
+              <a:defRPr/>
+            </a:pPr>
+            <a:fld id="{C04C755C-F3C7-4F0C-BEE7-B55D76066C4C}" type="slidenum">
+              <a:rPr lang="en-US"/>
+              <a:pPr>
+                <a:defRPr/>
+              </a:pPr>
+              <a:t>‹#›</a:t>
+            </a:fld>
+            <a:endParaRPr lang="en-US"/>
+          </a:p>
+        </p:txBody>
+      </p:sp>
     </p:spTree>
   </p:cSld>
   <p:clrMapOvr>
@@ -3673,15 +3724,17 @@
       </p:sp>
       <p:sp>
         <p:nvSpPr>
-          <p:cNvPr id="4" name="Footer Placeholder 3"/>
-          <p:cNvSpPr>
-            <a:spLocks noGrp="1"/>
+          <p:cNvPr id="4" name="Rectangle 5"/>
+          <p:cNvSpPr>
+            <a:spLocks noGrp="1" noChangeArrowheads="1"/>
           </p:cNvSpPr>
           <p:nvPr>
             <p:ph type="ftr" sz="quarter" idx="10"/>
           </p:nvPr>
         </p:nvSpPr>
-        <p:spPr/>
+        <p:spPr>
+          <a:ln/>
+        </p:spPr>
         <p:txBody>
           <a:bodyPr/>
           <a:lstStyle>
@@ -3690,21 +3743,26 @@
             </a:lvl1pPr>
           </a:lstStyle>
           <a:p>
+            <a:pPr>
+              <a:defRPr/>
+            </a:pPr>
             <a:endParaRPr lang="en-US"/>
           </a:p>
         </p:txBody>
       </p:sp>
       <p:sp>
         <p:nvSpPr>
-          <p:cNvPr id="5" name="Slide Number Placeholder 4"/>
-          <p:cNvSpPr>
-            <a:spLocks noGrp="1"/>
+          <p:cNvPr id="5" name="Rectangle 6"/>
+          <p:cNvSpPr>
+            <a:spLocks noGrp="1" noChangeArrowheads="1"/>
           </p:cNvSpPr>
           <p:nvPr>
             <p:ph type="sldNum" sz="quarter" idx="11"/>
           </p:nvPr>
         </p:nvSpPr>
-        <p:spPr/>
+        <p:spPr>
+          <a:ln/>
+        </p:spPr>
         <p:txBody>
           <a:bodyPr/>
           <a:lstStyle>
@@ -3713,9 +3771,14 @@
             </a:lvl1pPr>
           </a:lstStyle>
           <a:p>
-            <a:fld id="{34E51396-A2A5-4943-8685-72E5F12D4E49}" type="slidenum">
+            <a:pPr>
+              <a:defRPr/>
+            </a:pPr>
+            <a:fld id="{84F15EA8-ACA4-44A8-A246-3D39769A016B}" type="slidenum">
               <a:rPr lang="en-US"/>
-              <a:pPr/>
+              <a:pPr>
+                <a:defRPr/>
+              </a:pPr>
               <a:t>‹#›</a:t>
             </a:fld>
             <a:endParaRPr lang="en-US"/>
@@ -3834,15 +3897,17 @@
       </p:sp>
       <p:sp>
         <p:nvSpPr>
-          <p:cNvPr id="4" name="Footer Placeholder 3"/>
-          <p:cNvSpPr>
-            <a:spLocks noGrp="1"/>
+          <p:cNvPr id="4" name="Rectangle 5"/>
+          <p:cNvSpPr>
+            <a:spLocks noGrp="1" noChangeArrowheads="1"/>
           </p:cNvSpPr>
           <p:nvPr>
             <p:ph type="ftr" sz="quarter" idx="10"/>
           </p:nvPr>
         </p:nvSpPr>
-        <p:spPr/>
+        <p:spPr>
+          <a:ln/>
+        </p:spPr>
         <p:txBody>
           <a:bodyPr/>
           <a:lstStyle>
@@ -3851,21 +3916,26 @@
             </a:lvl1pPr>
           </a:lstStyle>
           <a:p>
+            <a:pPr>
+              <a:defRPr/>
+            </a:pPr>
             <a:endParaRPr lang="en-US"/>
           </a:p>
         </p:txBody>
       </p:sp>
       <p:sp>
         <p:nvSpPr>
-          <p:cNvPr id="5" name="Slide Number Placeholder 4"/>
-          <p:cNvSpPr>
-            <a:spLocks noGrp="1"/>
+          <p:cNvPr id="5" name="Rectangle 6"/>
+          <p:cNvSpPr>
+            <a:spLocks noGrp="1" noChangeArrowheads="1"/>
           </p:cNvSpPr>
           <p:nvPr>
             <p:ph type="sldNum" sz="quarter" idx="11"/>
           </p:nvPr>
         </p:nvSpPr>
-        <p:spPr/>
+        <p:spPr>
+          <a:ln/>
+        </p:spPr>
         <p:txBody>
           <a:bodyPr/>
           <a:lstStyle>
@@ -3874,9 +3944,14 @@
             </a:lvl1pPr>
           </a:lstStyle>
           <a:p>
-            <a:fld id="{536FAE57-417E-428A-BFE2-B636202506B3}" type="slidenum">
+            <a:pPr>
+              <a:defRPr/>
+            </a:pPr>
+            <a:fld id="{9E9A2E9C-F9D6-47AF-8EC6-C0D2BC38977E}" type="slidenum">
               <a:rPr lang="en-US"/>
-              <a:pPr/>
+              <a:pPr>
+                <a:defRPr/>
+              </a:pPr>
               <a:t>‹#›</a:t>
             </a:fld>
             <a:endParaRPr lang="en-US"/>
@@ -4052,19 +4127,16 @@
       </p:sp>
       <p:sp>
         <p:nvSpPr>
-          <p:cNvPr id="5" name="Footer Placeholder 4"/>
-          <p:cNvSpPr>
-            <a:spLocks noGrp="1"/>
+          <p:cNvPr id="5" name="Rectangle 5"/>
+          <p:cNvSpPr>
+            <a:spLocks noGrp="1" noChangeArrowheads="1"/>
           </p:cNvSpPr>
           <p:nvPr>
             <p:ph type="ftr" sz="quarter" idx="10"/>
           </p:nvPr>
         </p:nvSpPr>
         <p:spPr>
-          <a:xfrm>
-            <a:off x="3124200" y="6076950"/>
-            <a:ext cx="2895600" cy="476250"/>
-          </a:xfrm>
+          <a:ln/>
         </p:spPr>
         <p:txBody>
           <a:bodyPr/>
@@ -4074,25 +4146,25 @@
             </a:lvl1pPr>
           </a:lstStyle>
           <a:p>
+            <a:pPr>
+              <a:defRPr/>
+            </a:pPr>
             <a:endParaRPr lang="en-US"/>
           </a:p>
         </p:txBody>
       </p:sp>
       <p:sp>
         <p:nvSpPr>
-          <p:cNvPr id="6" name="Slide Number Placeholder 5"/>
-          <p:cNvSpPr>
-            <a:spLocks noGrp="1"/>
+          <p:cNvPr id="6" name="Rectangle 6"/>
+          <p:cNvSpPr>
+            <a:spLocks noGrp="1" noChangeArrowheads="1"/>
           </p:cNvSpPr>
           <p:nvPr>
             <p:ph type="sldNum" sz="quarter" idx="11"/>
           </p:nvPr>
         </p:nvSpPr>
         <p:spPr>
-          <a:xfrm>
-            <a:off x="6553200" y="6076950"/>
-            <a:ext cx="2133600" cy="476250"/>
-          </a:xfrm>
+          <a:ln/>
         </p:spPr>
         <p:txBody>
           <a:bodyPr/>
@@ -4102,9 +4174,14 @@
             </a:lvl1pPr>
           </a:lstStyle>
           <a:p>
-            <a:fld id="{1969349F-035F-4C09-B113-5507F1910D4B}" type="slidenum">
+            <a:pPr>
+              <a:defRPr/>
+            </a:pPr>
+            <a:fld id="{E593511B-FF86-4FFE-AEE2-1F92D51C638F}" type="slidenum">
               <a:rPr lang="en-US"/>
-              <a:pPr/>
+              <a:pPr>
+                <a:defRPr/>
+              </a:pPr>
               <a:t>‹#›</a:t>
             </a:fld>
             <a:endParaRPr lang="en-US"/>
@@ -4213,15 +4290,17 @@
       </p:sp>
       <p:sp>
         <p:nvSpPr>
-          <p:cNvPr id="4" name="Footer Placeholder 3"/>
-          <p:cNvSpPr>
-            <a:spLocks noGrp="1"/>
+          <p:cNvPr id="4" name="Rectangle 5"/>
+          <p:cNvSpPr>
+            <a:spLocks noGrp="1" noChangeArrowheads="1"/>
           </p:cNvSpPr>
           <p:nvPr>
             <p:ph type="ftr" sz="quarter" idx="10"/>
           </p:nvPr>
         </p:nvSpPr>
-        <p:spPr/>
+        <p:spPr>
+          <a:ln/>
+        </p:spPr>
         <p:txBody>
           <a:bodyPr/>
           <a:lstStyle>
@@ -4230,21 +4309,26 @@
             </a:lvl1pPr>
           </a:lstStyle>
           <a:p>
+            <a:pPr>
+              <a:defRPr/>
+            </a:pPr>
             <a:endParaRPr lang="en-US"/>
           </a:p>
         </p:txBody>
       </p:sp>
       <p:sp>
         <p:nvSpPr>
-          <p:cNvPr id="5" name="Slide Number Placeholder 4"/>
-          <p:cNvSpPr>
-            <a:spLocks noGrp="1"/>
+          <p:cNvPr id="5" name="Rectangle 6"/>
+          <p:cNvSpPr>
+            <a:spLocks noGrp="1" noChangeArrowheads="1"/>
           </p:cNvSpPr>
           <p:nvPr>
             <p:ph type="sldNum" sz="quarter" idx="11"/>
           </p:nvPr>
         </p:nvSpPr>
-        <p:spPr/>
+        <p:spPr>
+          <a:ln/>
+        </p:spPr>
         <p:txBody>
           <a:bodyPr/>
           <a:lstStyle>
@@ -4253,9 +4337,14 @@
             </a:lvl1pPr>
           </a:lstStyle>
           <a:p>
-            <a:fld id="{B5747553-6C8E-47F2-A703-B711750BDD61}" type="slidenum">
+            <a:pPr>
+              <a:defRPr/>
+            </a:pPr>
+            <a:fld id="{81497EB1-B2A6-4C0F-A899-FFFC280EC28C}" type="slidenum">
               <a:rPr lang="en-US"/>
-              <a:pPr/>
+              <a:pPr>
+                <a:defRPr/>
+              </a:pPr>
               <a:t>‹#›</a:t>
             </a:fld>
             <a:endParaRPr lang="en-US"/>
@@ -4386,15 +4475,17 @@
       </p:sp>
       <p:sp>
         <p:nvSpPr>
-          <p:cNvPr id="4" name="Footer Placeholder 3"/>
-          <p:cNvSpPr>
-            <a:spLocks noGrp="1"/>
+          <p:cNvPr id="4" name="Rectangle 5"/>
+          <p:cNvSpPr>
+            <a:spLocks noGrp="1" noChangeArrowheads="1"/>
           </p:cNvSpPr>
           <p:nvPr>
             <p:ph type="ftr" sz="quarter" idx="10"/>
           </p:nvPr>
         </p:nvSpPr>
-        <p:spPr/>
+        <p:spPr>
+          <a:ln/>
+        </p:spPr>
         <p:txBody>
           <a:bodyPr/>
           <a:lstStyle>
@@ -4403,21 +4494,26 @@
             </a:lvl1pPr>
           </a:lstStyle>
           <a:p>
+            <a:pPr>
+              <a:defRPr/>
+            </a:pPr>
             <a:endParaRPr lang="en-US"/>
           </a:p>
         </p:txBody>
       </p:sp>
       <p:sp>
         <p:nvSpPr>
-          <p:cNvPr id="5" name="Slide Number Placeholder 4"/>
-          <p:cNvSpPr>
-            <a:spLocks noGrp="1"/>
+          <p:cNvPr id="5" name="Rectangle 6"/>
+          <p:cNvSpPr>
+            <a:spLocks noGrp="1" noChangeArrowheads="1"/>
           </p:cNvSpPr>
           <p:nvPr>
             <p:ph type="sldNum" sz="quarter" idx="11"/>
           </p:nvPr>
         </p:nvSpPr>
-        <p:spPr/>
+        <p:spPr>
+          <a:ln/>
+        </p:spPr>
         <p:txBody>
           <a:bodyPr/>
           <a:lstStyle>
@@ -4426,9 +4522,14 @@
             </a:lvl1pPr>
           </a:lstStyle>
           <a:p>
-            <a:fld id="{4BA6DF6C-4F93-4D67-93B2-5C6A59F0F230}" type="slidenum">
+            <a:pPr>
+              <a:defRPr/>
+            </a:pPr>
+            <a:fld id="{A5FABE48-3DD6-47F3-AF84-ABA3E5DC7894}" type="slidenum">
               <a:rPr lang="en-US"/>
-              <a:pPr/>
+              <a:pPr>
+                <a:defRPr/>
+              </a:pPr>
               <a:t>‹#›</a:t>
             </a:fld>
             <a:endParaRPr lang="en-US"/>
@@ -4655,15 +4756,17 @@
       </p:sp>
       <p:sp>
         <p:nvSpPr>
-          <p:cNvPr id="5" name="Footer Placeholder 4"/>
-          <p:cNvSpPr>
-            <a:spLocks noGrp="1"/>
+          <p:cNvPr id="5" name="Rectangle 5"/>
+          <p:cNvSpPr>
+            <a:spLocks noGrp="1" noChangeArrowheads="1"/>
           </p:cNvSpPr>
           <p:nvPr>
             <p:ph type="ftr" sz="quarter" idx="10"/>
           </p:nvPr>
         </p:nvSpPr>
-        <p:spPr/>
+        <p:spPr>
+          <a:ln/>
+        </p:spPr>
         <p:txBody>
           <a:bodyPr/>
           <a:lstStyle>
@@ -4672,21 +4775,26 @@
             </a:lvl1pPr>
           </a:lstStyle>
           <a:p>
+            <a:pPr>
+              <a:defRPr/>
+            </a:pPr>
             <a:endParaRPr lang="en-US"/>
           </a:p>
         </p:txBody>
       </p:sp>
       <p:sp>
         <p:nvSpPr>
-          <p:cNvPr id="6" name="Slide Number Placeholder 5"/>
-          <p:cNvSpPr>
-            <a:spLocks noGrp="1"/>
+          <p:cNvPr id="6" name="Rectangle 6"/>
+          <p:cNvSpPr>
+            <a:spLocks noGrp="1" noChangeArrowheads="1"/>
           </p:cNvSpPr>
           <p:nvPr>
             <p:ph type="sldNum" sz="quarter" idx="11"/>
           </p:nvPr>
         </p:nvSpPr>
-        <p:spPr/>
+        <p:spPr>
+          <a:ln/>
+        </p:spPr>
         <p:txBody>
           <a:bodyPr/>
           <a:lstStyle>
@@ -4695,9 +4803,14 @@
             </a:lvl1pPr>
           </a:lstStyle>
           <a:p>
-            <a:fld id="{79AF3120-4297-4553-A8F0-C72142291EF8}" type="slidenum">
+            <a:pPr>
+              <a:defRPr/>
+            </a:pPr>
+            <a:fld id="{E279F56D-8E5D-4727-9130-973020E3EE25}" type="slidenum">
               <a:rPr lang="en-US"/>
-              <a:pPr/>
+              <a:pPr>
+                <a:defRPr/>
+              </a:pPr>
               <a:t>‹#›</a:t>
             </a:fld>
             <a:endParaRPr lang="en-US"/>
@@ -5063,15 +5176,17 @@
       </p:sp>
       <p:sp>
         <p:nvSpPr>
-          <p:cNvPr id="7" name="Footer Placeholder 6"/>
-          <p:cNvSpPr>
-            <a:spLocks noGrp="1"/>
+          <p:cNvPr id="7" name="Rectangle 5"/>
+          <p:cNvSpPr>
+            <a:spLocks noGrp="1" noChangeArrowheads="1"/>
           </p:cNvSpPr>
           <p:nvPr>
             <p:ph type="ftr" sz="quarter" idx="10"/>
           </p:nvPr>
         </p:nvSpPr>
-        <p:spPr/>
+        <p:spPr>
+          <a:ln/>
+        </p:spPr>
         <p:txBody>
           <a:bodyPr/>
           <a:lstStyle>
@@ -5080,21 +5195,26 @@
             </a:lvl1pPr>
           </a:lstStyle>
           <a:p>
+            <a:pPr>
+              <a:defRPr/>
+            </a:pPr>
             <a:endParaRPr lang="en-US"/>
           </a:p>
         </p:txBody>
       </p:sp>
       <p:sp>
         <p:nvSpPr>
-          <p:cNvPr id="8" name="Slide Number Placeholder 7"/>
-          <p:cNvSpPr>
-            <a:spLocks noGrp="1"/>
+          <p:cNvPr id="8" name="Rectangle 6"/>
+          <p:cNvSpPr>
+            <a:spLocks noGrp="1" noChangeArrowheads="1"/>
           </p:cNvSpPr>
           <p:nvPr>
             <p:ph type="sldNum" sz="quarter" idx="11"/>
           </p:nvPr>
         </p:nvSpPr>
-        <p:spPr/>
+        <p:spPr>
+          <a:ln/>
+        </p:spPr>
         <p:txBody>
           <a:bodyPr/>
           <a:lstStyle>
@@ -5103,9 +5223,14 @@
             </a:lvl1pPr>
           </a:lstStyle>
           <a:p>
-            <a:fld id="{72AC35C4-B505-478E-9259-E66C7CB1A48F}" type="slidenum">
+            <a:pPr>
+              <a:defRPr/>
+            </a:pPr>
+            <a:fld id="{332B5BF4-6332-4EB2-8E82-48E9A665082C}" type="slidenum">
               <a:rPr lang="en-US"/>
-              <a:pPr/>
+              <a:pPr>
+                <a:defRPr/>
+              </a:pPr>
               <a:t>‹#›</a:t>
             </a:fld>
             <a:endParaRPr lang="en-US"/>
@@ -5162,15 +5287,17 @@
       </p:sp>
       <p:sp>
         <p:nvSpPr>
-          <p:cNvPr id="3" name="Footer Placeholder 2"/>
-          <p:cNvSpPr>
-            <a:spLocks noGrp="1"/>
+          <p:cNvPr id="3" name="Rectangle 5"/>
+          <p:cNvSpPr>
+            <a:spLocks noGrp="1" noChangeArrowheads="1"/>
           </p:cNvSpPr>
           <p:nvPr>
             <p:ph type="ftr" sz="quarter" idx="10"/>
           </p:nvPr>
         </p:nvSpPr>
-        <p:spPr/>
+        <p:spPr>
+          <a:ln/>
+        </p:spPr>
         <p:txBody>
           <a:bodyPr/>
           <a:lstStyle>
@@ -5179,21 +5306,26 @@
             </a:lvl1pPr>
           </a:lstStyle>
           <a:p>
+            <a:pPr>
+              <a:defRPr/>
+            </a:pPr>
             <a:endParaRPr lang="en-US"/>
           </a:p>
         </p:txBody>
       </p:sp>
       <p:sp>
         <p:nvSpPr>
-          <p:cNvPr id="4" name="Slide Number Placeholder 3"/>
-          <p:cNvSpPr>
-            <a:spLocks noGrp="1"/>
+          <p:cNvPr id="4" name="Rectangle 6"/>
+          <p:cNvSpPr>
+            <a:spLocks noGrp="1" noChangeArrowheads="1"/>
           </p:cNvSpPr>
           <p:nvPr>
             <p:ph type="sldNum" sz="quarter" idx="11"/>
           </p:nvPr>
         </p:nvSpPr>
-        <p:spPr/>
+        <p:spPr>
+          <a:ln/>
+        </p:spPr>
         <p:txBody>
           <a:bodyPr/>
           <a:lstStyle>
@@ -5202,9 +5334,14 @@
             </a:lvl1pPr>
           </a:lstStyle>
           <a:p>
-            <a:fld id="{E88093EA-9DFE-46D2-9408-D6AA0DA2651C}" type="slidenum">
+            <a:pPr>
+              <a:defRPr/>
+            </a:pPr>
+            <a:fld id="{9985672A-D888-4F3C-AEDC-DC39849B360E}" type="slidenum">
               <a:rPr lang="en-US"/>
-              <a:pPr/>
+              <a:pPr>
+                <a:defRPr/>
+              </a:pPr>
               <a:t>‹#›</a:t>
             </a:fld>
             <a:endParaRPr lang="en-US"/>
@@ -5238,15 +5375,17 @@
       </p:grpSpPr>
       <p:sp>
         <p:nvSpPr>
-          <p:cNvPr id="2" name="Footer Placeholder 1"/>
-          <p:cNvSpPr>
-            <a:spLocks noGrp="1"/>
+          <p:cNvPr id="2" name="Rectangle 5"/>
+          <p:cNvSpPr>
+            <a:spLocks noGrp="1" noChangeArrowheads="1"/>
           </p:cNvSpPr>
           <p:nvPr>
             <p:ph type="ftr" sz="quarter" idx="10"/>
           </p:nvPr>
         </p:nvSpPr>
-        <p:spPr/>
+        <p:spPr>
+          <a:ln/>
+        </p:spPr>
         <p:txBody>
           <a:bodyPr/>
           <a:lstStyle>
@@ -5255,21 +5394,26 @@
             </a:lvl1pPr>
           </a:lstStyle>
           <a:p>
+            <a:pPr>
+              <a:defRPr/>
+            </a:pPr>
             <a:endParaRPr lang="en-US"/>
           </a:p>
         </p:txBody>
       </p:sp>
       <p:sp>
         <p:nvSpPr>
-          <p:cNvPr id="3" name="Slide Number Placeholder 2"/>
-          <p:cNvSpPr>
-            <a:spLocks noGrp="1"/>
+          <p:cNvPr id="3" name="Rectangle 6"/>
+          <p:cNvSpPr>
+            <a:spLocks noGrp="1" noChangeArrowheads="1"/>
           </p:cNvSpPr>
           <p:nvPr>
             <p:ph type="sldNum" sz="quarter" idx="11"/>
           </p:nvPr>
         </p:nvSpPr>
-        <p:spPr/>
+        <p:spPr>
+          <a:ln/>
+        </p:spPr>
         <p:txBody>
           <a:bodyPr/>
           <a:lstStyle>
@@ -5278,9 +5422,14 @@
             </a:lvl1pPr>
           </a:lstStyle>
           <a:p>
-            <a:fld id="{76BE3DC5-A3D8-43CB-9BCD-4EF2E19B8EAD}" type="slidenum">
+            <a:pPr>
+              <a:defRPr/>
+            </a:pPr>
+            <a:fld id="{20BBC7C4-A237-4E25-9E1C-EF42ADBA6ED7}" type="slidenum">
               <a:rPr lang="en-US"/>
-              <a:pPr/>
+              <a:pPr>
+                <a:defRPr/>
+              </a:pPr>
               <a:t>‹#›</a:t>
             </a:fld>
             <a:endParaRPr lang="en-US"/>
@@ -5496,15 +5645,17 @@
       </p:sp>
       <p:sp>
         <p:nvSpPr>
-          <p:cNvPr id="5" name="Footer Placeholder 4"/>
-          <p:cNvSpPr>
-            <a:spLocks noGrp="1"/>
+          <p:cNvPr id="5" name="Rectangle 5"/>
+          <p:cNvSpPr>
+            <a:spLocks noGrp="1" noChangeArrowheads="1"/>
           </p:cNvSpPr>
           <p:nvPr>
             <p:ph type="ftr" sz="quarter" idx="10"/>
           </p:nvPr>
         </p:nvSpPr>
-        <p:spPr/>
+        <p:spPr>
+          <a:ln/>
+        </p:spPr>
         <p:txBody>
           <a:bodyPr/>
           <a:lstStyle>
@@ -5513,21 +5664,26 @@
             </a:lvl1pPr>
           </a:lstStyle>
           <a:p>
+            <a:pPr>
+              <a:defRPr/>
+            </a:pPr>
             <a:endParaRPr lang="en-US"/>
           </a:p>
         </p:txBody>
       </p:sp>
       <p:sp>
         <p:nvSpPr>
-          <p:cNvPr id="6" name="Slide Number Placeholder 5"/>
-          <p:cNvSpPr>
-            <a:spLocks noGrp="1"/>
+          <p:cNvPr id="6" name="Rectangle 6"/>
+          <p:cNvSpPr>
+            <a:spLocks noGrp="1" noChangeArrowheads="1"/>
           </p:cNvSpPr>
           <p:nvPr>
             <p:ph type="sldNum" sz="quarter" idx="11"/>
           </p:nvPr>
         </p:nvSpPr>
-        <p:spPr/>
+        <p:spPr>
+          <a:ln/>
+        </p:spPr>
         <p:txBody>
           <a:bodyPr/>
           <a:lstStyle>
@@ -5536,9 +5692,14 @@
             </a:lvl1pPr>
           </a:lstStyle>
           <a:p>
-            <a:fld id="{78F21DC6-F8E0-4468-B176-EF78A4973092}" type="slidenum">
+            <a:pPr>
+              <a:defRPr/>
+            </a:pPr>
+            <a:fld id="{46E457F4-10D9-49F0-9AFA-DA4DEB75D2FE}" type="slidenum">
               <a:rPr lang="en-US"/>
-              <a:pPr/>
+              <a:pPr>
+                <a:defRPr/>
+              </a:pPr>
               <a:t>‹#›</a:t>
             </a:fld>
             <a:endParaRPr lang="en-US"/>
@@ -5659,7 +5820,8 @@
             </a:lvl9pPr>
           </a:lstStyle>
           <a:p>
-            <a:endParaRPr lang="en-US"/>
+            <a:pPr lvl="0"/>
+            <a:endParaRPr lang="en-US" noProof="0"/>
           </a:p>
         </p:txBody>
       </p:sp>
@@ -5730,15 +5892,17 @@
       </p:sp>
       <p:sp>
         <p:nvSpPr>
-          <p:cNvPr id="5" name="Footer Placeholder 4"/>
-          <p:cNvSpPr>
-            <a:spLocks noGrp="1"/>
+          <p:cNvPr id="5" name="Rectangle 5"/>
+          <p:cNvSpPr>
+            <a:spLocks noGrp="1" noChangeArrowheads="1"/>
           </p:cNvSpPr>
           <p:nvPr>
             <p:ph type="ftr" sz="quarter" idx="10"/>
           </p:nvPr>
         </p:nvSpPr>
-        <p:spPr/>
+        <p:spPr>
+          <a:ln/>
+        </p:spPr>
         <p:txBody>
           <a:bodyPr/>
           <a:lstStyle>
@@ -5747,21 +5911,26 @@
             </a:lvl1pPr>
           </a:lstStyle>
           <a:p>
+            <a:pPr>
+              <a:defRPr/>
+            </a:pPr>
             <a:endParaRPr lang="en-US"/>
           </a:p>
         </p:txBody>
       </p:sp>
       <p:sp>
         <p:nvSpPr>
-          <p:cNvPr id="6" name="Slide Number Placeholder 5"/>
-          <p:cNvSpPr>
-            <a:spLocks noGrp="1"/>
+          <p:cNvPr id="6" name="Rectangle 6"/>
+          <p:cNvSpPr>
+            <a:spLocks noGrp="1" noChangeArrowheads="1"/>
           </p:cNvSpPr>
           <p:nvPr>
             <p:ph type="sldNum" sz="quarter" idx="11"/>
           </p:nvPr>
         </p:nvSpPr>
-        <p:spPr/>
+        <p:spPr>
+          <a:ln/>
+        </p:spPr>
         <p:txBody>
           <a:bodyPr/>
           <a:lstStyle>
@@ -5770,9 +5939,14 @@
             </a:lvl1pPr>
           </a:lstStyle>
           <a:p>
-            <a:fld id="{C34E4409-C5C3-42D2-B5DF-9107306FE93D}" type="slidenum">
+            <a:pPr>
+              <a:defRPr/>
+            </a:pPr>
+            <a:fld id="{C783029E-DB05-43BA-AD65-FF3DFBCBC23B}" type="slidenum">
               <a:rPr lang="en-US"/>
-              <a:pPr/>
+              <a:pPr>
+                <a:defRPr/>
+              </a:pPr>
               <a:t>‹#›</a:t>
             </a:fld>
             <a:endParaRPr lang="en-US"/>
@@ -5814,7 +5988,7 @@
       </p:grpSpPr>
       <p:sp>
         <p:nvSpPr>
-          <p:cNvPr id="95235" name="Rectangle 3"/>
+          <p:cNvPr id="1026" name="Rectangle 3"/>
           <p:cNvSpPr>
             <a:spLocks noGrp="1" noChangeArrowheads="1"/>
           </p:cNvSpPr>
@@ -5837,7 +6011,6 @@
             <a:headEnd/>
             <a:tailEnd/>
           </a:ln>
-          <a:effectLst/>
         </p:spPr>
         <p:txBody>
           <a:bodyPr vert="horz" wrap="square" lIns="91440" tIns="45720" rIns="91440" bIns="45720" numCol="1" anchor="ctr" anchorCtr="0" compatLnSpc="1">
@@ -5857,7 +6030,7 @@
       </p:sp>
       <p:sp>
         <p:nvSpPr>
-          <p:cNvPr id="95236" name="Rectangle 4"/>
+          <p:cNvPr id="1027" name="Rectangle 4"/>
           <p:cNvSpPr>
             <a:spLocks noGrp="1" noChangeArrowheads="1"/>
           </p:cNvSpPr>
@@ -5880,7 +6053,6 @@
             <a:headEnd/>
             <a:tailEnd/>
           </a:ln>
-          <a:effectLst/>
         </p:spPr>
         <p:txBody>
           <a:bodyPr vert="horz" wrap="square" lIns="91440" tIns="45720" rIns="91440" bIns="45720" numCol="1" anchor="t" anchorCtr="0" compatLnSpc="1">
@@ -5965,6 +6137,9 @@
             </a:lvl1pPr>
           </a:lstStyle>
           <a:p>
+            <a:pPr>
+              <a:defRPr/>
+            </a:pPr>
             <a:endParaRPr lang="en-US"/>
           </a:p>
         </p:txBody>
@@ -6008,9 +6183,14 @@
             </a:lvl1pPr>
           </a:lstStyle>
           <a:p>
-            <a:fld id="{F35C894A-D3EE-4062-973D-FCEF8DE7C5A7}" type="slidenum">
+            <a:pPr>
+              <a:defRPr/>
+            </a:pPr>
+            <a:fld id="{20379E39-D135-43F7-B592-E785203F1E67}" type="slidenum">
               <a:rPr lang="en-US"/>
-              <a:pPr/>
+              <a:pPr>
+                <a:defRPr/>
+              </a:pPr>
               <a:t>‹#›</a:t>
             </a:fld>
             <a:endParaRPr lang="en-US"/>
@@ -6050,6 +6230,9 @@
           </a:bodyPr>
           <a:lstStyle/>
           <a:p>
+            <a:pPr>
+              <a:defRPr/>
+            </a:pPr>
             <a:endParaRPr lang="en-US"/>
           </a:p>
         </p:txBody>
@@ -6058,22 +6241,22 @@
   </p:cSld>
   <p:clrMap bg1="lt1" tx1="dk1" bg2="lt2" tx2="dk2" accent1="accent1" accent2="accent2" accent3="accent3" accent4="accent4" accent5="accent5" accent6="accent6" hlink="hlink" folHlink="folHlink"/>
   <p:sldLayoutIdLst>
-    <p:sldLayoutId id="2147483652" r:id="rId1"/>
-    <p:sldLayoutId id="2147483653" r:id="rId2"/>
-    <p:sldLayoutId id="2147483654" r:id="rId3"/>
-    <p:sldLayoutId id="2147483655" r:id="rId4"/>
-    <p:sldLayoutId id="2147483656" r:id="rId5"/>
-    <p:sldLayoutId id="2147483657" r:id="rId6"/>
+    <p:sldLayoutId id="2147483664" r:id="rId1"/>
+    <p:sldLayoutId id="2147483663" r:id="rId2"/>
+    <p:sldLayoutId id="2147483662" r:id="rId3"/>
+    <p:sldLayoutId id="2147483661" r:id="rId4"/>
+    <p:sldLayoutId id="2147483660" r:id="rId5"/>
+    <p:sldLayoutId id="2147483659" r:id="rId6"/>
     <p:sldLayoutId id="2147483658" r:id="rId7"/>
-    <p:sldLayoutId id="2147483659" r:id="rId8"/>
-    <p:sldLayoutId id="2147483660" r:id="rId9"/>
-    <p:sldLayoutId id="2147483661" r:id="rId10"/>
-    <p:sldLayoutId id="2147483662" r:id="rId11"/>
-    <p:sldLayoutId id="2147483663" r:id="rId12"/>
+    <p:sldLayoutId id="2147483657" r:id="rId8"/>
+    <p:sldLayoutId id="2147483656" r:id="rId9"/>
+    <p:sldLayoutId id="2147483655" r:id="rId10"/>
+    <p:sldLayoutId id="2147483654" r:id="rId11"/>
+    <p:sldLayoutId id="2147483653" r:id="rId12"/>
   </p:sldLayoutIdLst>
   <p:txStyles>
     <p:titleStyle>
-      <a:lvl1pPr algn="l" rtl="0" fontAlgn="base">
+      <a:lvl1pPr algn="l" rtl="0" eaLnBrk="0" fontAlgn="base" hangingPunct="0">
         <a:spcBef>
           <a:spcPct val="0"/>
         </a:spcBef>
@@ -6089,7 +6272,7 @@
           <a:cs typeface="+mj-cs"/>
         </a:defRPr>
       </a:lvl1pPr>
-      <a:lvl2pPr algn="l" rtl="0" fontAlgn="base">
+      <a:lvl2pPr algn="l" rtl="0" eaLnBrk="0" fontAlgn="base" hangingPunct="0">
         <a:spcBef>
           <a:spcPct val="0"/>
         </a:spcBef>
@@ -6103,7 +6286,7 @@
           <a:latin typeface="Arial" charset="0"/>
         </a:defRPr>
       </a:lvl2pPr>
-      <a:lvl3pPr algn="l" rtl="0" fontAlgn="base">
+      <a:lvl3pPr algn="l" rtl="0" eaLnBrk="0" fontAlgn="base" hangingPunct="0">
         <a:spcBef>
           <a:spcPct val="0"/>
         </a:spcBef>
@@ -6117,7 +6300,7 @@
           <a:latin typeface="Arial" charset="0"/>
         </a:defRPr>
       </a:lvl3pPr>
-      <a:lvl4pPr algn="l" rtl="0" fontAlgn="base">
+      <a:lvl4pPr algn="l" rtl="0" eaLnBrk="0" fontAlgn="base" hangingPunct="0">
         <a:spcBef>
           <a:spcPct val="0"/>
         </a:spcBef>
@@ -6131,7 +6314,7 @@
           <a:latin typeface="Arial" charset="0"/>
         </a:defRPr>
       </a:lvl4pPr>
-      <a:lvl5pPr algn="l" rtl="0" fontAlgn="base">
+      <a:lvl5pPr algn="l" rtl="0" eaLnBrk="0" fontAlgn="base" hangingPunct="0">
         <a:spcBef>
           <a:spcPct val="0"/>
         </a:spcBef>
@@ -6203,7 +6386,7 @@
       </a:lvl9pPr>
     </p:titleStyle>
     <p:bodyStyle>
-      <a:lvl1pPr marL="342900" indent="-342900" algn="l" rtl="0" fontAlgn="base">
+      <a:lvl1pPr marL="342900" indent="-342900" algn="l" rtl="0" eaLnBrk="0" fontAlgn="base" hangingPunct="0">
         <a:spcBef>
           <a:spcPct val="20000"/>
         </a:spcBef>
@@ -6220,7 +6403,7 @@
           <a:cs typeface="+mn-cs"/>
         </a:defRPr>
       </a:lvl1pPr>
-      <a:lvl2pPr marL="742950" indent="-285750" algn="l" rtl="0" fontAlgn="base">
+      <a:lvl2pPr marL="742950" indent="-285750" algn="l" rtl="0" eaLnBrk="0" fontAlgn="base" hangingPunct="0">
         <a:spcBef>
           <a:spcPct val="20000"/>
         </a:spcBef>
@@ -6235,7 +6418,7 @@
           <a:latin typeface="+mn-lt"/>
         </a:defRPr>
       </a:lvl2pPr>
-      <a:lvl3pPr marL="1143000" indent="-228600" algn="l" rtl="0" fontAlgn="base">
+      <a:lvl3pPr marL="1143000" indent="-228600" algn="l" rtl="0" eaLnBrk="0" fontAlgn="base" hangingPunct="0">
         <a:spcBef>
           <a:spcPct val="20000"/>
         </a:spcBef>
@@ -6250,7 +6433,7 @@
           <a:latin typeface="+mn-lt"/>
         </a:defRPr>
       </a:lvl3pPr>
-      <a:lvl4pPr marL="1600200" indent="-228600" algn="l" rtl="0" fontAlgn="base">
+      <a:lvl4pPr marL="1600200" indent="-228600" algn="l" rtl="0" eaLnBrk="0" fontAlgn="base" hangingPunct="0">
         <a:spcBef>
           <a:spcPct val="20000"/>
         </a:spcBef>
@@ -6258,14 +6441,14 @@
           <a:spcPct val="0"/>
         </a:spcAft>
         <a:buChar char="–"/>
-        <a:defRPr>
+        <a:defRPr sz="2000">
           <a:solidFill>
             <a:schemeClr val="tx1"/>
           </a:solidFill>
           <a:latin typeface="+mn-lt"/>
         </a:defRPr>
       </a:lvl4pPr>
-      <a:lvl5pPr marL="2057400" indent="-228600" algn="l" rtl="0" fontAlgn="base">
+      <a:lvl5pPr marL="2057400" indent="-228600" algn="l" rtl="0" eaLnBrk="0" fontAlgn="base" hangingPunct="0">
         <a:spcBef>
           <a:spcPct val="20000"/>
         </a:spcBef>
@@ -6273,7 +6456,7 @@
           <a:spcPct val="0"/>
         </a:spcAft>
         <a:buChar char="»"/>
-        <a:defRPr>
+        <a:defRPr sz="2000">
           <a:solidFill>
             <a:schemeClr val="tx1"/>
           </a:solidFill>
@@ -6459,7 +6642,7 @@
       </p:grpSpPr>
       <p:sp>
         <p:nvSpPr>
-          <p:cNvPr id="67586" name="Rectangle 2"/>
+          <p:cNvPr id="16385" name="Rectangle 2"/>
           <p:cNvSpPr>
             <a:spLocks noChangeArrowheads="1"/>
           </p:cNvSpPr>
@@ -6480,7 +6663,6 @@
             <a:headEnd/>
             <a:tailEnd/>
           </a:ln>
-          <a:effectLst/>
         </p:spPr>
         <p:txBody>
           <a:bodyPr lIns="0" tIns="0" rIns="0" bIns="0" anchor="b"/>
@@ -6488,24 +6670,19 @@
           <a:p>
             <a:pPr algn="ctr"/>
             <a:r>
-              <a:rPr lang="en-US" sz="3800" dirty="0" smtClean="0">
+              <a:rPr lang="en-US" sz="3800">
                 <a:solidFill>
                   <a:srgbClr val="333399"/>
                 </a:solidFill>
               </a:rPr>
               <a:t>C3PR v2 Overview</a:t>
             </a:r>
-            <a:endParaRPr lang="en-US" sz="3800" dirty="0">
-              <a:solidFill>
-                <a:srgbClr val="333399"/>
-              </a:solidFill>
-            </a:endParaRPr>
-          </a:p>
-        </p:txBody>
-      </p:sp>
-      <p:sp>
-        <p:nvSpPr>
-          <p:cNvPr id="67587" name="Rectangle 3"/>
+          </a:p>
+        </p:txBody>
+      </p:sp>
+      <p:sp>
+        <p:nvSpPr>
+          <p:cNvPr id="16386" name="Rectangle 3"/>
           <p:cNvSpPr>
             <a:spLocks noGrp="1" noChangeArrowheads="1"/>
           </p:cNvSpPr>
@@ -6518,14 +6695,12 @@
             <a:off x="914400" y="3657600"/>
             <a:ext cx="7086600" cy="2743200"/>
           </a:xfrm>
-          <a:noFill/>
-          <a:ln/>
         </p:spPr>
         <p:txBody>
           <a:bodyPr lIns="0" tIns="0" rIns="0" bIns="0"/>
           <a:lstStyle/>
           <a:p>
-            <a:pPr algn="l">
+            <a:pPr algn="l" eaLnBrk="1" hangingPunct="1">
               <a:spcBef>
                 <a:spcPct val="0"/>
               </a:spcBef>
@@ -6534,39 +6709,27 @@
               </a:spcAft>
             </a:pPr>
             <a:r>
-              <a:rPr lang="en-US" dirty="0"/>
-              <a:t>Session Date: </a:t>
-            </a:r>
-            <a:r>
-              <a:rPr lang="en-US" dirty="0" smtClean="0"/>
-              <a:t>08/31/2007</a:t>
-            </a:r>
-            <a:r>
-              <a:rPr lang="en-US" dirty="0"/>
-              <a:t/>
+              <a:rPr lang="en-US" smtClean="0"/>
+              <a:t>Session Date: 08/31/2007</a:t>
             </a:r>
             <a:br>
-              <a:rPr lang="en-US" dirty="0"/>
+              <a:rPr lang="en-US" smtClean="0"/>
             </a:br>
             <a:r>
-              <a:rPr lang="en-US" dirty="0"/>
+              <a:rPr lang="en-US" smtClean="0"/>
               <a:t>Session Length:</a:t>
             </a:r>
             <a:br>
-              <a:rPr lang="en-US" dirty="0"/>
+              <a:rPr lang="en-US" smtClean="0"/>
             </a:br>
             <a:r>
-              <a:rPr lang="en-US" dirty="0"/>
-              <a:t>Target Audience</a:t>
-            </a:r>
-            <a:r>
-              <a:rPr lang="en-US" dirty="0" smtClean="0"/>
-              <a:t>: End Users</a:t>
-            </a:r>
-            <a:endParaRPr lang="en-US" dirty="0"/>
-          </a:p>
-          <a:p>
-            <a:endParaRPr lang="en-US" dirty="0"/>
+              <a:rPr lang="en-US" smtClean="0"/>
+              <a:t>Target Audience: End Users</a:t>
+            </a:r>
+          </a:p>
+          <a:p>
+            <a:pPr eaLnBrk="1" hangingPunct="1"/>
+            <a:endParaRPr lang="en-US" smtClean="0"/>
           </a:p>
         </p:txBody>
       </p:sp>
@@ -6604,7 +6767,7 @@
       </p:grpSpPr>
       <p:sp>
         <p:nvSpPr>
-          <p:cNvPr id="84994" name="Rectangle 2"/>
+          <p:cNvPr id="34817" name="Rectangle 2"/>
           <p:cNvSpPr>
             <a:spLocks noGrp="1" noChangeArrowheads="1"/>
           </p:cNvSpPr>
@@ -6617,33 +6780,32 @@
           <a:bodyPr/>
           <a:lstStyle/>
           <a:p>
-            <a:pPr>
+            <a:pPr eaLnBrk="1" hangingPunct="1">
               <a:lnSpc>
                 <a:spcPct val="90000"/>
               </a:lnSpc>
             </a:pPr>
             <a:r>
-              <a:rPr lang="en-US" dirty="0" smtClean="0"/>
+              <a:rPr lang="en-US" smtClean="0"/>
               <a:t>How do you know what button to press, and when to wait</a:t>
             </a:r>
           </a:p>
           <a:p>
-            <a:pPr>
+            <a:pPr eaLnBrk="1" hangingPunct="1">
               <a:lnSpc>
                 <a:spcPct val="90000"/>
               </a:lnSpc>
             </a:pPr>
             <a:r>
-              <a:rPr lang="en-US" dirty="0" smtClean="0"/>
+              <a:rPr lang="en-US" smtClean="0"/>
               <a:t>Browser behavior</a:t>
             </a:r>
-            <a:endParaRPr lang="en-US" dirty="0"/>
-          </a:p>
-        </p:txBody>
-      </p:sp>
-      <p:sp>
-        <p:nvSpPr>
-          <p:cNvPr id="84995" name="Rectangle 3"/>
+          </a:p>
+        </p:txBody>
+      </p:sp>
+      <p:sp>
+        <p:nvSpPr>
+          <p:cNvPr id="34818" name="Rectangle 3"/>
           <p:cNvSpPr>
             <a:spLocks noGrp="1" noChangeArrowheads="1"/>
           </p:cNvSpPr>
@@ -6656,30 +6818,21 @@
             <a:off x="381000" y="76200"/>
             <a:ext cx="8229600" cy="990600"/>
           </a:xfrm>
-          <a:noFill/>
-          <a:ln/>
         </p:spPr>
         <p:txBody>
           <a:bodyPr lIns="0" tIns="0" rIns="0" bIns="0" anchor="b"/>
           <a:lstStyle/>
           <a:p>
-            <a:r>
-              <a:rPr lang="en-US" sz="2300" dirty="0"/>
-              <a:t>Lesson </a:t>
-            </a:r>
-            <a:r>
-              <a:rPr lang="en-US" sz="2300" dirty="0" smtClean="0"/>
-              <a:t>2</a:t>
-            </a:r>
-            <a:r>
-              <a:rPr lang="en-US" sz="2300" dirty="0"/>
-              <a:t/>
+            <a:pPr eaLnBrk="1" hangingPunct="1"/>
+            <a:r>
+              <a:rPr lang="en-US" sz="2300" smtClean="0"/>
+              <a:t>Lesson 2</a:t>
             </a:r>
             <a:br>
-              <a:rPr lang="en-US" sz="2300" dirty="0"/>
+              <a:rPr lang="en-US" sz="2300" smtClean="0"/>
             </a:br>
             <a:r>
-              <a:rPr lang="en-US" sz="3000" dirty="0"/>
+              <a:rPr lang="en-US" sz="3000" smtClean="0"/>
               <a:t>Review &amp; Questions</a:t>
             </a:r>
           </a:p>
@@ -6712,7 +6865,7 @@
       </p:grpSpPr>
       <p:sp>
         <p:nvSpPr>
-          <p:cNvPr id="82946" name="Rectangle 2"/>
+          <p:cNvPr id="36865" name="Rectangle 2"/>
           <p:cNvSpPr>
             <a:spLocks noGrp="1" noChangeArrowheads="1"/>
           </p:cNvSpPr>
@@ -6725,56 +6878,49 @@
           <a:bodyPr/>
           <a:lstStyle/>
           <a:p>
-            <a:r>
-              <a:rPr lang="en-US" sz="2400" dirty="0"/>
+            <a:pPr eaLnBrk="1" hangingPunct="1"/>
+            <a:r>
+              <a:rPr lang="en-US" sz="2400" smtClean="0"/>
               <a:t/>
             </a:r>
             <a:br>
-              <a:rPr lang="en-US" sz="2400" dirty="0"/>
+              <a:rPr lang="en-US" sz="2400" smtClean="0"/>
             </a:br>
             <a:r>
-              <a:rPr lang="en-US" sz="2400" dirty="0" smtClean="0"/>
+              <a:rPr lang="en-US" sz="2400" smtClean="0"/>
               <a:t/>
             </a:r>
             <a:br>
-              <a:rPr lang="en-US" sz="2400" dirty="0" smtClean="0"/>
+              <a:rPr lang="en-US" sz="2400" smtClean="0"/>
             </a:br>
             <a:r>
-              <a:rPr lang="en-US" sz="2400" dirty="0" smtClean="0"/>
-              <a:t>Lesson </a:t>
-            </a:r>
-            <a:r>
-              <a:rPr lang="en-US" sz="2400" dirty="0" smtClean="0"/>
-              <a:t>3:  </a:t>
-            </a:r>
-            <a:r>
-              <a:rPr lang="en-US" sz="2400" dirty="0" smtClean="0"/>
-              <a:t>Creating Trials</a:t>
+              <a:rPr lang="en-US" sz="2400" smtClean="0"/>
+              <a:t>Lesson 3:  Creating Trials</a:t>
             </a:r>
             <a:br>
-              <a:rPr lang="en-US" sz="2400" dirty="0" smtClean="0"/>
+              <a:rPr lang="en-US" sz="2400" smtClean="0"/>
             </a:br>
             <a:r>
-              <a:rPr lang="en-US" sz="2400" dirty="0" smtClean="0"/>
+              <a:rPr lang="en-US" sz="2400" smtClean="0"/>
               <a:t/>
             </a:r>
             <a:br>
-              <a:rPr lang="en-US" sz="2400" dirty="0" smtClean="0"/>
+              <a:rPr lang="en-US" sz="2400" smtClean="0"/>
             </a:br>
             <a:r>
-              <a:rPr lang="en-US" sz="2400" dirty="0" smtClean="0"/>
+              <a:rPr lang="en-US" sz="2400" smtClean="0"/>
               <a:t/>
             </a:r>
             <a:br>
-              <a:rPr lang="en-US" sz="2400" dirty="0" smtClean="0"/>
+              <a:rPr lang="en-US" sz="2400" smtClean="0"/>
             </a:br>
-            <a:endParaRPr lang="en-US" sz="2400" dirty="0"/>
-          </a:p>
-        </p:txBody>
-      </p:sp>
-      <p:sp>
-        <p:nvSpPr>
-          <p:cNvPr id="82947" name="Rectangle 3"/>
+            <a:endParaRPr lang="en-US" sz="2400" smtClean="0"/>
+          </a:p>
+        </p:txBody>
+      </p:sp>
+      <p:sp>
+        <p:nvSpPr>
+          <p:cNvPr id="36866" name="Rectangle 3"/>
           <p:cNvSpPr>
             <a:spLocks noGrp="1" noChangeArrowheads="1"/>
           </p:cNvSpPr>
@@ -6792,47 +6938,43 @@
           <a:bodyPr/>
           <a:lstStyle/>
           <a:p>
-            <a:r>
-              <a:rPr lang="en-US" dirty="0" smtClean="0"/>
+            <a:pPr eaLnBrk="1" hangingPunct="1"/>
+            <a:r>
+              <a:rPr lang="en-US" smtClean="0"/>
               <a:t>Who should do this?</a:t>
             </a:r>
           </a:p>
           <a:p>
-            <a:r>
-              <a:rPr lang="en-US" dirty="0" smtClean="0"/>
+            <a:pPr eaLnBrk="1" hangingPunct="1"/>
+            <a:r>
+              <a:rPr lang="en-US" smtClean="0"/>
               <a:t>Create or import</a:t>
             </a:r>
           </a:p>
           <a:p>
-            <a:r>
-              <a:rPr lang="en-US" dirty="0" smtClean="0"/>
-              <a:t>Key fields that drive reports and rules</a:t>
-            </a:r>
-            <a:r>
-              <a:rPr lang="en-US" dirty="0" smtClean="0"/>
-              <a:t>.</a:t>
-            </a:r>
-          </a:p>
-          <a:p>
-            <a:r>
-              <a:rPr lang="en-US" dirty="0" smtClean="0"/>
+            <a:pPr eaLnBrk="1" hangingPunct="1"/>
+            <a:r>
+              <a:rPr lang="en-US" smtClean="0"/>
+              <a:t>Key fields that drive reports and rules.</a:t>
+            </a:r>
+          </a:p>
+          <a:p>
+            <a:pPr eaLnBrk="1" hangingPunct="1"/>
+            <a:r>
+              <a:rPr lang="en-US" smtClean="0"/>
               <a:t>Multicenter trials</a:t>
             </a:r>
           </a:p>
           <a:p>
-            <a:pPr lvl="1"/>
-            <a:r>
-              <a:rPr lang="en-US" dirty="0" smtClean="0"/>
+            <a:pPr lvl="1" eaLnBrk="1" hangingPunct="1"/>
+            <a:r>
+              <a:rPr lang="en-US" smtClean="0"/>
               <a:t>Coordinating center versus affiliate</a:t>
             </a:r>
-            <a:r>
-              <a:rPr lang="en-US" dirty="0"/>
-              <a:t/>
-            </a:r>
             <a:br>
-              <a:rPr lang="en-US" dirty="0"/>
+              <a:rPr lang="en-US" smtClean="0"/>
             </a:br>
-            <a:endParaRPr lang="en-US" dirty="0"/>
+            <a:endParaRPr lang="en-US" smtClean="0"/>
           </a:p>
         </p:txBody>
       </p:sp>
@@ -6863,7 +7005,7 @@
       </p:grpSpPr>
       <p:sp>
         <p:nvSpPr>
-          <p:cNvPr id="84994" name="Rectangle 2"/>
+          <p:cNvPr id="38913" name="Rectangle 2"/>
           <p:cNvSpPr>
             <a:spLocks noGrp="1" noChangeArrowheads="1"/>
           </p:cNvSpPr>
@@ -6876,33 +7018,32 @@
           <a:bodyPr/>
           <a:lstStyle/>
           <a:p>
-            <a:pPr>
+            <a:pPr eaLnBrk="1" hangingPunct="1">
               <a:lnSpc>
                 <a:spcPct val="90000"/>
               </a:lnSpc>
             </a:pPr>
             <a:r>
-              <a:rPr lang="en-US" dirty="0" smtClean="0"/>
+              <a:rPr lang="en-US" smtClean="0"/>
               <a:t>How much detail is needed?</a:t>
             </a:r>
           </a:p>
           <a:p>
-            <a:pPr>
+            <a:pPr eaLnBrk="1" hangingPunct="1">
               <a:lnSpc>
                 <a:spcPct val="90000"/>
               </a:lnSpc>
             </a:pPr>
             <a:r>
-              <a:rPr lang="en-US" dirty="0" smtClean="0"/>
+              <a:rPr lang="en-US" smtClean="0"/>
               <a:t>Which trials?</a:t>
             </a:r>
-            <a:endParaRPr lang="en-US" dirty="0"/>
-          </a:p>
-        </p:txBody>
-      </p:sp>
-      <p:sp>
-        <p:nvSpPr>
-          <p:cNvPr id="84995" name="Rectangle 3"/>
+          </a:p>
+        </p:txBody>
+      </p:sp>
+      <p:sp>
+        <p:nvSpPr>
+          <p:cNvPr id="38914" name="Rectangle 3"/>
           <p:cNvSpPr>
             <a:spLocks noGrp="1" noChangeArrowheads="1"/>
           </p:cNvSpPr>
@@ -6915,30 +7056,21 @@
             <a:off x="381000" y="76200"/>
             <a:ext cx="8229600" cy="990600"/>
           </a:xfrm>
-          <a:noFill/>
-          <a:ln/>
         </p:spPr>
         <p:txBody>
           <a:bodyPr lIns="0" tIns="0" rIns="0" bIns="0" anchor="b"/>
           <a:lstStyle/>
           <a:p>
-            <a:r>
-              <a:rPr lang="en-US" sz="2300" dirty="0"/>
-              <a:t>Lesson </a:t>
-            </a:r>
-            <a:r>
-              <a:rPr lang="en-US" sz="2300" dirty="0" smtClean="0"/>
-              <a:t>4</a:t>
-            </a:r>
-            <a:r>
-              <a:rPr lang="en-US" sz="2300" dirty="0"/>
-              <a:t/>
+            <a:pPr eaLnBrk="1" hangingPunct="1"/>
+            <a:r>
+              <a:rPr lang="en-US" sz="2300" smtClean="0"/>
+              <a:t>Lesson 4</a:t>
             </a:r>
             <a:br>
-              <a:rPr lang="en-US" sz="2300" dirty="0"/>
+              <a:rPr lang="en-US" sz="2300" smtClean="0"/>
             </a:br>
             <a:r>
-              <a:rPr lang="en-US" sz="3000" dirty="0"/>
+              <a:rPr lang="en-US" sz="3000" smtClean="0"/>
               <a:t>Review &amp; Questions</a:t>
             </a:r>
           </a:p>
@@ -6971,7 +7103,7 @@
       </p:grpSpPr>
       <p:sp>
         <p:nvSpPr>
-          <p:cNvPr id="82946" name="Rectangle 2"/>
+          <p:cNvPr id="40961" name="Rectangle 2"/>
           <p:cNvSpPr>
             <a:spLocks noGrp="1" noChangeArrowheads="1"/>
           </p:cNvSpPr>
@@ -6984,48 +7116,49 @@
           <a:bodyPr/>
           <a:lstStyle/>
           <a:p>
-            <a:r>
-              <a:rPr lang="en-US" sz="2400" dirty="0"/>
+            <a:pPr eaLnBrk="1" hangingPunct="1"/>
+            <a:r>
+              <a:rPr lang="en-US" sz="2400" smtClean="0"/>
               <a:t/>
             </a:r>
             <a:br>
-              <a:rPr lang="en-US" sz="2400" dirty="0"/>
+              <a:rPr lang="en-US" sz="2400" smtClean="0"/>
             </a:br>
             <a:r>
-              <a:rPr lang="en-US" sz="2400" dirty="0" smtClean="0"/>
+              <a:rPr lang="en-US" sz="2400" smtClean="0"/>
               <a:t/>
             </a:r>
             <a:br>
-              <a:rPr lang="en-US" sz="2400" dirty="0" smtClean="0"/>
+              <a:rPr lang="en-US" sz="2400" smtClean="0"/>
             </a:br>
             <a:r>
-              <a:rPr lang="en-US" sz="2400" dirty="0" smtClean="0"/>
+              <a:rPr lang="en-US" sz="2400" smtClean="0"/>
               <a:t>Lesson 5:  Adding patients</a:t>
             </a:r>
             <a:br>
-              <a:rPr lang="en-US" sz="2400" dirty="0" smtClean="0"/>
+              <a:rPr lang="en-US" sz="2400" smtClean="0"/>
             </a:br>
             <a:r>
-              <a:rPr lang="en-US" sz="2400" dirty="0" smtClean="0"/>
+              <a:rPr lang="en-US" sz="2400" smtClean="0"/>
               <a:t/>
             </a:r>
             <a:br>
-              <a:rPr lang="en-US" sz="2400" dirty="0" smtClean="0"/>
+              <a:rPr lang="en-US" sz="2400" smtClean="0"/>
             </a:br>
             <a:r>
-              <a:rPr lang="en-US" sz="2400" dirty="0" smtClean="0"/>
+              <a:rPr lang="en-US" sz="2400" smtClean="0"/>
               <a:t/>
             </a:r>
             <a:br>
-              <a:rPr lang="en-US" sz="2400" dirty="0" smtClean="0"/>
+              <a:rPr lang="en-US" sz="2400" smtClean="0"/>
             </a:br>
-            <a:endParaRPr lang="en-US" sz="2400" dirty="0"/>
-          </a:p>
-        </p:txBody>
-      </p:sp>
-      <p:sp>
-        <p:nvSpPr>
-          <p:cNvPr id="82947" name="Rectangle 3"/>
+            <a:endParaRPr lang="en-US" sz="2400" smtClean="0"/>
+          </a:p>
+        </p:txBody>
+      </p:sp>
+      <p:sp>
+        <p:nvSpPr>
+          <p:cNvPr id="40962" name="Rectangle 3"/>
           <p:cNvSpPr>
             <a:spLocks noGrp="1" noChangeArrowheads="1"/>
           </p:cNvSpPr>
@@ -7043,31 +7176,29 @@
           <a:bodyPr/>
           <a:lstStyle/>
           <a:p>
-            <a:r>
-              <a:rPr lang="en-US" dirty="0" smtClean="0"/>
+            <a:pPr eaLnBrk="1" hangingPunct="1"/>
+            <a:r>
+              <a:rPr lang="en-US" smtClean="0"/>
               <a:t>Who should do this?</a:t>
             </a:r>
           </a:p>
           <a:p>
-            <a:r>
-              <a:rPr lang="en-US" dirty="0" smtClean="0"/>
-              <a:t>Create </a:t>
-            </a:r>
-            <a:r>
-              <a:rPr lang="en-US" dirty="0" smtClean="0"/>
-              <a:t>at time of registration or before</a:t>
-            </a:r>
-            <a:endParaRPr lang="en-US" dirty="0" smtClean="0"/>
-          </a:p>
-          <a:p>
-            <a:r>
-              <a:rPr lang="en-US" dirty="0"/>
+            <a:pPr eaLnBrk="1" hangingPunct="1"/>
+            <a:r>
+              <a:rPr lang="en-US" smtClean="0"/>
+              <a:t>Create at time of registration or before</a:t>
+            </a:r>
+          </a:p>
+          <a:p>
+            <a:pPr eaLnBrk="1" hangingPunct="1"/>
+            <a:r>
+              <a:rPr lang="en-US" smtClean="0"/>
               <a:t/>
             </a:r>
             <a:br>
-              <a:rPr lang="en-US" dirty="0"/>
+              <a:rPr lang="en-US" smtClean="0"/>
             </a:br>
-            <a:endParaRPr lang="en-US" dirty="0"/>
+            <a:endParaRPr lang="en-US" smtClean="0"/>
           </a:p>
         </p:txBody>
       </p:sp>
@@ -7098,7 +7229,7 @@
       </p:grpSpPr>
       <p:sp>
         <p:nvSpPr>
-          <p:cNvPr id="84994" name="Rectangle 2"/>
+          <p:cNvPr id="43009" name="Rectangle 2"/>
           <p:cNvSpPr>
             <a:spLocks noGrp="1" noChangeArrowheads="1"/>
           </p:cNvSpPr>
@@ -7111,22 +7242,21 @@
           <a:bodyPr/>
           <a:lstStyle/>
           <a:p>
-            <a:pPr>
+            <a:pPr eaLnBrk="1" hangingPunct="1">
               <a:lnSpc>
                 <a:spcPct val="90000"/>
               </a:lnSpc>
             </a:pPr>
             <a:r>
-              <a:rPr lang="en-US" dirty="0" smtClean="0"/>
+              <a:rPr lang="en-US" smtClean="0"/>
               <a:t>Search first or add first</a:t>
             </a:r>
-            <a:endParaRPr lang="en-US" dirty="0"/>
-          </a:p>
-        </p:txBody>
-      </p:sp>
-      <p:sp>
-        <p:nvSpPr>
-          <p:cNvPr id="84995" name="Rectangle 3"/>
+          </a:p>
+        </p:txBody>
+      </p:sp>
+      <p:sp>
+        <p:nvSpPr>
+          <p:cNvPr id="43010" name="Rectangle 3"/>
           <p:cNvSpPr>
             <a:spLocks noGrp="1" noChangeArrowheads="1"/>
           </p:cNvSpPr>
@@ -7139,30 +7269,21 @@
             <a:off x="381000" y="76200"/>
             <a:ext cx="8229600" cy="990600"/>
           </a:xfrm>
-          <a:noFill/>
-          <a:ln/>
         </p:spPr>
         <p:txBody>
           <a:bodyPr lIns="0" tIns="0" rIns="0" bIns="0" anchor="b"/>
           <a:lstStyle/>
           <a:p>
-            <a:r>
-              <a:rPr lang="en-US" sz="2300" dirty="0"/>
-              <a:t>Lesson </a:t>
-            </a:r>
-            <a:r>
-              <a:rPr lang="en-US" sz="2300" dirty="0" smtClean="0"/>
-              <a:t>5</a:t>
-            </a:r>
-            <a:r>
-              <a:rPr lang="en-US" sz="2300" dirty="0"/>
-              <a:t/>
+            <a:pPr eaLnBrk="1" hangingPunct="1"/>
+            <a:r>
+              <a:rPr lang="en-US" sz="2300" smtClean="0"/>
+              <a:t>Lesson 5</a:t>
             </a:r>
             <a:br>
-              <a:rPr lang="en-US" sz="2300" dirty="0"/>
+              <a:rPr lang="en-US" sz="2300" smtClean="0"/>
             </a:br>
             <a:r>
-              <a:rPr lang="en-US" sz="3000" dirty="0"/>
+              <a:rPr lang="en-US" sz="3000" smtClean="0"/>
               <a:t>Review &amp; Questions</a:t>
             </a:r>
           </a:p>
@@ -7195,7 +7316,7 @@
       </p:grpSpPr>
       <p:sp>
         <p:nvSpPr>
-          <p:cNvPr id="82946" name="Rectangle 2"/>
+          <p:cNvPr id="45057" name="Rectangle 2"/>
           <p:cNvSpPr>
             <a:spLocks noGrp="1" noChangeArrowheads="1"/>
           </p:cNvSpPr>
@@ -7208,56 +7329,49 @@
           <a:bodyPr/>
           <a:lstStyle/>
           <a:p>
-            <a:r>
-              <a:rPr lang="en-US" sz="2400" dirty="0"/>
+            <a:pPr eaLnBrk="1" hangingPunct="1"/>
+            <a:r>
+              <a:rPr lang="en-US" sz="2400" smtClean="0"/>
               <a:t/>
             </a:r>
             <a:br>
-              <a:rPr lang="en-US" sz="2400" dirty="0"/>
+              <a:rPr lang="en-US" sz="2400" smtClean="0"/>
             </a:br>
             <a:r>
-              <a:rPr lang="en-US" sz="2400" dirty="0" smtClean="0"/>
+              <a:rPr lang="en-US" sz="2400" smtClean="0"/>
               <a:t/>
             </a:r>
             <a:br>
-              <a:rPr lang="en-US" sz="2400" dirty="0" smtClean="0"/>
+              <a:rPr lang="en-US" sz="2400" smtClean="0"/>
             </a:br>
             <a:r>
-              <a:rPr lang="en-US" sz="2400" dirty="0" smtClean="0"/>
-              <a:t>Lesson 6:  </a:t>
-            </a:r>
-            <a:r>
-              <a:rPr lang="en-US" sz="2400" dirty="0" smtClean="0"/>
-              <a:t>Associating patients with trials</a:t>
-            </a:r>
-            <a:r>
-              <a:rPr lang="en-US" sz="2400" dirty="0" smtClean="0"/>
+              <a:rPr lang="en-US" sz="2400" smtClean="0"/>
+              <a:t>Lesson 6:  Associating patients with trials</a:t>
+            </a:r>
+            <a:br>
+              <a:rPr lang="en-US" sz="2400" smtClean="0"/>
+            </a:br>
+            <a:r>
+              <a:rPr lang="en-US" sz="2400" smtClean="0"/>
               <a:t/>
             </a:r>
             <a:br>
-              <a:rPr lang="en-US" sz="2400" dirty="0" smtClean="0"/>
+              <a:rPr lang="en-US" sz="2400" smtClean="0"/>
             </a:br>
             <a:r>
-              <a:rPr lang="en-US" sz="2400" dirty="0" smtClean="0"/>
+              <a:rPr lang="en-US" sz="2400" smtClean="0"/>
               <a:t/>
             </a:r>
             <a:br>
-              <a:rPr lang="en-US" sz="2400" dirty="0" smtClean="0"/>
+              <a:rPr lang="en-US" sz="2400" smtClean="0"/>
             </a:br>
-            <a:r>
-              <a:rPr lang="en-US" sz="2400" dirty="0" smtClean="0"/>
-              <a:t/>
-            </a:r>
-            <a:br>
-              <a:rPr lang="en-US" sz="2400" dirty="0" smtClean="0"/>
-            </a:br>
-            <a:endParaRPr lang="en-US" sz="2400" dirty="0"/>
-          </a:p>
-        </p:txBody>
-      </p:sp>
-      <p:sp>
-        <p:nvSpPr>
-          <p:cNvPr id="82947" name="Rectangle 3"/>
+            <a:endParaRPr lang="en-US" sz="2400" smtClean="0"/>
+          </a:p>
+        </p:txBody>
+      </p:sp>
+      <p:sp>
+        <p:nvSpPr>
+          <p:cNvPr id="45058" name="Rectangle 3"/>
           <p:cNvSpPr>
             <a:spLocks noGrp="1" noChangeArrowheads="1"/>
           </p:cNvSpPr>
@@ -7275,27 +7389,29 @@
           <a:bodyPr/>
           <a:lstStyle/>
           <a:p>
-            <a:r>
-              <a:rPr lang="en-US" dirty="0" smtClean="0"/>
+            <a:pPr eaLnBrk="1" hangingPunct="1"/>
+            <a:r>
+              <a:rPr lang="en-US" smtClean="0"/>
               <a:t>Who should do this?</a:t>
             </a:r>
           </a:p>
           <a:p>
-            <a:r>
-              <a:rPr lang="en-US" dirty="0" smtClean="0"/>
+            <a:pPr eaLnBrk="1" hangingPunct="1"/>
+            <a:r>
+              <a:rPr lang="en-US" smtClean="0"/>
               <a:t>Why this is a separate workflow</a:t>
             </a:r>
-            <a:endParaRPr lang="en-US" dirty="0" smtClean="0"/>
-          </a:p>
-          <a:p>
-            <a:r>
-              <a:rPr lang="en-US" dirty="0"/>
+          </a:p>
+          <a:p>
+            <a:pPr eaLnBrk="1" hangingPunct="1"/>
+            <a:r>
+              <a:rPr lang="en-US" smtClean="0"/>
               <a:t/>
             </a:r>
             <a:br>
-              <a:rPr lang="en-US" dirty="0"/>
+              <a:rPr lang="en-US" smtClean="0"/>
             </a:br>
-            <a:endParaRPr lang="en-US" dirty="0"/>
+            <a:endParaRPr lang="en-US" smtClean="0"/>
           </a:p>
         </p:txBody>
       </p:sp>
@@ -7326,7 +7442,7 @@
       </p:grpSpPr>
       <p:sp>
         <p:nvSpPr>
-          <p:cNvPr id="84994" name="Rectangle 2"/>
+          <p:cNvPr id="47105" name="Rectangle 2"/>
           <p:cNvSpPr>
             <a:spLocks noGrp="1" noChangeArrowheads="1"/>
           </p:cNvSpPr>
@@ -7339,22 +7455,21 @@
           <a:bodyPr/>
           <a:lstStyle/>
           <a:p>
-            <a:pPr>
+            <a:pPr eaLnBrk="1" hangingPunct="1">
               <a:lnSpc>
                 <a:spcPct val="90000"/>
               </a:lnSpc>
             </a:pPr>
             <a:r>
-              <a:rPr lang="en-US" dirty="0" smtClean="0"/>
+              <a:rPr lang="en-US" smtClean="0"/>
               <a:t>What are the required fields?</a:t>
             </a:r>
-            <a:endParaRPr lang="en-US" dirty="0"/>
-          </a:p>
-        </p:txBody>
-      </p:sp>
-      <p:sp>
-        <p:nvSpPr>
-          <p:cNvPr id="84995" name="Rectangle 3"/>
+          </a:p>
+        </p:txBody>
+      </p:sp>
+      <p:sp>
+        <p:nvSpPr>
+          <p:cNvPr id="47106" name="Rectangle 3"/>
           <p:cNvSpPr>
             <a:spLocks noGrp="1" noChangeArrowheads="1"/>
           </p:cNvSpPr>
@@ -7367,30 +7482,21 @@
             <a:off x="381000" y="76200"/>
             <a:ext cx="8229600" cy="990600"/>
           </a:xfrm>
-          <a:noFill/>
-          <a:ln/>
         </p:spPr>
         <p:txBody>
           <a:bodyPr lIns="0" tIns="0" rIns="0" bIns="0" anchor="b"/>
           <a:lstStyle/>
           <a:p>
-            <a:r>
-              <a:rPr lang="en-US" sz="2300" dirty="0"/>
-              <a:t>Lesson </a:t>
-            </a:r>
-            <a:r>
-              <a:rPr lang="en-US" sz="2300" dirty="0" smtClean="0"/>
-              <a:t>6</a:t>
-            </a:r>
-            <a:r>
-              <a:rPr lang="en-US" sz="2300" dirty="0"/>
-              <a:t/>
+            <a:pPr eaLnBrk="1" hangingPunct="1"/>
+            <a:r>
+              <a:rPr lang="en-US" sz="2300" smtClean="0"/>
+              <a:t>Lesson 6</a:t>
             </a:r>
             <a:br>
-              <a:rPr lang="en-US" sz="2300" dirty="0"/>
+              <a:rPr lang="en-US" sz="2300" smtClean="0"/>
             </a:br>
             <a:r>
-              <a:rPr lang="en-US" sz="3000" dirty="0"/>
+              <a:rPr lang="en-US" sz="3000" smtClean="0"/>
               <a:t>Review &amp; Questions</a:t>
             </a:r>
           </a:p>
@@ -7423,7 +7529,7 @@
       </p:grpSpPr>
       <p:sp>
         <p:nvSpPr>
-          <p:cNvPr id="82946" name="Rectangle 2"/>
+          <p:cNvPr id="49153" name="Rectangle 2"/>
           <p:cNvSpPr>
             <a:spLocks noGrp="1" noChangeArrowheads="1"/>
           </p:cNvSpPr>
@@ -7436,56 +7542,49 @@
           <a:bodyPr/>
           <a:lstStyle/>
           <a:p>
-            <a:r>
-              <a:rPr lang="en-US" sz="2400" dirty="0"/>
+            <a:pPr eaLnBrk="1" hangingPunct="1"/>
+            <a:r>
+              <a:rPr lang="en-US" sz="2400" smtClean="0"/>
               <a:t/>
             </a:r>
             <a:br>
-              <a:rPr lang="en-US" sz="2400" dirty="0"/>
+              <a:rPr lang="en-US" sz="2400" smtClean="0"/>
             </a:br>
             <a:r>
-              <a:rPr lang="en-US" sz="2400" dirty="0" smtClean="0"/>
+              <a:rPr lang="en-US" sz="2400" smtClean="0"/>
               <a:t/>
             </a:r>
             <a:br>
-              <a:rPr lang="en-US" sz="2400" dirty="0" smtClean="0"/>
+              <a:rPr lang="en-US" sz="2400" smtClean="0"/>
             </a:br>
             <a:r>
-              <a:rPr lang="en-US" sz="2400" dirty="0" smtClean="0"/>
-              <a:t>Lesson 7:  </a:t>
-            </a:r>
-            <a:r>
-              <a:rPr lang="en-US" sz="2400" dirty="0" smtClean="0"/>
-              <a:t>Things you may not have seen before</a:t>
-            </a:r>
-            <a:r>
-              <a:rPr lang="en-US" sz="2400" dirty="0" smtClean="0"/>
+              <a:rPr lang="en-US" sz="2400" smtClean="0"/>
+              <a:t>Lesson 7:  Things you may not have seen before</a:t>
+            </a:r>
+            <a:br>
+              <a:rPr lang="en-US" sz="2400" smtClean="0"/>
+            </a:br>
+            <a:r>
+              <a:rPr lang="en-US" sz="2400" smtClean="0"/>
               <a:t/>
             </a:r>
             <a:br>
-              <a:rPr lang="en-US" sz="2400" dirty="0" smtClean="0"/>
+              <a:rPr lang="en-US" sz="2400" smtClean="0"/>
             </a:br>
             <a:r>
-              <a:rPr lang="en-US" sz="2400" dirty="0" smtClean="0"/>
+              <a:rPr lang="en-US" sz="2400" smtClean="0"/>
               <a:t/>
             </a:r>
             <a:br>
-              <a:rPr lang="en-US" sz="2400" dirty="0" smtClean="0"/>
+              <a:rPr lang="en-US" sz="2400" smtClean="0"/>
             </a:br>
-            <a:r>
-              <a:rPr lang="en-US" sz="2400" dirty="0" smtClean="0"/>
-              <a:t/>
-            </a:r>
-            <a:br>
-              <a:rPr lang="en-US" sz="2400" dirty="0" smtClean="0"/>
-            </a:br>
-            <a:endParaRPr lang="en-US" sz="2400" dirty="0"/>
-          </a:p>
-        </p:txBody>
-      </p:sp>
-      <p:sp>
-        <p:nvSpPr>
-          <p:cNvPr id="82947" name="Rectangle 3"/>
+            <a:endParaRPr lang="en-US" sz="2400" smtClean="0"/>
+          </a:p>
+        </p:txBody>
+      </p:sp>
+      <p:sp>
+        <p:nvSpPr>
+          <p:cNvPr id="49154" name="Rectangle 3"/>
           <p:cNvSpPr>
             <a:spLocks noGrp="1" noChangeArrowheads="1"/>
           </p:cNvSpPr>
@@ -7503,39 +7602,43 @@
           <a:bodyPr/>
           <a:lstStyle/>
           <a:p>
-            <a:r>
-              <a:rPr lang="en-US" dirty="0" smtClean="0"/>
+            <a:pPr eaLnBrk="1" hangingPunct="1"/>
+            <a:r>
+              <a:rPr lang="en-US" smtClean="0"/>
               <a:t>Census tracts</a:t>
             </a:r>
           </a:p>
           <a:p>
-            <a:r>
-              <a:rPr lang="en-US" dirty="0" smtClean="0"/>
+            <a:pPr eaLnBrk="1" hangingPunct="1"/>
+            <a:r>
+              <a:rPr lang="en-US" smtClean="0"/>
               <a:t>Reservations</a:t>
             </a:r>
           </a:p>
           <a:p>
-            <a:r>
-              <a:rPr lang="en-US" dirty="0" smtClean="0"/>
+            <a:pPr eaLnBrk="1" hangingPunct="1"/>
+            <a:r>
+              <a:rPr lang="en-US" smtClean="0"/>
               <a:t>Epochs</a:t>
             </a:r>
           </a:p>
           <a:p>
-            <a:r>
-              <a:rPr lang="en-US" dirty="0" smtClean="0"/>
+            <a:pPr eaLnBrk="1" hangingPunct="1"/>
+            <a:r>
+              <a:rPr lang="en-US" smtClean="0"/>
               <a:t>Re-randomization</a:t>
             </a:r>
-            <a:endParaRPr lang="en-US" dirty="0" smtClean="0"/>
-          </a:p>
-          <a:p>
-            <a:r>
-              <a:rPr lang="en-US" dirty="0"/>
+          </a:p>
+          <a:p>
+            <a:pPr eaLnBrk="1" hangingPunct="1"/>
+            <a:r>
+              <a:rPr lang="en-US" smtClean="0"/>
               <a:t/>
             </a:r>
             <a:br>
-              <a:rPr lang="en-US" dirty="0"/>
+              <a:rPr lang="en-US" smtClean="0"/>
             </a:br>
-            <a:endParaRPr lang="en-US" dirty="0"/>
+            <a:endParaRPr lang="en-US" smtClean="0"/>
           </a:p>
         </p:txBody>
       </p:sp>
@@ -7566,7 +7669,7 @@
       </p:grpSpPr>
       <p:sp>
         <p:nvSpPr>
-          <p:cNvPr id="84994" name="Rectangle 2"/>
+          <p:cNvPr id="51201" name="Rectangle 2"/>
           <p:cNvSpPr>
             <a:spLocks noGrp="1" noChangeArrowheads="1"/>
           </p:cNvSpPr>
@@ -7579,54 +7682,51 @@
           <a:bodyPr/>
           <a:lstStyle/>
           <a:p>
-            <a:pPr>
+            <a:pPr eaLnBrk="1" hangingPunct="1">
               <a:lnSpc>
                 <a:spcPct val="90000"/>
               </a:lnSpc>
             </a:pPr>
             <a:r>
-              <a:rPr lang="en-US" dirty="0" smtClean="0"/>
+              <a:rPr lang="en-US" smtClean="0"/>
               <a:t>What other things have you seen that you did not recognize?</a:t>
             </a:r>
-            <a:endParaRPr lang="en-US" dirty="0" smtClean="0"/>
-          </a:p>
-          <a:p>
-            <a:pPr>
+          </a:p>
+          <a:p>
+            <a:pPr eaLnBrk="1" hangingPunct="1">
               <a:lnSpc>
                 <a:spcPct val="90000"/>
               </a:lnSpc>
             </a:pPr>
             <a:r>
-              <a:rPr lang="en-US" dirty="0" smtClean="0"/>
+              <a:rPr lang="en-US" smtClean="0"/>
               <a:t>Where can I get information on census tracts</a:t>
             </a:r>
-            <a:endParaRPr lang="en-US" dirty="0" smtClean="0"/>
-          </a:p>
-          <a:p>
-            <a:pPr>
+          </a:p>
+          <a:p>
+            <a:pPr eaLnBrk="1" hangingPunct="1">
               <a:lnSpc>
                 <a:spcPct val="90000"/>
               </a:lnSpc>
             </a:pPr>
             <a:r>
-              <a:rPr lang="en-US" dirty="0" smtClean="0"/>
+              <a:rPr lang="en-US" smtClean="0"/>
               <a:t>Can I ignore epochs and re-randomization if we do not use them?</a:t>
             </a:r>
-            <a:endParaRPr lang="en-US" dirty="0" smtClean="0"/>
-          </a:p>
-          <a:p>
-            <a:pPr>
+          </a:p>
+          <a:p>
+            <a:pPr eaLnBrk="1" hangingPunct="1">
               <a:lnSpc>
                 <a:spcPct val="90000"/>
               </a:lnSpc>
             </a:pPr>
-            <a:endParaRPr lang="en-US" dirty="0"/>
-          </a:p>
-        </p:txBody>
-      </p:sp>
-      <p:sp>
-        <p:nvSpPr>
-          <p:cNvPr id="84995" name="Rectangle 3"/>
+            <a:endParaRPr lang="en-US" smtClean="0"/>
+          </a:p>
+        </p:txBody>
+      </p:sp>
+      <p:sp>
+        <p:nvSpPr>
+          <p:cNvPr id="51202" name="Rectangle 3"/>
           <p:cNvSpPr>
             <a:spLocks noGrp="1" noChangeArrowheads="1"/>
           </p:cNvSpPr>
@@ -7639,30 +7739,21 @@
             <a:off x="381000" y="76200"/>
             <a:ext cx="8229600" cy="990600"/>
           </a:xfrm>
-          <a:noFill/>
-          <a:ln/>
         </p:spPr>
         <p:txBody>
           <a:bodyPr lIns="0" tIns="0" rIns="0" bIns="0" anchor="b"/>
           <a:lstStyle/>
           <a:p>
-            <a:r>
-              <a:rPr lang="en-US" sz="2300" dirty="0"/>
-              <a:t>Lesson </a:t>
-            </a:r>
-            <a:r>
-              <a:rPr lang="en-US" sz="2300" dirty="0" smtClean="0"/>
-              <a:t>7</a:t>
-            </a:r>
-            <a:r>
-              <a:rPr lang="en-US" sz="2300" dirty="0"/>
-              <a:t/>
+            <a:pPr eaLnBrk="1" hangingPunct="1"/>
+            <a:r>
+              <a:rPr lang="en-US" sz="2300" smtClean="0"/>
+              <a:t>Lesson 7</a:t>
             </a:r>
             <a:br>
-              <a:rPr lang="en-US" sz="2300" dirty="0"/>
+              <a:rPr lang="en-US" sz="2300" smtClean="0"/>
             </a:br>
             <a:r>
-              <a:rPr lang="en-US" sz="3000" dirty="0"/>
+              <a:rPr lang="en-US" sz="3000" smtClean="0"/>
               <a:t>Review &amp; Questions</a:t>
             </a:r>
           </a:p>
@@ -7695,7 +7786,7 @@
       </p:grpSpPr>
       <p:sp>
         <p:nvSpPr>
-          <p:cNvPr id="88066" name="Rectangle 2"/>
+          <p:cNvPr id="53249" name="Rectangle 2"/>
           <p:cNvSpPr>
             <a:spLocks noGrp="1" noChangeArrowheads="1"/>
           </p:cNvSpPr>
@@ -7708,15 +7799,16 @@
           <a:bodyPr/>
           <a:lstStyle/>
           <a:p>
-            <a:r>
-              <a:rPr lang="en-US" sz="2300"/>
+            <a:pPr eaLnBrk="1" hangingPunct="1"/>
+            <a:r>
+              <a:rPr lang="en-US" sz="2300" smtClean="0"/>
               <a:t>Session Summary:</a:t>
             </a:r>
             <a:br>
-              <a:rPr lang="en-US" sz="2300"/>
+              <a:rPr lang="en-US" sz="2300" smtClean="0"/>
             </a:br>
             <a:r>
-              <a:rPr lang="en-US"/>
+              <a:rPr lang="en-US" smtClean="0"/>
               <a:t>Review</a:t>
             </a:r>
           </a:p>
@@ -7724,7 +7816,7 @@
       </p:sp>
       <p:sp>
         <p:nvSpPr>
-          <p:cNvPr id="88067" name="Rectangle 3"/>
+          <p:cNvPr id="53250" name="Rectangle 3"/>
           <p:cNvSpPr>
             <a:spLocks noGrp="1" noChangeArrowheads="1"/>
           </p:cNvSpPr>
@@ -7742,23 +7834,11 @@
           <a:bodyPr/>
           <a:lstStyle/>
           <a:p>
-            <a:r>
-              <a:rPr lang="en-US" dirty="0" smtClean="0"/>
-              <a:t>A reminder of </a:t>
-            </a:r>
-            <a:r>
-              <a:rPr lang="en-US" dirty="0" smtClean="0"/>
-              <a:t>C3PR </a:t>
-            </a:r>
-            <a:r>
-              <a:rPr lang="en-US" dirty="0" smtClean="0"/>
-              <a:t>objectives: </a:t>
-            </a:r>
-            <a:r>
-              <a:rPr lang="en-US" dirty="0" smtClean="0"/>
-              <a:t>simplifying and standardizing the patient registration</a:t>
-            </a:r>
-            <a:endParaRPr lang="en-US" dirty="0" smtClean="0"/>
+            <a:pPr eaLnBrk="1" hangingPunct="1"/>
+            <a:r>
+              <a:rPr lang="en-US" smtClean="0"/>
+              <a:t>A reminder of C3PR objectives: simplifying and standardizing the patient registration</a:t>
+            </a:r>
           </a:p>
         </p:txBody>
       </p:sp>
@@ -7789,7 +7869,7 @@
       </p:grpSpPr>
       <p:sp>
         <p:nvSpPr>
-          <p:cNvPr id="71682" name="Rectangle 2"/>
+          <p:cNvPr id="18433" name="Rectangle 2"/>
           <p:cNvSpPr>
             <a:spLocks noGrp="1" noChangeArrowheads="1"/>
           </p:cNvSpPr>
@@ -7802,19 +7882,20 @@
           <a:bodyPr/>
           <a:lstStyle/>
           <a:p>
-            <a:r>
-              <a:rPr lang="en-US" sz="2300"/>
+            <a:pPr eaLnBrk="1" hangingPunct="1"/>
+            <a:r>
+              <a:rPr lang="en-US" sz="2300" smtClean="0"/>
               <a:t>Session Details:</a:t>
             </a:r>
             <a:r>
-              <a:rPr lang="en-US"/>
+              <a:rPr lang="en-US" smtClean="0"/>
               <a:t/>
             </a:r>
             <a:br>
-              <a:rPr lang="en-US"/>
+              <a:rPr lang="en-US" smtClean="0"/>
             </a:br>
             <a:r>
-              <a:rPr lang="en-US"/>
+              <a:rPr lang="en-US" smtClean="0"/>
               <a:t>Participants &amp; Logistics</a:t>
             </a:r>
           </a:p>
@@ -7822,7 +7903,7 @@
       </p:sp>
       <p:sp>
         <p:nvSpPr>
-          <p:cNvPr id="71683" name="Rectangle 3"/>
+          <p:cNvPr id="18434" name="Rectangle 3"/>
           <p:cNvSpPr>
             <a:spLocks noGrp="1" noChangeArrowheads="1"/>
           </p:cNvSpPr>
@@ -7835,49 +7916,52 @@
           <a:bodyPr/>
           <a:lstStyle/>
           <a:p>
-            <a:r>
-              <a:rPr lang="en-US"/>
+            <a:pPr eaLnBrk="1" hangingPunct="1"/>
+            <a:r>
+              <a:rPr lang="en-US" smtClean="0"/>
               <a:t>Introduction of Trainer(s)</a:t>
             </a:r>
             <a:br>
-              <a:rPr lang="en-US"/>
+              <a:rPr lang="en-US" smtClean="0"/>
             </a:br>
-            <a:endParaRPr lang="en-US"/>
-          </a:p>
-          <a:p>
-            <a:r>
-              <a:rPr lang="en-US"/>
+            <a:endParaRPr lang="en-US" smtClean="0"/>
+          </a:p>
+          <a:p>
+            <a:pPr eaLnBrk="1" hangingPunct="1"/>
+            <a:r>
+              <a:rPr lang="en-US" smtClean="0"/>
               <a:t>Audience Introductions</a:t>
             </a:r>
           </a:p>
           <a:p>
-            <a:pPr lvl="1"/>
-            <a:r>
-              <a:rPr lang="en-US"/>
+            <a:pPr lvl="1" eaLnBrk="1" hangingPunct="1"/>
+            <a:r>
+              <a:rPr lang="en-US" smtClean="0"/>
               <a:t>Name, Role, Organization</a:t>
             </a:r>
           </a:p>
           <a:p>
-            <a:pPr lvl="1"/>
-            <a:r>
-              <a:rPr lang="en-US"/>
+            <a:pPr lvl="1" eaLnBrk="1" hangingPunct="1"/>
+            <a:r>
+              <a:rPr lang="en-US" smtClean="0"/>
               <a:t>Reason for Attending</a:t>
             </a:r>
             <a:br>
-              <a:rPr lang="en-US"/>
+              <a:rPr lang="en-US" smtClean="0"/>
             </a:br>
-            <a:endParaRPr lang="en-US"/>
-          </a:p>
-          <a:p>
-            <a:r>
-              <a:rPr lang="en-US"/>
+            <a:endParaRPr lang="en-US" smtClean="0"/>
+          </a:p>
+          <a:p>
+            <a:pPr eaLnBrk="1" hangingPunct="1"/>
+            <a:r>
+              <a:rPr lang="en-US" smtClean="0"/>
               <a:t>Facility Logistics</a:t>
             </a:r>
           </a:p>
           <a:p>
-            <a:pPr lvl="1"/>
-            <a:r>
-              <a:rPr lang="en-US"/>
+            <a:pPr lvl="1" eaLnBrk="1" hangingPunct="1"/>
+            <a:r>
+              <a:rPr lang="en-US" smtClean="0"/>
               <a:t>Classroom access, restrooms, phones, etc</a:t>
             </a:r>
           </a:p>
@@ -7917,7 +8001,7 @@
       </p:grpSpPr>
       <p:sp>
         <p:nvSpPr>
-          <p:cNvPr id="134146" name="Rectangle 2"/>
+          <p:cNvPr id="55297" name="Rectangle 2"/>
           <p:cNvSpPr>
             <a:spLocks noGrp="1" noChangeArrowheads="1"/>
           </p:cNvSpPr>
@@ -7930,24 +8014,24 @@
           <a:bodyPr/>
           <a:lstStyle/>
           <a:p>
-            <a:r>
-              <a:rPr lang="en-US" sz="2300" dirty="0"/>
+            <a:pPr eaLnBrk="1" hangingPunct="1"/>
+            <a:r>
+              <a:rPr lang="en-US" sz="2300" smtClean="0"/>
               <a:t>Session Summary:</a:t>
             </a:r>
             <a:br>
-              <a:rPr lang="en-US" sz="2300" dirty="0"/>
+              <a:rPr lang="en-US" sz="2300" smtClean="0"/>
             </a:br>
             <a:r>
-              <a:rPr lang="en-US" dirty="0" smtClean="0"/>
+              <a:rPr lang="en-US" smtClean="0"/>
               <a:t>Questions</a:t>
             </a:r>
-            <a:endParaRPr lang="en-US" dirty="0"/>
-          </a:p>
-        </p:txBody>
-      </p:sp>
-      <p:sp>
-        <p:nvSpPr>
-          <p:cNvPr id="134147" name="Rectangle 3"/>
+          </a:p>
+        </p:txBody>
+      </p:sp>
+      <p:sp>
+        <p:nvSpPr>
+          <p:cNvPr id="55298" name="Rectangle 3"/>
           <p:cNvSpPr>
             <a:spLocks noGrp="1" noChangeArrowheads="1"/>
           </p:cNvSpPr>
@@ -7965,7 +8049,8 @@
           <a:bodyPr/>
           <a:lstStyle/>
           <a:p>
-            <a:endParaRPr lang="en-US" dirty="0"/>
+            <a:pPr eaLnBrk="1" hangingPunct="1"/>
+            <a:endParaRPr lang="en-US" smtClean="0"/>
           </a:p>
         </p:txBody>
       </p:sp>
@@ -7996,7 +8081,7 @@
       </p:grpSpPr>
       <p:sp>
         <p:nvSpPr>
-          <p:cNvPr id="92162" name="Rectangle 2"/>
+          <p:cNvPr id="57345" name="Rectangle 2"/>
           <p:cNvSpPr>
             <a:spLocks noGrp="1" noChangeArrowheads="1"/>
           </p:cNvSpPr>
@@ -8009,24 +8094,24 @@
           <a:bodyPr/>
           <a:lstStyle/>
           <a:p>
-            <a:r>
-              <a:rPr lang="en-US" sz="2300" dirty="0"/>
+            <a:pPr eaLnBrk="1" hangingPunct="1"/>
+            <a:r>
+              <a:rPr lang="en-US" sz="2300" smtClean="0"/>
               <a:t>Session Summary:</a:t>
             </a:r>
             <a:br>
-              <a:rPr lang="en-US" sz="2300" dirty="0"/>
+              <a:rPr lang="en-US" sz="2300" smtClean="0"/>
             </a:br>
             <a:r>
-              <a:rPr lang="en-US" dirty="0" smtClean="0"/>
+              <a:rPr lang="en-US" smtClean="0"/>
               <a:t>Looking for more?</a:t>
             </a:r>
-            <a:endParaRPr lang="en-US" dirty="0"/>
-          </a:p>
-        </p:txBody>
-      </p:sp>
-      <p:sp>
-        <p:nvSpPr>
-          <p:cNvPr id="92163" name="Rectangle 3"/>
+          </a:p>
+        </p:txBody>
+      </p:sp>
+      <p:sp>
+        <p:nvSpPr>
+          <p:cNvPr id="57346" name="Rectangle 3"/>
           <p:cNvSpPr>
             <a:spLocks noGrp="1" noChangeArrowheads="1"/>
           </p:cNvSpPr>
@@ -8044,39 +8129,35 @@
           <a:bodyPr/>
           <a:lstStyle/>
           <a:p>
-            <a:r>
-              <a:rPr lang="en-US" dirty="0" smtClean="0"/>
+            <a:pPr eaLnBrk="1" hangingPunct="1"/>
+            <a:r>
+              <a:rPr lang="en-US" smtClean="0"/>
               <a:t>On line training session</a:t>
             </a:r>
-            <a:endParaRPr lang="en-US" dirty="0"/>
-          </a:p>
-          <a:p>
-            <a:r>
-              <a:rPr lang="en-US" dirty="0" smtClean="0"/>
-              <a:t>Contact your institution’s CTMS manager about getting </a:t>
-            </a:r>
-            <a:r>
-              <a:rPr lang="en-US" dirty="0" smtClean="0"/>
-              <a:t>C3PR</a:t>
-            </a:r>
-            <a:endParaRPr lang="en-US" dirty="0" smtClean="0"/>
-          </a:p>
-          <a:p>
-            <a:r>
-              <a:rPr lang="en-US" dirty="0" smtClean="0"/>
+          </a:p>
+          <a:p>
+            <a:pPr eaLnBrk="1" hangingPunct="1"/>
+            <a:r>
+              <a:rPr lang="en-US" smtClean="0"/>
+              <a:t>Contact your institution’s CTMS manager about getting C3PR</a:t>
+            </a:r>
+          </a:p>
+          <a:p>
+            <a:pPr eaLnBrk="1" hangingPunct="1"/>
+            <a:r>
+              <a:rPr lang="en-US" smtClean="0"/>
               <a:t>List key contact information here</a:t>
             </a:r>
-            <a:endParaRPr lang="en-US" dirty="0"/>
-          </a:p>
-          <a:p>
-            <a:pPr lvl="1">
+          </a:p>
+          <a:p>
+            <a:pPr lvl="1" eaLnBrk="1" hangingPunct="1">
+              <a:buFontTx/>
               <a:buNone/>
             </a:pPr>
             <a:r>
-              <a:rPr lang="en-US" dirty="0"/>
+              <a:rPr lang="en-US" smtClean="0"/>
               <a:t>	</a:t>
             </a:r>
-            <a:endParaRPr lang="en-US" dirty="0" smtClean="0"/>
           </a:p>
         </p:txBody>
       </p:sp>
@@ -8114,7 +8195,7 @@
       </p:grpSpPr>
       <p:sp>
         <p:nvSpPr>
-          <p:cNvPr id="93186" name="Rectangle 2"/>
+          <p:cNvPr id="59393" name="Rectangle 2"/>
           <p:cNvSpPr>
             <a:spLocks noGrp="1" noChangeArrowheads="1"/>
           </p:cNvSpPr>
@@ -8127,15 +8208,16 @@
           <a:bodyPr/>
           <a:lstStyle/>
           <a:p>
-            <a:r>
-              <a:rPr lang="en-US" sz="2100"/>
+            <a:pPr eaLnBrk="1" hangingPunct="1"/>
+            <a:r>
+              <a:rPr lang="en-US" sz="2100" smtClean="0"/>
               <a:t>Session Summary:</a:t>
             </a:r>
             <a:br>
-              <a:rPr lang="en-US" sz="2100"/>
+              <a:rPr lang="en-US" sz="2100" smtClean="0"/>
             </a:br>
             <a:r>
-              <a:rPr lang="en-US" sz="3000"/>
+              <a:rPr lang="en-US" sz="3000" smtClean="0"/>
               <a:t>Course Evaluation</a:t>
             </a:r>
           </a:p>
@@ -8143,7 +8225,7 @@
       </p:sp>
       <p:sp>
         <p:nvSpPr>
-          <p:cNvPr id="93187" name="Rectangle 3"/>
+          <p:cNvPr id="59394" name="Rectangle 3"/>
           <p:cNvSpPr>
             <a:spLocks noGrp="1" noChangeArrowheads="1"/>
           </p:cNvSpPr>
@@ -8156,17 +8238,18 @@
           <a:bodyPr/>
           <a:lstStyle/>
           <a:p>
-            <a:r>
-              <a:rPr lang="en-US" dirty="0" smtClean="0"/>
+            <a:pPr eaLnBrk="1" hangingPunct="1"/>
+            <a:r>
+              <a:rPr lang="en-US" smtClean="0"/>
               <a:t>How could we improve this presentation?</a:t>
             </a:r>
           </a:p>
           <a:p>
-            <a:r>
-              <a:rPr lang="en-US" b="1" dirty="0" smtClean="0"/>
+            <a:pPr eaLnBrk="1" hangingPunct="1"/>
+            <a:r>
+              <a:rPr lang="en-US" b="1" smtClean="0"/>
               <a:t>Email XXXX@YYY.com</a:t>
             </a:r>
-            <a:endParaRPr lang="en-US" b="1" dirty="0"/>
           </a:p>
         </p:txBody>
       </p:sp>
@@ -8204,7 +8287,7 @@
       </p:grpSpPr>
       <p:sp>
         <p:nvSpPr>
-          <p:cNvPr id="69634" name="Rectangle 2"/>
+          <p:cNvPr id="20481" name="Rectangle 2"/>
           <p:cNvSpPr>
             <a:spLocks noGrp="1" noChangeArrowheads="1"/>
           </p:cNvSpPr>
@@ -8217,36 +8300,28 @@
           <a:bodyPr/>
           <a:lstStyle/>
           <a:p>
-            <a:r>
-              <a:rPr lang="en-US" sz="2000" dirty="0" smtClean="0"/>
+            <a:pPr eaLnBrk="1" hangingPunct="1"/>
+            <a:r>
+              <a:rPr lang="en-US" sz="2000" smtClean="0"/>
               <a:t>Am I in the right place?</a:t>
             </a:r>
             <a:r>
-              <a:rPr lang="en-US" dirty="0" smtClean="0"/>
+              <a:rPr lang="en-US" smtClean="0"/>
               <a:t/>
             </a:r>
             <a:br>
-              <a:rPr lang="en-US" dirty="0" smtClean="0"/>
+              <a:rPr lang="en-US" smtClean="0"/>
             </a:br>
             <a:r>
-              <a:rPr lang="en-US" dirty="0" smtClean="0"/>
-              <a:t>What is </a:t>
-            </a:r>
-            <a:r>
-              <a:rPr lang="en-US" dirty="0" smtClean="0"/>
-              <a:t>C3PR </a:t>
-            </a:r>
-            <a:r>
-              <a:rPr lang="en-US" dirty="0" smtClean="0"/>
-              <a:t>and who will use it?</a:t>
-            </a:r>
-            <a:endParaRPr lang="en-US" dirty="0"/>
-          </a:p>
-        </p:txBody>
-      </p:sp>
-      <p:sp>
-        <p:nvSpPr>
-          <p:cNvPr id="69635" name="Rectangle 3"/>
+              <a:rPr lang="en-US" smtClean="0"/>
+              <a:t>What is C3PR and who will use it?</a:t>
+            </a:r>
+          </a:p>
+        </p:txBody>
+      </p:sp>
+      <p:sp>
+        <p:nvSpPr>
+          <p:cNvPr id="20482" name="Rectangle 3"/>
           <p:cNvSpPr>
             <a:spLocks noGrp="1" noChangeArrowheads="1"/>
           </p:cNvSpPr>
@@ -8259,86 +8334,60 @@
           <a:bodyPr/>
           <a:lstStyle/>
           <a:p>
-            <a:r>
-              <a:rPr lang="en-US" sz="2400" dirty="0" smtClean="0"/>
-              <a:t>WHAT: caBIG </a:t>
-            </a:r>
-            <a:r>
-              <a:rPr lang="en-US" sz="2400" dirty="0" smtClean="0"/>
-              <a:t>cancer patient trial registration tool</a:t>
-            </a:r>
-            <a:endParaRPr lang="en-US" sz="2400" dirty="0" smtClean="0"/>
-          </a:p>
-          <a:p>
-            <a:r>
-              <a:rPr lang="en-US" sz="2400" dirty="0" smtClean="0"/>
+            <a:pPr eaLnBrk="1" hangingPunct="1"/>
+            <a:r>
+              <a:rPr lang="en-US" sz="2400" smtClean="0"/>
+              <a:t>WHAT: caBIG cancer patient trial registration tool</a:t>
+            </a:r>
+          </a:p>
+          <a:p>
+            <a:pPr eaLnBrk="1" hangingPunct="1"/>
+            <a:r>
+              <a:rPr lang="en-US" sz="2400" smtClean="0"/>
               <a:t>WHY: </a:t>
             </a:r>
           </a:p>
           <a:p>
-            <a:pPr lvl="1"/>
-            <a:r>
-              <a:rPr lang="en-US" sz="2000" dirty="0" smtClean="0"/>
-              <a:t>Designed to </a:t>
-            </a:r>
-            <a:r>
-              <a:rPr lang="en-US" sz="2000" dirty="0" smtClean="0"/>
-              <a:t>standardize </a:t>
-            </a:r>
-            <a:r>
-              <a:rPr lang="en-US" sz="2000" dirty="0" smtClean="0"/>
-              <a:t>and automate </a:t>
-            </a:r>
-            <a:r>
-              <a:rPr lang="en-US" sz="2000" dirty="0" smtClean="0"/>
-              <a:t>the registration process</a:t>
-            </a:r>
-            <a:endParaRPr lang="en-US" sz="2000" dirty="0" smtClean="0"/>
-          </a:p>
-          <a:p>
-            <a:pPr lvl="1"/>
-            <a:r>
-              <a:rPr lang="en-US" sz="2000" dirty="0" smtClean="0"/>
+            <a:pPr lvl="1" eaLnBrk="1" hangingPunct="1"/>
+            <a:r>
+              <a:rPr lang="en-US" sz="2000" smtClean="0"/>
+              <a:t>Designed to standardize and automate the registration process</a:t>
+            </a:r>
+          </a:p>
+          <a:p>
+            <a:pPr lvl="1" eaLnBrk="1" hangingPunct="1"/>
+            <a:r>
+              <a:rPr lang="en-US" sz="2000" smtClean="0"/>
               <a:t>Coordinate multicenter trials</a:t>
             </a:r>
-            <a:endParaRPr lang="en-US" sz="2000" dirty="0" smtClean="0"/>
-          </a:p>
-          <a:p>
-            <a:pPr lvl="1"/>
-            <a:r>
-              <a:rPr lang="en-US" sz="2000" dirty="0" smtClean="0"/>
+          </a:p>
+          <a:p>
+            <a:pPr lvl="1" eaLnBrk="1" hangingPunct="1"/>
+            <a:r>
+              <a:rPr lang="en-US" sz="2000" smtClean="0"/>
               <a:t>Single interface</a:t>
             </a:r>
-            <a:endParaRPr lang="en-US" sz="2000" dirty="0" smtClean="0"/>
-          </a:p>
-          <a:p>
-            <a:r>
-              <a:rPr lang="en-US" sz="2400" dirty="0" smtClean="0"/>
-              <a:t>WHO: For Clinical Trial Managers and Clinical Trial Patient </a:t>
-            </a:r>
-            <a:r>
-              <a:rPr lang="en-US" sz="2400" dirty="0" smtClean="0"/>
-              <a:t>managers and registrars</a:t>
-            </a:r>
-            <a:endParaRPr lang="en-US" sz="2400" dirty="0"/>
-          </a:p>
-          <a:p>
-            <a:r>
-              <a:rPr lang="en-US" sz="2400" dirty="0" smtClean="0"/>
-              <a:t>HOW (1) Requires familiarity with Clinical Trials and </a:t>
-            </a:r>
-            <a:r>
-              <a:rPr lang="en-US" sz="2400" dirty="0" smtClean="0"/>
-              <a:t>basic registration options.</a:t>
-            </a:r>
-            <a:endParaRPr lang="en-US" sz="2400" dirty="0" smtClean="0"/>
-          </a:p>
-          <a:p>
-            <a:r>
-              <a:rPr lang="en-US" sz="2400" dirty="0" smtClean="0"/>
+          </a:p>
+          <a:p>
+            <a:pPr eaLnBrk="1" hangingPunct="1"/>
+            <a:r>
+              <a:rPr lang="en-US" sz="2400" smtClean="0"/>
+              <a:t>WHO: For Clinical Trial Managers and Clinical Trial Patient managers and registrars</a:t>
+            </a:r>
+          </a:p>
+          <a:p>
+            <a:pPr eaLnBrk="1" hangingPunct="1"/>
+            <a:r>
+              <a:rPr lang="en-US" sz="2400" smtClean="0"/>
+              <a:t>HOW (1) Requires familiarity with Clinical Trials and basic registration options.</a:t>
+            </a:r>
+          </a:p>
+          <a:p>
+            <a:pPr eaLnBrk="1" hangingPunct="1"/>
+            <a:r>
+              <a:rPr lang="en-US" sz="2400" smtClean="0"/>
               <a:t>HOW (2) Requires familiarity with web browsers</a:t>
             </a:r>
-            <a:endParaRPr lang="en-US" sz="2400" dirty="0"/>
           </a:p>
         </p:txBody>
       </p:sp>
@@ -8376,7 +8425,7 @@
       </p:grpSpPr>
       <p:sp>
         <p:nvSpPr>
-          <p:cNvPr id="124930" name="Rectangle 2"/>
+          <p:cNvPr id="22529" name="Rectangle 2"/>
           <p:cNvSpPr>
             <a:spLocks noGrp="1" noChangeArrowheads="1"/>
           </p:cNvSpPr>
@@ -8389,28 +8438,28 @@
           <a:bodyPr/>
           <a:lstStyle/>
           <a:p>
-            <a:r>
-              <a:rPr lang="en-US" sz="2000" dirty="0" smtClean="0"/>
+            <a:pPr eaLnBrk="1" hangingPunct="1"/>
+            <a:r>
+              <a:rPr lang="en-US" sz="2000" smtClean="0"/>
               <a:t>What am I going to do? </a:t>
             </a:r>
             <a:r>
-              <a:rPr lang="en-US" dirty="0"/>
+              <a:rPr lang="en-US" smtClean="0"/>
               <a:t/>
             </a:r>
             <a:br>
-              <a:rPr lang="en-US" dirty="0"/>
+              <a:rPr lang="en-US" smtClean="0"/>
             </a:br>
             <a:r>
-              <a:rPr lang="en-US" dirty="0" smtClean="0"/>
+              <a:rPr lang="en-US" smtClean="0"/>
               <a:t>How to use this presentation</a:t>
             </a:r>
-            <a:endParaRPr lang="en-US" dirty="0"/>
-          </a:p>
-        </p:txBody>
-      </p:sp>
-      <p:sp>
-        <p:nvSpPr>
-          <p:cNvPr id="124931" name="Rectangle 3"/>
+          </a:p>
+        </p:txBody>
+      </p:sp>
+      <p:sp>
+        <p:nvSpPr>
+          <p:cNvPr id="22530" name="Rectangle 3"/>
           <p:cNvSpPr>
             <a:spLocks noGrp="1" noChangeArrowheads="1"/>
           </p:cNvSpPr>
@@ -8428,111 +8477,109 @@
           <a:bodyPr/>
           <a:lstStyle/>
           <a:p>
-            <a:pPr defTabSz="457200"/>
-            <a:r>
-              <a:rPr lang="en-US" dirty="0" smtClean="0"/>
-              <a:t>You can use this presentation alone, or can switch between it and the </a:t>
-            </a:r>
-            <a:r>
-              <a:rPr lang="en-US" dirty="0" smtClean="0"/>
-              <a:t>C3PR </a:t>
-            </a:r>
-            <a:r>
-              <a:rPr lang="en-US" dirty="0" smtClean="0"/>
-              <a:t>live site to try things presented</a:t>
-            </a:r>
-          </a:p>
-          <a:p>
-            <a:pPr marL="457200" lvl="1" indent="-112713" defTabSz="457200">
+            <a:pPr defTabSz="457200" eaLnBrk="1" hangingPunct="1"/>
+            <a:r>
+              <a:rPr lang="en-US" smtClean="0"/>
+              <a:t>You can use this presentation alone, or can switch between it and the C3PR live site to try things presented</a:t>
+            </a:r>
+          </a:p>
+          <a:p>
+            <a:pPr marL="457200" lvl="1" indent="-112713" defTabSz="457200" eaLnBrk="1" hangingPunct="1">
+              <a:buFontTx/>
               <a:buNone/>
             </a:pPr>
-            <a:endParaRPr lang="en-US" sz="2600" b="1" dirty="0"/>
-          </a:p>
-          <a:p>
-            <a:pPr marL="457200" lvl="1" indent="-112713" defTabSz="457200"/>
-            <a:endParaRPr lang="en-US" sz="2600" b="1" dirty="0"/>
-          </a:p>
-        </p:txBody>
-      </p:sp>
-      <p:sp>
-        <p:nvSpPr>
-          <p:cNvPr id="7" name="Rectangle 6"/>
-          <p:cNvSpPr/>
+            <a:endParaRPr lang="en-US" sz="2600" b="1" smtClean="0"/>
+          </a:p>
+          <a:p>
+            <a:pPr marL="457200" lvl="1" indent="-112713" defTabSz="457200" eaLnBrk="1" hangingPunct="1"/>
+            <a:endParaRPr lang="en-US" sz="2600" b="1" smtClean="0"/>
+          </a:p>
+        </p:txBody>
+      </p:sp>
+      <p:sp>
+        <p:nvSpPr>
+          <p:cNvPr id="22531" name="Rectangle 6"/>
+          <p:cNvSpPr>
+            <a:spLocks noChangeArrowheads="1"/>
+          </p:cNvSpPr>
           <p:nvPr/>
         </p:nvSpPr>
-        <p:spPr>
+        <p:spPr bwMode="auto">
           <a:xfrm>
-            <a:off x="914400" y="3105834"/>
-            <a:ext cx="7696200" cy="400110"/>
-          </a:xfrm>
-          <a:prstGeom prst="rect">
-            <a:avLst/>
-          </a:prstGeom>
-        </p:spPr>
-        <p:txBody>
-          <a:bodyPr wrap="square">
-            <a:spAutoFit/>
-          </a:bodyPr>
-          <a:lstStyle/>
-          <a:p>
-            <a:r>
-              <a:rPr lang="en-US" sz="2000" dirty="0" smtClean="0">
-                <a:hlinkClick r:id="rId3" tooltip="https://sbdev1000.semanticbits.com:6030/caaers/public/login"/>
-              </a:rPr>
-              <a:t>https://</a:t>
-            </a:r>
-            <a:r>
-              <a:rPr lang="en-US" sz="2000" dirty="0" smtClean="0">
-                <a:hlinkClick r:id="rId3" tooltip="https://sbdev1000.semanticbits.com:6030/caaers/public/login"/>
-              </a:rPr>
-              <a:t>sbdev1000.semanticbits.com:8031/C3PR/public/login</a:t>
-            </a:r>
-            <a:endParaRPr lang="en-US" sz="2000" dirty="0"/>
-          </a:p>
-        </p:txBody>
-      </p:sp>
-      <p:sp>
-        <p:nvSpPr>
-          <p:cNvPr id="8" name="TextBox 7"/>
-          <p:cNvSpPr txBox="1"/>
-          <p:nvPr/>
-        </p:nvSpPr>
-        <p:spPr>
-          <a:xfrm>
-            <a:off x="1371600" y="4114800"/>
-            <a:ext cx="5867400" cy="830997"/>
+            <a:off x="914400" y="3105150"/>
+            <a:ext cx="7696200" cy="400050"/>
           </a:xfrm>
           <a:prstGeom prst="rect">
             <a:avLst/>
           </a:prstGeom>
           <a:noFill/>
-        </p:spPr>
-        <p:txBody>
-          <a:bodyPr wrap="square" rtlCol="0">
+          <a:ln w="9525">
+            <a:noFill/>
+            <a:miter lim="800000"/>
+            <a:headEnd/>
+            <a:tailEnd/>
+          </a:ln>
+        </p:spPr>
+        <p:txBody>
+          <a:bodyPr>
             <a:spAutoFit/>
           </a:bodyPr>
           <a:lstStyle/>
           <a:p>
             <a:r>
-              <a:rPr lang="en-US" sz="2400" dirty="0" smtClean="0"/>
-              <a:t>Login as</a:t>
-            </a:r>
-            <a:r>
-              <a:rPr lang="en-US" sz="2400" dirty="0" smtClean="0"/>
+              <a:rPr lang="en-US" sz="2000">
+                <a:hlinkClick r:id="rId3" tooltip="https://sbdev1000.semanticbits.com:6030/caaers/public/login"/>
+              </a:rPr>
+              <a:t>https://sbdev1000.semanticbits.com:8031/C3PR/public/login</a:t>
+            </a:r>
+            <a:endParaRPr lang="en-US" sz="2000"/>
+          </a:p>
+        </p:txBody>
+      </p:sp>
+      <p:sp>
+        <p:nvSpPr>
+          <p:cNvPr id="22532" name="TextBox 7"/>
+          <p:cNvSpPr txBox="1">
+            <a:spLocks noChangeArrowheads="1"/>
+          </p:cNvSpPr>
+          <p:nvPr/>
+        </p:nvSpPr>
+        <p:spPr bwMode="auto">
+          <a:xfrm>
+            <a:off x="1371600" y="4114800"/>
+            <a:ext cx="5867400" cy="830263"/>
+          </a:xfrm>
+          <a:prstGeom prst="rect">
+            <a:avLst/>
+          </a:prstGeom>
+          <a:noFill/>
+          <a:ln w="9525">
+            <a:noFill/>
+            <a:miter lim="800000"/>
+            <a:headEnd/>
+            <a:tailEnd/>
+          </a:ln>
+        </p:spPr>
+        <p:txBody>
+          <a:bodyPr>
+            <a:spAutoFit/>
+          </a:bodyPr>
+          <a:lstStyle/>
+          <a:p>
+            <a:r>
+              <a:rPr lang="en-US" sz="2400"/>
+              <a:t>Login as:</a:t>
+            </a:r>
+          </a:p>
+          <a:p>
+            <a:r>
+              <a:rPr lang="en-US" sz="2400"/>
+              <a:t>Password</a:t>
+            </a:r>
+            <a:r>
+              <a:rPr lang="en-US"/>
               <a:t>:</a:t>
             </a:r>
-            <a:endParaRPr lang="en-US" sz="2400" dirty="0" smtClean="0"/>
-          </a:p>
-          <a:p>
-            <a:r>
-              <a:rPr lang="en-US" sz="2400" dirty="0" smtClean="0"/>
-              <a:t>Password</a:t>
-            </a:r>
-            <a:r>
-              <a:rPr lang="en-US" dirty="0" smtClean="0"/>
-              <a:t>:</a:t>
-            </a:r>
-            <a:endParaRPr lang="en-US" dirty="0"/>
           </a:p>
         </p:txBody>
       </p:sp>
@@ -8570,7 +8617,7 @@
       </p:grpSpPr>
       <p:sp>
         <p:nvSpPr>
-          <p:cNvPr id="78850" name="Rectangle 2"/>
+          <p:cNvPr id="24577" name="Rectangle 2"/>
           <p:cNvSpPr>
             <a:spLocks noGrp="1" noChangeArrowheads="1"/>
           </p:cNvSpPr>
@@ -8588,25 +8635,26 @@
           <a:bodyPr/>
           <a:lstStyle/>
           <a:p>
-            <a:r>
-              <a:rPr lang="en-US" sz="2300" dirty="0" smtClean="0">
+            <a:pPr eaLnBrk="1" hangingPunct="1"/>
+            <a:r>
+              <a:rPr lang="en-US" sz="2300" smtClean="0">
                 <a:cs typeface="Arial" charset="0"/>
               </a:rPr>
               <a:t>What will I learn?</a:t>
             </a:r>
             <a:r>
-              <a:rPr lang="en-US" dirty="0">
+              <a:rPr lang="en-US" smtClean="0">
                 <a:cs typeface="Arial" charset="0"/>
               </a:rPr>
               <a:t/>
             </a:r>
             <a:br>
-              <a:rPr lang="en-US" dirty="0">
+              <a:rPr lang="en-US" smtClean="0">
                 <a:cs typeface="Arial" charset="0"/>
               </a:rPr>
             </a:br>
             <a:r>
-              <a:rPr lang="en-US" dirty="0">
+              <a:rPr lang="en-US" smtClean="0">
                 <a:cs typeface="Arial" charset="0"/>
               </a:rPr>
               <a:t>Session Goals</a:t>
@@ -8616,7 +8664,7 @@
       </p:sp>
       <p:sp>
         <p:nvSpPr>
-          <p:cNvPr id="78851" name="Rectangle 3"/>
+          <p:cNvPr id="24578" name="Rectangle 3"/>
           <p:cNvSpPr>
             <a:spLocks noGrp="1" noChangeArrowheads="1"/>
           </p:cNvSpPr>
@@ -8634,86 +8682,74 @@
           <a:bodyPr/>
           <a:lstStyle/>
           <a:p>
-            <a:r>
-              <a:rPr lang="en-US" dirty="0"/>
+            <a:pPr eaLnBrk="1" hangingPunct="1"/>
+            <a:r>
+              <a:rPr lang="en-US" smtClean="0"/>
               <a:t>By the end of this training, you will be able to:</a:t>
             </a:r>
           </a:p>
           <a:p>
-            <a:pPr lvl="1"/>
-            <a:r>
-              <a:rPr lang="en-US" dirty="0" smtClean="0"/>
-              <a:t>Set up </a:t>
-            </a:r>
-            <a:r>
-              <a:rPr lang="en-US" dirty="0" smtClean="0"/>
-              <a:t>C3PR </a:t>
-            </a:r>
-            <a:r>
-              <a:rPr lang="en-US" dirty="0" smtClean="0"/>
-              <a:t>for use</a:t>
-            </a:r>
-          </a:p>
-          <a:p>
-            <a:pPr lvl="2"/>
-            <a:r>
-              <a:rPr lang="en-US" sz="2400" dirty="0" smtClean="0"/>
+            <a:pPr lvl="1" eaLnBrk="1" hangingPunct="1"/>
+            <a:r>
+              <a:rPr lang="en-US" smtClean="0"/>
+              <a:t>Set up C3PR for use</a:t>
+            </a:r>
+          </a:p>
+          <a:p>
+            <a:pPr lvl="2" eaLnBrk="1" hangingPunct="1"/>
+            <a:r>
+              <a:rPr lang="en-US" sz="2400" smtClean="0"/>
               <a:t>Create a trial</a:t>
             </a:r>
           </a:p>
           <a:p>
-            <a:pPr lvl="2"/>
-            <a:r>
-              <a:rPr lang="en-US" sz="2400" dirty="0" smtClean="0"/>
-              <a:t>Create </a:t>
-            </a:r>
-            <a:r>
-              <a:rPr lang="en-US" sz="2400" dirty="0" smtClean="0"/>
-              <a:t>participant (patient)</a:t>
-            </a:r>
-            <a:endParaRPr lang="en-US" sz="2400" dirty="0" smtClean="0"/>
-          </a:p>
-          <a:p>
-            <a:pPr lvl="2"/>
-            <a:r>
-              <a:rPr lang="en-US" sz="2400" dirty="0" smtClean="0"/>
+            <a:pPr lvl="2" eaLnBrk="1" hangingPunct="1"/>
+            <a:r>
+              <a:rPr lang="en-US" sz="2400" smtClean="0"/>
+              <a:t>Create participant (patient)</a:t>
+            </a:r>
+          </a:p>
+          <a:p>
+            <a:pPr lvl="2" eaLnBrk="1" hangingPunct="1"/>
+            <a:r>
+              <a:rPr lang="en-US" sz="2400" smtClean="0"/>
               <a:t>Associate a patient with a trial</a:t>
             </a:r>
           </a:p>
           <a:p>
-            <a:pPr lvl="1"/>
-            <a:r>
-              <a:rPr lang="en-US" sz="2800" dirty="0" smtClean="0"/>
+            <a:pPr lvl="1" eaLnBrk="1" hangingPunct="1"/>
+            <a:r>
+              <a:rPr lang="en-US" sz="2800" smtClean="0"/>
               <a:t>Deal with epochs, randomization and reservations</a:t>
             </a:r>
-            <a:endParaRPr lang="en-US" sz="2800" dirty="0" smtClean="0"/>
-          </a:p>
-          <a:p>
-            <a:pPr lvl="2">
-              <a:buNone/>
-            </a:pPr>
-            <a:r>
-              <a:rPr lang="en-US" sz="2400" dirty="0" smtClean="0"/>
-              <a:t>	</a:t>
-            </a:r>
-            <a:endParaRPr lang="en-US" sz="2400" dirty="0"/>
-          </a:p>
-          <a:p>
-            <a:pPr lvl="1">
+          </a:p>
+          <a:p>
+            <a:pPr lvl="2" eaLnBrk="1" hangingPunct="1">
               <a:buFontTx/>
               <a:buNone/>
             </a:pPr>
-            <a:endParaRPr lang="en-US" sz="2000" dirty="0"/>
-          </a:p>
-          <a:p>
-            <a:pPr lvl="1">
+            <a:r>
+              <a:rPr lang="en-US" sz="2400" smtClean="0"/>
+              <a:t>	</a:t>
+            </a:r>
+          </a:p>
+          <a:p>
+            <a:pPr lvl="1" eaLnBrk="1" hangingPunct="1">
               <a:buFontTx/>
               <a:buNone/>
             </a:pPr>
-            <a:endParaRPr lang="en-US" sz="2000" dirty="0"/>
-          </a:p>
-          <a:p>
-            <a:endParaRPr lang="en-US" dirty="0"/>
+            <a:endParaRPr lang="en-US" sz="2000" smtClean="0"/>
+          </a:p>
+          <a:p>
+            <a:pPr lvl="1" eaLnBrk="1" hangingPunct="1">
+              <a:buFontTx/>
+              <a:buNone/>
+            </a:pPr>
+            <a:endParaRPr lang="en-US" sz="2000" smtClean="0"/>
+          </a:p>
+          <a:p>
+            <a:pPr eaLnBrk="1" hangingPunct="1"/>
+            <a:endParaRPr lang="en-US" smtClean="0"/>
           </a:p>
         </p:txBody>
       </p:sp>
@@ -8744,7 +8780,7 @@
       </p:grpSpPr>
       <p:sp>
         <p:nvSpPr>
-          <p:cNvPr id="80898" name="Rectangle 2"/>
+          <p:cNvPr id="26625" name="Rectangle 2"/>
           <p:cNvSpPr>
             <a:spLocks noChangeArrowheads="1"/>
           </p:cNvSpPr>
@@ -8765,7 +8801,6 @@
             <a:headEnd/>
             <a:tailEnd/>
           </a:ln>
-          <a:effectLst/>
         </p:spPr>
         <p:txBody>
           <a:bodyPr lIns="0" tIns="0" rIns="0" bIns="0" anchor="b"/>
@@ -8799,7 +8834,7 @@
       </p:sp>
       <p:sp>
         <p:nvSpPr>
-          <p:cNvPr id="80899" name="Rectangle 3"/>
+          <p:cNvPr id="26626" name="Rectangle 3"/>
           <p:cNvSpPr>
             <a:spLocks noChangeArrowheads="1"/>
           </p:cNvSpPr>
@@ -8820,7 +8855,6 @@
             <a:headEnd/>
             <a:tailEnd/>
           </a:ln>
-          <a:effectLst/>
         </p:spPr>
         <p:txBody>
           <a:bodyPr lIns="0" tIns="0" rIns="0" bIns="0"/>
@@ -8834,14 +8868,9 @@
               <a:buChar char="•"/>
             </a:pPr>
             <a:r>
-              <a:rPr lang="en-US" sz="2800" dirty="0"/>
-              <a:t>Lesson 1: </a:t>
-            </a:r>
-            <a:r>
-              <a:rPr lang="en-US" sz="2800" dirty="0" smtClean="0"/>
-              <a:t> Pre-use requirements and setup types</a:t>
-            </a:r>
-            <a:endParaRPr lang="en-US" sz="2800" dirty="0"/>
+              <a:rPr lang="en-US" sz="2800"/>
+              <a:t>Lesson 1:  Pre-use requirements and setup types</a:t>
+            </a:r>
           </a:p>
           <a:p>
             <a:pPr marL="342900" indent="-342900">
@@ -8852,14 +8881,9 @@
               <a:buChar char="•"/>
             </a:pPr>
             <a:r>
-              <a:rPr lang="en-US" sz="2800" dirty="0"/>
-              <a:t>Lesson 2</a:t>
-            </a:r>
-            <a:r>
-              <a:rPr lang="en-US" sz="2800" dirty="0" smtClean="0"/>
-              <a:t>:  Basic navigation</a:t>
-            </a:r>
-            <a:endParaRPr lang="en-US" sz="2800" dirty="0"/>
+              <a:rPr lang="en-US" sz="2800"/>
+              <a:t>Lesson 2:  Basic navigation</a:t>
+            </a:r>
           </a:p>
           <a:p>
             <a:pPr marL="342900" indent="-342900">
@@ -8870,12 +8894,8 @@
               <a:buChar char="•"/>
             </a:pPr>
             <a:r>
-              <a:rPr lang="en-US" sz="2800" dirty="0" smtClean="0"/>
-              <a:t>Lesson 3:  </a:t>
-            </a:r>
-            <a:r>
-              <a:rPr lang="en-US" sz="2800" dirty="0" smtClean="0"/>
-              <a:t>Creating Trials</a:t>
+              <a:rPr lang="en-US" sz="2800"/>
+              <a:t>Lesson 3:  Creating Trials</a:t>
             </a:r>
           </a:p>
           <a:p>
@@ -8887,7 +8907,7 @@
               <a:buChar char="•"/>
             </a:pPr>
             <a:r>
-              <a:rPr lang="en-US" sz="2800" dirty="0" smtClean="0"/>
+              <a:rPr lang="en-US" sz="2800"/>
               <a:t>Lesson 5:  Adding patients</a:t>
             </a:r>
           </a:p>
@@ -8900,14 +8920,9 @@
               <a:buChar char="•"/>
             </a:pPr>
             <a:r>
-              <a:rPr lang="en-US" sz="2800" dirty="0" smtClean="0"/>
-              <a:t>Lesson 6:  </a:t>
-            </a:r>
-            <a:r>
-              <a:rPr lang="en-US" sz="2800" dirty="0" smtClean="0"/>
-              <a:t>Associating patients with trials</a:t>
-            </a:r>
-            <a:endParaRPr lang="en-US" sz="2800" dirty="0" smtClean="0"/>
+              <a:rPr lang="en-US" sz="2800"/>
+              <a:t>Lesson 6:  Associating patients with trials</a:t>
+            </a:r>
           </a:p>
           <a:p>
             <a:pPr marL="342900" indent="-342900">
@@ -8918,14 +8933,9 @@
               <a:buChar char="•"/>
             </a:pPr>
             <a:r>
-              <a:rPr lang="en-US" sz="2800" dirty="0" smtClean="0"/>
-              <a:t>Lesson 7:  </a:t>
-            </a:r>
-            <a:r>
-              <a:rPr lang="en-US" sz="2800" dirty="0" smtClean="0"/>
-              <a:t>Things you may not have seen before		</a:t>
-            </a:r>
-            <a:endParaRPr lang="en-US" sz="2800" dirty="0" smtClean="0"/>
+              <a:rPr lang="en-US" sz="2800"/>
+              <a:t>Lesson 7:  Things you may not have seen before		</a:t>
+            </a:r>
           </a:p>
         </p:txBody>
       </p:sp>
@@ -8956,7 +8966,7 @@
       </p:grpSpPr>
       <p:sp>
         <p:nvSpPr>
-          <p:cNvPr id="82946" name="Rectangle 2"/>
+          <p:cNvPr id="28673" name="Rectangle 2"/>
           <p:cNvSpPr>
             <a:spLocks noGrp="1" noChangeArrowheads="1"/>
           </p:cNvSpPr>
@@ -8969,27 +8979,28 @@
           <a:bodyPr/>
           <a:lstStyle/>
           <a:p>
-            <a:r>
-              <a:rPr lang="en-US" sz="2400" dirty="0"/>
+            <a:pPr eaLnBrk="1" hangingPunct="1"/>
+            <a:r>
+              <a:rPr lang="en-US" sz="2400" smtClean="0"/>
               <a:t/>
             </a:r>
             <a:br>
-              <a:rPr lang="en-US" sz="2400" dirty="0"/>
+              <a:rPr lang="en-US" sz="2400" smtClean="0"/>
             </a:br>
             <a:r>
-              <a:rPr lang="en-US" sz="2400" dirty="0" smtClean="0"/>
+              <a:rPr lang="en-US" sz="2400" smtClean="0"/>
               <a:t>Lesson 1:  Pre-use requirements and setup types</a:t>
             </a:r>
             <a:br>
-              <a:rPr lang="en-US" sz="2400" dirty="0" smtClean="0"/>
+              <a:rPr lang="en-US" sz="2400" smtClean="0"/>
             </a:br>
-            <a:endParaRPr lang="en-US" sz="2400" dirty="0"/>
-          </a:p>
-        </p:txBody>
-      </p:sp>
-      <p:sp>
-        <p:nvSpPr>
-          <p:cNvPr id="82947" name="Rectangle 3"/>
+            <a:endParaRPr lang="en-US" sz="2400" smtClean="0"/>
+          </a:p>
+        </p:txBody>
+      </p:sp>
+      <p:sp>
+        <p:nvSpPr>
+          <p:cNvPr id="28674" name="Rectangle 3"/>
           <p:cNvSpPr>
             <a:spLocks noGrp="1" noChangeArrowheads="1"/>
           </p:cNvSpPr>
@@ -9007,41 +9018,36 @@
           <a:bodyPr/>
           <a:lstStyle/>
           <a:p>
-            <a:r>
-              <a:rPr lang="en-US" dirty="0" smtClean="0"/>
-              <a:t>Who sets up </a:t>
-            </a:r>
-            <a:r>
-              <a:rPr lang="en-US" dirty="0" smtClean="0"/>
-              <a:t>C3PR</a:t>
-            </a:r>
-            <a:endParaRPr lang="en-US" dirty="0" smtClean="0"/>
-          </a:p>
-          <a:p>
-            <a:r>
-              <a:rPr lang="en-US" dirty="0" smtClean="0"/>
+            <a:pPr eaLnBrk="1" hangingPunct="1"/>
+            <a:r>
+              <a:rPr lang="en-US" smtClean="0"/>
+              <a:t>Who sets up C3PR</a:t>
+            </a:r>
+          </a:p>
+          <a:p>
+            <a:pPr eaLnBrk="1" hangingPunct="1"/>
+            <a:r>
+              <a:rPr lang="en-US" smtClean="0"/>
               <a:t>Local versus hosted</a:t>
             </a:r>
           </a:p>
           <a:p>
-            <a:r>
-              <a:rPr lang="en-US" dirty="0" smtClean="0"/>
+            <a:pPr eaLnBrk="1" hangingPunct="1"/>
+            <a:r>
+              <a:rPr lang="en-US" smtClean="0"/>
               <a:t>Possible setups (imported versus entry)</a:t>
             </a:r>
           </a:p>
           <a:p>
-            <a:r>
-              <a:rPr lang="en-US" dirty="0" smtClean="0"/>
+            <a:pPr eaLnBrk="1" hangingPunct="1"/>
+            <a:r>
+              <a:rPr lang="en-US" smtClean="0"/>
               <a:t>What needs to be setup before you can us it?</a:t>
             </a:r>
-            <a:r>
-              <a:rPr lang="en-US" dirty="0"/>
-              <a:t/>
-            </a:r>
             <a:br>
-              <a:rPr lang="en-US" dirty="0"/>
+              <a:rPr lang="en-US" smtClean="0"/>
             </a:br>
-            <a:endParaRPr lang="en-US" dirty="0"/>
+            <a:endParaRPr lang="en-US" smtClean="0"/>
           </a:p>
         </p:txBody>
       </p:sp>
@@ -9072,7 +9078,7 @@
       </p:grpSpPr>
       <p:sp>
         <p:nvSpPr>
-          <p:cNvPr id="84994" name="Rectangle 2"/>
+          <p:cNvPr id="30721" name="Rectangle 2"/>
           <p:cNvSpPr>
             <a:spLocks noGrp="1" noChangeArrowheads="1"/>
           </p:cNvSpPr>
@@ -9085,33 +9091,32 @@
           <a:bodyPr/>
           <a:lstStyle/>
           <a:p>
-            <a:pPr>
+            <a:pPr eaLnBrk="1" hangingPunct="1">
               <a:lnSpc>
                 <a:spcPct val="90000"/>
               </a:lnSpc>
             </a:pPr>
             <a:r>
-              <a:rPr lang="en-US" dirty="0" smtClean="0"/>
+              <a:rPr lang="en-US" smtClean="0"/>
               <a:t>What is the level of support at your center</a:t>
             </a:r>
           </a:p>
           <a:p>
-            <a:pPr>
+            <a:pPr eaLnBrk="1" hangingPunct="1">
               <a:lnSpc>
                 <a:spcPct val="90000"/>
               </a:lnSpc>
             </a:pPr>
             <a:r>
-              <a:rPr lang="en-US" dirty="0" smtClean="0"/>
+              <a:rPr lang="en-US" smtClean="0"/>
               <a:t>What CTMS are you using</a:t>
             </a:r>
-            <a:endParaRPr lang="en-US" dirty="0"/>
-          </a:p>
-        </p:txBody>
-      </p:sp>
-      <p:sp>
-        <p:nvSpPr>
-          <p:cNvPr id="84995" name="Rectangle 3"/>
+          </a:p>
+        </p:txBody>
+      </p:sp>
+      <p:sp>
+        <p:nvSpPr>
+          <p:cNvPr id="30722" name="Rectangle 3"/>
           <p:cNvSpPr>
             <a:spLocks noGrp="1" noChangeArrowheads="1"/>
           </p:cNvSpPr>
@@ -9124,30 +9129,21 @@
             <a:off x="381000" y="76200"/>
             <a:ext cx="8229600" cy="990600"/>
           </a:xfrm>
-          <a:noFill/>
-          <a:ln/>
         </p:spPr>
         <p:txBody>
           <a:bodyPr lIns="0" tIns="0" rIns="0" bIns="0" anchor="b"/>
           <a:lstStyle/>
           <a:p>
-            <a:r>
-              <a:rPr lang="en-US" sz="2300" dirty="0"/>
-              <a:t>Lesson </a:t>
-            </a:r>
-            <a:r>
-              <a:rPr lang="en-US" sz="2300" dirty="0" smtClean="0"/>
-              <a:t>1</a:t>
-            </a:r>
-            <a:r>
-              <a:rPr lang="en-US" sz="2300" dirty="0"/>
-              <a:t/>
+            <a:pPr eaLnBrk="1" hangingPunct="1"/>
+            <a:r>
+              <a:rPr lang="en-US" sz="2300" smtClean="0"/>
+              <a:t>Lesson 1</a:t>
             </a:r>
             <a:br>
-              <a:rPr lang="en-US" sz="2300" dirty="0"/>
+              <a:rPr lang="en-US" sz="2300" smtClean="0"/>
             </a:br>
             <a:r>
-              <a:rPr lang="en-US" sz="3000" dirty="0"/>
+              <a:rPr lang="en-US" sz="3000" smtClean="0"/>
               <a:t>Review &amp; Questions</a:t>
             </a:r>
           </a:p>
@@ -9180,7 +9176,7 @@
       </p:grpSpPr>
       <p:sp>
         <p:nvSpPr>
-          <p:cNvPr id="82946" name="Rectangle 2"/>
+          <p:cNvPr id="32769" name="Rectangle 2"/>
           <p:cNvSpPr>
             <a:spLocks noGrp="1" noChangeArrowheads="1"/>
           </p:cNvSpPr>
@@ -9193,34 +9189,35 @@
           <a:bodyPr/>
           <a:lstStyle/>
           <a:p>
-            <a:r>
-              <a:rPr lang="en-US" sz="2400" dirty="0"/>
+            <a:pPr eaLnBrk="1" hangingPunct="1"/>
+            <a:r>
+              <a:rPr lang="en-US" sz="2400" smtClean="0"/>
               <a:t/>
             </a:r>
             <a:br>
-              <a:rPr lang="en-US" sz="2400" dirty="0"/>
+              <a:rPr lang="en-US" sz="2400" smtClean="0"/>
             </a:br>
             <a:r>
-              <a:rPr lang="en-US" sz="2400" dirty="0" smtClean="0"/>
+              <a:rPr lang="en-US" sz="2400" smtClean="0"/>
               <a:t>Lesson 2:  Basic navigation</a:t>
             </a:r>
             <a:br>
-              <a:rPr lang="en-US" sz="2400" dirty="0" smtClean="0"/>
+              <a:rPr lang="en-US" sz="2400" smtClean="0"/>
             </a:br>
             <a:r>
-              <a:rPr lang="en-US" sz="2400" dirty="0" smtClean="0"/>
+              <a:rPr lang="en-US" sz="2400" smtClean="0"/>
               <a:t/>
             </a:r>
             <a:br>
-              <a:rPr lang="en-US" sz="2400" dirty="0" smtClean="0"/>
+              <a:rPr lang="en-US" sz="2400" smtClean="0"/>
             </a:br>
-            <a:endParaRPr lang="en-US" sz="2400" dirty="0"/>
-          </a:p>
-        </p:txBody>
-      </p:sp>
-      <p:sp>
-        <p:nvSpPr>
-          <p:cNvPr id="82947" name="Rectangle 3"/>
+            <a:endParaRPr lang="en-US" sz="2400" smtClean="0"/>
+          </a:p>
+        </p:txBody>
+      </p:sp>
+      <p:sp>
+        <p:nvSpPr>
+          <p:cNvPr id="32770" name="Rectangle 3"/>
           <p:cNvSpPr>
             <a:spLocks noGrp="1" noChangeArrowheads="1"/>
           </p:cNvSpPr>
@@ -9238,58 +9235,64 @@
           <a:bodyPr/>
           <a:lstStyle/>
           <a:p>
-            <a:r>
-              <a:rPr lang="en-US" dirty="0" smtClean="0"/>
+            <a:pPr eaLnBrk="1" hangingPunct="1"/>
+            <a:r>
+              <a:rPr lang="en-US" smtClean="0"/>
               <a:t>Layout</a:t>
             </a:r>
           </a:p>
           <a:p>
-            <a:r>
-              <a:rPr lang="en-US" dirty="0" smtClean="0"/>
+            <a:pPr eaLnBrk="1" hangingPunct="1"/>
+            <a:r>
+              <a:rPr lang="en-US" smtClean="0"/>
               <a:t>Search options</a:t>
             </a:r>
           </a:p>
           <a:p>
-            <a:pPr lvl="1"/>
-            <a:r>
-              <a:rPr lang="en-US" dirty="0" smtClean="0"/>
+            <a:pPr lvl="1" eaLnBrk="1" hangingPunct="1"/>
+            <a:r>
+              <a:rPr lang="en-US" smtClean="0"/>
               <a:t>Button searches</a:t>
             </a:r>
           </a:p>
           <a:p>
-            <a:pPr lvl="1"/>
-            <a:r>
-              <a:rPr lang="en-US" dirty="0" smtClean="0"/>
+            <a:pPr lvl="1" eaLnBrk="1" hangingPunct="1"/>
+            <a:r>
+              <a:rPr lang="en-US" smtClean="0"/>
               <a:t>Google type searches</a:t>
             </a:r>
           </a:p>
           <a:p>
-            <a:r>
-              <a:rPr lang="en-US" dirty="0" smtClean="0"/>
+            <a:pPr eaLnBrk="1" hangingPunct="1"/>
+            <a:r>
+              <a:rPr lang="en-US" smtClean="0"/>
               <a:t>Tabs, and directed tabs</a:t>
             </a:r>
           </a:p>
           <a:p>
-            <a:r>
-              <a:rPr lang="en-US" dirty="0" smtClean="0"/>
+            <a:pPr eaLnBrk="1" hangingPunct="1"/>
+            <a:r>
+              <a:rPr lang="en-US" smtClean="0"/>
               <a:t>Required field designations</a:t>
             </a:r>
           </a:p>
           <a:p>
-            <a:r>
-              <a:rPr lang="en-US" dirty="0" smtClean="0"/>
+            <a:pPr eaLnBrk="1" hangingPunct="1"/>
+            <a:r>
+              <a:rPr lang="en-US" smtClean="0"/>
               <a:t>Save, save and continue, continue</a:t>
             </a:r>
           </a:p>
           <a:p>
-            <a:r>
-              <a:rPr lang="en-US" dirty="0"/>
+            <a:pPr eaLnBrk="1" hangingPunct="1"/>
+            <a:r>
+              <a:rPr lang="en-US" smtClean="0"/>
               <a:t/>
             </a:r>
             <a:br>
-              <a:rPr lang="en-US" dirty="0"/>
+              <a:rPr lang="en-US" smtClean="0"/>
             </a:br>
-            <a:endParaRPr lang="en-US" dirty="0"/>
+            <a:endParaRPr lang="en-US" smtClean="0"/>
           </a:p>
         </p:txBody>
       </p:sp>
